--- a/Main/Machine Learning.pptx
+++ b/Main/Machine Learning.pptx
@@ -5,12 +5,18 @@
     <p:sldMasterId id="2147483687" r:id="rId4"/>
   </p:sldMasterIdLst>
   <p:notesMasterIdLst>
-    <p:notesMasterId r:id="rId8"/>
+    <p:notesMasterId r:id="rId14"/>
   </p:notesMasterIdLst>
   <p:sldIdLst>
     <p:sldId id="256" r:id="rId5"/>
     <p:sldId id="257" r:id="rId6"/>
-    <p:sldId id="258" r:id="rId7"/>
+    <p:sldId id="259" r:id="rId7"/>
+    <p:sldId id="261" r:id="rId8"/>
+    <p:sldId id="262" r:id="rId9"/>
+    <p:sldId id="263" r:id="rId10"/>
+    <p:sldId id="260" r:id="rId11"/>
+    <p:sldId id="264" r:id="rId12"/>
+    <p:sldId id="258" r:id="rId13"/>
   </p:sldIdLst>
   <p:sldSz cx="12192000" cy="6858000"/>
   <p:notesSz cx="6858000" cy="9144000"/>
@@ -246,6 +252,4297 @@
 </pc:chgInfo>
 </file>
 
+<file path=ppt/diagrams/colors1.xml><?xml version="1.0" encoding="utf-8"?>
+<dgm:colorsDef xmlns:dgm="http://schemas.openxmlformats.org/drawingml/2006/diagram" xmlns:a="http://schemas.openxmlformats.org/drawingml/2006/main" uniqueId="urn:microsoft.com/office/officeart/2005/8/colors/colorful1">
+  <dgm:title val=""/>
+  <dgm:desc val=""/>
+  <dgm:catLst>
+    <dgm:cat type="colorful" pri="10100"/>
+  </dgm:catLst>
+  <dgm:styleLbl name="node0">
+    <dgm:fillClrLst meth="repeat">
+      <a:schemeClr val="accent1"/>
+    </dgm:fillClrLst>
+    <dgm:linClrLst meth="repeat">
+      <a:schemeClr val="lt1"/>
+    </dgm:linClrLst>
+    <dgm:effectClrLst/>
+    <dgm:txLinClrLst/>
+    <dgm:txFillClrLst/>
+    <dgm:txEffectClrLst/>
+  </dgm:styleLbl>
+  <dgm:styleLbl name="node1">
+    <dgm:fillClrLst meth="repeat">
+      <a:schemeClr val="accent2"/>
+      <a:schemeClr val="accent3"/>
+      <a:schemeClr val="accent4"/>
+      <a:schemeClr val="accent5"/>
+      <a:schemeClr val="accent6"/>
+    </dgm:fillClrLst>
+    <dgm:linClrLst meth="repeat">
+      <a:schemeClr val="lt1"/>
+    </dgm:linClrLst>
+    <dgm:effectClrLst/>
+    <dgm:txLinClrLst/>
+    <dgm:txFillClrLst/>
+    <dgm:txEffectClrLst/>
+  </dgm:styleLbl>
+  <dgm:styleLbl name="alignNode1">
+    <dgm:fillClrLst meth="repeat">
+      <a:schemeClr val="accent2"/>
+      <a:schemeClr val="accent3"/>
+      <a:schemeClr val="accent4"/>
+      <a:schemeClr val="accent5"/>
+      <a:schemeClr val="accent6"/>
+    </dgm:fillClrLst>
+    <dgm:linClrLst meth="repeat">
+      <a:schemeClr val="accent2"/>
+      <a:schemeClr val="accent3"/>
+      <a:schemeClr val="accent4"/>
+      <a:schemeClr val="accent5"/>
+      <a:schemeClr val="accent6"/>
+    </dgm:linClrLst>
+    <dgm:effectClrLst/>
+    <dgm:txLinClrLst/>
+    <dgm:txFillClrLst/>
+    <dgm:txEffectClrLst/>
+  </dgm:styleLbl>
+  <dgm:styleLbl name="lnNode1">
+    <dgm:fillClrLst meth="repeat">
+      <a:schemeClr val="accent2"/>
+      <a:schemeClr val="accent3"/>
+      <a:schemeClr val="accent4"/>
+      <a:schemeClr val="accent5"/>
+      <a:schemeClr val="accent6"/>
+    </dgm:fillClrLst>
+    <dgm:linClrLst meth="repeat">
+      <a:schemeClr val="lt1"/>
+    </dgm:linClrLst>
+    <dgm:effectClrLst/>
+    <dgm:txLinClrLst/>
+    <dgm:txFillClrLst/>
+    <dgm:txEffectClrLst/>
+  </dgm:styleLbl>
+  <dgm:styleLbl name="vennNode1">
+    <dgm:fillClrLst meth="repeat">
+      <a:schemeClr val="accent2">
+        <a:alpha val="50000"/>
+      </a:schemeClr>
+      <a:schemeClr val="accent3">
+        <a:alpha val="50000"/>
+      </a:schemeClr>
+      <a:schemeClr val="accent4">
+        <a:alpha val="50000"/>
+      </a:schemeClr>
+      <a:schemeClr val="accent5">
+        <a:alpha val="50000"/>
+      </a:schemeClr>
+      <a:schemeClr val="accent6">
+        <a:alpha val="50000"/>
+      </a:schemeClr>
+    </dgm:fillClrLst>
+    <dgm:linClrLst meth="repeat">
+      <a:schemeClr val="lt1"/>
+    </dgm:linClrLst>
+    <dgm:effectClrLst/>
+    <dgm:txLinClrLst/>
+    <dgm:txFillClrLst/>
+    <dgm:txEffectClrLst/>
+  </dgm:styleLbl>
+  <dgm:styleLbl name="node2">
+    <dgm:fillClrLst>
+      <a:schemeClr val="accent2"/>
+    </dgm:fillClrLst>
+    <dgm:linClrLst meth="repeat">
+      <a:schemeClr val="lt1"/>
+    </dgm:linClrLst>
+    <dgm:effectClrLst/>
+    <dgm:txLinClrLst/>
+    <dgm:txFillClrLst/>
+    <dgm:txEffectClrLst/>
+  </dgm:styleLbl>
+  <dgm:styleLbl name="node3">
+    <dgm:fillClrLst>
+      <a:schemeClr val="accent3"/>
+    </dgm:fillClrLst>
+    <dgm:linClrLst meth="repeat">
+      <a:schemeClr val="lt1"/>
+    </dgm:linClrLst>
+    <dgm:effectClrLst/>
+    <dgm:txLinClrLst/>
+    <dgm:txFillClrLst/>
+    <dgm:txEffectClrLst/>
+  </dgm:styleLbl>
+  <dgm:styleLbl name="node4">
+    <dgm:fillClrLst>
+      <a:schemeClr val="accent4"/>
+    </dgm:fillClrLst>
+    <dgm:linClrLst meth="repeat">
+      <a:schemeClr val="lt1"/>
+    </dgm:linClrLst>
+    <dgm:effectClrLst/>
+    <dgm:txLinClrLst/>
+    <dgm:txFillClrLst/>
+    <dgm:txEffectClrLst/>
+  </dgm:styleLbl>
+  <dgm:styleLbl name="fgImgPlace1">
+    <dgm:fillClrLst meth="repeat">
+      <a:schemeClr val="accent2">
+        <a:tint val="50000"/>
+      </a:schemeClr>
+      <a:schemeClr val="accent3">
+        <a:tint val="50000"/>
+      </a:schemeClr>
+      <a:schemeClr val="accent4">
+        <a:tint val="50000"/>
+      </a:schemeClr>
+      <a:schemeClr val="accent5">
+        <a:tint val="50000"/>
+      </a:schemeClr>
+      <a:schemeClr val="accent6">
+        <a:tint val="50000"/>
+      </a:schemeClr>
+    </dgm:fillClrLst>
+    <dgm:linClrLst meth="repeat">
+      <a:schemeClr val="lt1"/>
+    </dgm:linClrLst>
+    <dgm:effectClrLst/>
+    <dgm:txLinClrLst/>
+    <dgm:txFillClrLst meth="repeat">
+      <a:schemeClr val="lt1"/>
+    </dgm:txFillClrLst>
+    <dgm:txEffectClrLst/>
+  </dgm:styleLbl>
+  <dgm:styleLbl name="alignImgPlace1">
+    <dgm:fillClrLst>
+      <a:schemeClr val="accent1">
+        <a:tint val="50000"/>
+      </a:schemeClr>
+      <a:schemeClr val="accent2">
+        <a:tint val="20000"/>
+      </a:schemeClr>
+    </dgm:fillClrLst>
+    <dgm:linClrLst meth="repeat">
+      <a:schemeClr val="lt1"/>
+    </dgm:linClrLst>
+    <dgm:effectClrLst/>
+    <dgm:txLinClrLst/>
+    <dgm:txFillClrLst meth="repeat">
+      <a:schemeClr val="lt1"/>
+    </dgm:txFillClrLst>
+    <dgm:txEffectClrLst/>
+  </dgm:styleLbl>
+  <dgm:styleLbl name="bgImgPlace1">
+    <dgm:fillClrLst>
+      <a:schemeClr val="accent1">
+        <a:tint val="50000"/>
+      </a:schemeClr>
+      <a:schemeClr val="accent2">
+        <a:tint val="20000"/>
+      </a:schemeClr>
+    </dgm:fillClrLst>
+    <dgm:linClrLst meth="repeat">
+      <a:schemeClr val="lt1"/>
+    </dgm:linClrLst>
+    <dgm:effectClrLst/>
+    <dgm:txLinClrLst/>
+    <dgm:txFillClrLst meth="repeat">
+      <a:schemeClr val="lt1"/>
+    </dgm:txFillClrLst>
+    <dgm:txEffectClrLst/>
+  </dgm:styleLbl>
+  <dgm:styleLbl name="sibTrans2D1">
+    <dgm:fillClrLst meth="repeat">
+      <a:schemeClr val="accent2"/>
+      <a:schemeClr val="accent3"/>
+      <a:schemeClr val="accent4"/>
+      <a:schemeClr val="accent5"/>
+      <a:schemeClr val="accent6"/>
+    </dgm:fillClrLst>
+    <dgm:linClrLst meth="cycle">
+      <a:schemeClr val="lt1"/>
+    </dgm:linClrLst>
+    <dgm:effectClrLst/>
+    <dgm:txLinClrLst/>
+    <dgm:txFillClrLst/>
+    <dgm:txEffectClrLst/>
+  </dgm:styleLbl>
+  <dgm:styleLbl name="fgSibTrans2D1">
+    <dgm:fillClrLst meth="repeat">
+      <a:schemeClr val="accent2"/>
+      <a:schemeClr val="accent3"/>
+      <a:schemeClr val="accent4"/>
+      <a:schemeClr val="accent5"/>
+      <a:schemeClr val="accent6"/>
+    </dgm:fillClrLst>
+    <dgm:linClrLst meth="cycle">
+      <a:schemeClr val="lt1"/>
+    </dgm:linClrLst>
+    <dgm:effectClrLst/>
+    <dgm:txLinClrLst/>
+    <dgm:txFillClrLst meth="repeat">
+      <a:schemeClr val="lt1"/>
+    </dgm:txFillClrLst>
+    <dgm:txEffectClrLst/>
+  </dgm:styleLbl>
+  <dgm:styleLbl name="bgSibTrans2D1">
+    <dgm:fillClrLst meth="repeat">
+      <a:schemeClr val="accent2"/>
+      <a:schemeClr val="accent3"/>
+      <a:schemeClr val="accent4"/>
+      <a:schemeClr val="accent5"/>
+      <a:schemeClr val="accent6"/>
+    </dgm:fillClrLst>
+    <dgm:linClrLst meth="cycle">
+      <a:schemeClr val="lt1"/>
+    </dgm:linClrLst>
+    <dgm:effectClrLst/>
+    <dgm:txLinClrLst/>
+    <dgm:txFillClrLst meth="repeat">
+      <a:schemeClr val="lt1"/>
+    </dgm:txFillClrLst>
+    <dgm:txEffectClrLst/>
+  </dgm:styleLbl>
+  <dgm:styleLbl name="sibTrans1D1">
+    <dgm:fillClrLst meth="repeat">
+      <a:schemeClr val="accent2"/>
+      <a:schemeClr val="accent3"/>
+      <a:schemeClr val="accent4"/>
+      <a:schemeClr val="accent5"/>
+      <a:schemeClr val="accent6"/>
+    </dgm:fillClrLst>
+    <dgm:linClrLst meth="repeat">
+      <a:schemeClr val="accent2"/>
+      <a:schemeClr val="accent3"/>
+      <a:schemeClr val="accent4"/>
+      <a:schemeClr val="accent5"/>
+      <a:schemeClr val="accent6"/>
+    </dgm:linClrLst>
+    <dgm:effectClrLst/>
+    <dgm:txLinClrLst/>
+    <dgm:txFillClrLst meth="repeat">
+      <a:schemeClr val="tx1"/>
+    </dgm:txFillClrLst>
+    <dgm:txEffectClrLst/>
+  </dgm:styleLbl>
+  <dgm:styleLbl name="callout">
+    <dgm:fillClrLst meth="repeat">
+      <a:schemeClr val="accent2"/>
+    </dgm:fillClrLst>
+    <dgm:linClrLst meth="repeat">
+      <a:schemeClr val="accent2">
+        <a:tint val="50000"/>
+      </a:schemeClr>
+    </dgm:linClrLst>
+    <dgm:effectClrLst/>
+    <dgm:txLinClrLst/>
+    <dgm:txFillClrLst meth="repeat">
+      <a:schemeClr val="tx1"/>
+    </dgm:txFillClrLst>
+    <dgm:txEffectClrLst/>
+  </dgm:styleLbl>
+  <dgm:styleLbl name="asst0">
+    <dgm:fillClrLst meth="repeat">
+      <a:schemeClr val="accent1"/>
+    </dgm:fillClrLst>
+    <dgm:linClrLst meth="repeat">
+      <a:schemeClr val="lt1"/>
+    </dgm:linClrLst>
+    <dgm:effectClrLst/>
+    <dgm:txLinClrLst/>
+    <dgm:txFillClrLst/>
+    <dgm:txEffectClrLst/>
+  </dgm:styleLbl>
+  <dgm:styleLbl name="asst1">
+    <dgm:fillClrLst meth="repeat">
+      <a:schemeClr val="accent2"/>
+    </dgm:fillClrLst>
+    <dgm:linClrLst meth="repeat">
+      <a:schemeClr val="lt1"/>
+    </dgm:linClrLst>
+    <dgm:effectClrLst/>
+    <dgm:txLinClrLst/>
+    <dgm:txFillClrLst/>
+    <dgm:txEffectClrLst/>
+  </dgm:styleLbl>
+  <dgm:styleLbl name="asst2">
+    <dgm:fillClrLst>
+      <a:schemeClr val="accent3"/>
+    </dgm:fillClrLst>
+    <dgm:linClrLst meth="repeat">
+      <a:schemeClr val="lt1"/>
+    </dgm:linClrLst>
+    <dgm:effectClrLst/>
+    <dgm:txLinClrLst/>
+    <dgm:txFillClrLst/>
+    <dgm:txEffectClrLst/>
+  </dgm:styleLbl>
+  <dgm:styleLbl name="asst3">
+    <dgm:fillClrLst>
+      <a:schemeClr val="accent4"/>
+    </dgm:fillClrLst>
+    <dgm:linClrLst meth="repeat">
+      <a:schemeClr val="lt1"/>
+    </dgm:linClrLst>
+    <dgm:effectClrLst/>
+    <dgm:txLinClrLst/>
+    <dgm:txFillClrLst/>
+    <dgm:txEffectClrLst/>
+  </dgm:styleLbl>
+  <dgm:styleLbl name="asst4">
+    <dgm:fillClrLst>
+      <a:schemeClr val="accent5"/>
+    </dgm:fillClrLst>
+    <dgm:linClrLst meth="repeat">
+      <a:schemeClr val="lt1"/>
+    </dgm:linClrLst>
+    <dgm:effectClrLst/>
+    <dgm:txLinClrLst/>
+    <dgm:txFillClrLst/>
+    <dgm:txEffectClrLst/>
+  </dgm:styleLbl>
+  <dgm:styleLbl name="parChTrans2D1">
+    <dgm:fillClrLst meth="repeat">
+      <a:schemeClr val="accent2"/>
+    </dgm:fillClrLst>
+    <dgm:linClrLst meth="repeat">
+      <a:schemeClr val="lt1"/>
+    </dgm:linClrLst>
+    <dgm:effectClrLst/>
+    <dgm:txLinClrLst/>
+    <dgm:txFillClrLst meth="repeat">
+      <a:schemeClr val="lt1"/>
+    </dgm:txFillClrLst>
+    <dgm:txEffectClrLst/>
+  </dgm:styleLbl>
+  <dgm:styleLbl name="parChTrans2D2">
+    <dgm:fillClrLst meth="repeat">
+      <a:schemeClr val="accent3"/>
+    </dgm:fillClrLst>
+    <dgm:linClrLst meth="repeat">
+      <a:schemeClr val="lt1"/>
+    </dgm:linClrLst>
+    <dgm:effectClrLst/>
+    <dgm:txLinClrLst/>
+    <dgm:txFillClrLst/>
+    <dgm:txEffectClrLst/>
+  </dgm:styleLbl>
+  <dgm:styleLbl name="parChTrans2D3">
+    <dgm:fillClrLst meth="repeat">
+      <a:schemeClr val="accent4"/>
+    </dgm:fillClrLst>
+    <dgm:linClrLst meth="repeat">
+      <a:schemeClr val="lt1"/>
+    </dgm:linClrLst>
+    <dgm:effectClrLst/>
+    <dgm:txLinClrLst/>
+    <dgm:txFillClrLst/>
+    <dgm:txEffectClrLst/>
+  </dgm:styleLbl>
+  <dgm:styleLbl name="parChTrans2D4">
+    <dgm:fillClrLst meth="repeat">
+      <a:schemeClr val="accent5"/>
+    </dgm:fillClrLst>
+    <dgm:linClrLst meth="repeat">
+      <a:schemeClr val="lt1"/>
+    </dgm:linClrLst>
+    <dgm:effectClrLst/>
+    <dgm:txLinClrLst/>
+    <dgm:txFillClrLst meth="repeat">
+      <a:schemeClr val="lt1"/>
+    </dgm:txFillClrLst>
+    <dgm:txEffectClrLst/>
+  </dgm:styleLbl>
+  <dgm:styleLbl name="parChTrans1D1">
+    <dgm:fillClrLst meth="repeat">
+      <a:schemeClr val="accent2"/>
+    </dgm:fillClrLst>
+    <dgm:linClrLst meth="repeat">
+      <a:schemeClr val="accent1"/>
+    </dgm:linClrLst>
+    <dgm:effectClrLst/>
+    <dgm:txLinClrLst/>
+    <dgm:txFillClrLst meth="repeat">
+      <a:schemeClr val="tx1"/>
+    </dgm:txFillClrLst>
+    <dgm:txEffectClrLst/>
+  </dgm:styleLbl>
+  <dgm:styleLbl name="parChTrans1D2">
+    <dgm:fillClrLst meth="repeat">
+      <a:schemeClr val="accent3">
+        <a:tint val="90000"/>
+      </a:schemeClr>
+    </dgm:fillClrLst>
+    <dgm:linClrLst meth="repeat">
+      <a:schemeClr val="accent2"/>
+    </dgm:linClrLst>
+    <dgm:effectClrLst/>
+    <dgm:txLinClrLst/>
+    <dgm:txFillClrLst meth="repeat">
+      <a:schemeClr val="tx1"/>
+    </dgm:txFillClrLst>
+    <dgm:txEffectClrLst/>
+  </dgm:styleLbl>
+  <dgm:styleLbl name="parChTrans1D3">
+    <dgm:fillClrLst meth="repeat">
+      <a:schemeClr val="accent4">
+        <a:tint val="70000"/>
+      </a:schemeClr>
+    </dgm:fillClrLst>
+    <dgm:linClrLst meth="repeat">
+      <a:schemeClr val="accent3"/>
+    </dgm:linClrLst>
+    <dgm:effectClrLst/>
+    <dgm:txLinClrLst/>
+    <dgm:txFillClrLst meth="repeat">
+      <a:schemeClr val="tx1"/>
+    </dgm:txFillClrLst>
+    <dgm:txEffectClrLst/>
+  </dgm:styleLbl>
+  <dgm:styleLbl name="parChTrans1D4">
+    <dgm:fillClrLst meth="repeat">
+      <a:schemeClr val="accent5">
+        <a:tint val="50000"/>
+      </a:schemeClr>
+    </dgm:fillClrLst>
+    <dgm:linClrLst meth="repeat">
+      <a:schemeClr val="accent4"/>
+    </dgm:linClrLst>
+    <dgm:effectClrLst/>
+    <dgm:txLinClrLst/>
+    <dgm:txFillClrLst meth="repeat">
+      <a:schemeClr val="tx1"/>
+    </dgm:txFillClrLst>
+    <dgm:txEffectClrLst/>
+  </dgm:styleLbl>
+  <dgm:styleLbl name="fgAcc1">
+    <dgm:fillClrLst meth="repeat">
+      <a:schemeClr val="lt1">
+        <a:alpha val="90000"/>
+      </a:schemeClr>
+    </dgm:fillClrLst>
+    <dgm:linClrLst meth="repeat">
+      <a:schemeClr val="accent2"/>
+      <a:schemeClr val="accent3"/>
+      <a:schemeClr val="accent4"/>
+      <a:schemeClr val="accent5"/>
+      <a:schemeClr val="accent6"/>
+    </dgm:linClrLst>
+    <dgm:effectClrLst/>
+    <dgm:txLinClrLst/>
+    <dgm:txFillClrLst meth="repeat">
+      <a:schemeClr val="dk1"/>
+    </dgm:txFillClrLst>
+    <dgm:txEffectClrLst/>
+  </dgm:styleLbl>
+  <dgm:styleLbl name="conFgAcc1">
+    <dgm:fillClrLst meth="repeat">
+      <a:schemeClr val="lt1">
+        <a:alpha val="90000"/>
+      </a:schemeClr>
+    </dgm:fillClrLst>
+    <dgm:linClrLst meth="repeat">
+      <a:schemeClr val="accent2"/>
+      <a:schemeClr val="accent3"/>
+      <a:schemeClr val="accent4"/>
+      <a:schemeClr val="accent5"/>
+      <a:schemeClr val="accent6"/>
+    </dgm:linClrLst>
+    <dgm:effectClrLst/>
+    <dgm:txLinClrLst/>
+    <dgm:txFillClrLst meth="repeat">
+      <a:schemeClr val="dk1"/>
+    </dgm:txFillClrLst>
+    <dgm:txEffectClrLst/>
+  </dgm:styleLbl>
+  <dgm:styleLbl name="alignAcc1">
+    <dgm:fillClrLst meth="repeat">
+      <a:schemeClr val="lt1">
+        <a:alpha val="90000"/>
+      </a:schemeClr>
+    </dgm:fillClrLst>
+    <dgm:linClrLst meth="repeat">
+      <a:schemeClr val="accent2"/>
+      <a:schemeClr val="accent3"/>
+      <a:schemeClr val="accent4"/>
+      <a:schemeClr val="accent5"/>
+      <a:schemeClr val="accent6"/>
+    </dgm:linClrLst>
+    <dgm:effectClrLst/>
+    <dgm:txLinClrLst/>
+    <dgm:txFillClrLst meth="repeat">
+      <a:schemeClr val="dk1"/>
+    </dgm:txFillClrLst>
+    <dgm:txEffectClrLst/>
+  </dgm:styleLbl>
+  <dgm:styleLbl name="trAlignAcc1">
+    <dgm:fillClrLst meth="repeat">
+      <a:schemeClr val="lt1">
+        <a:alpha val="40000"/>
+      </a:schemeClr>
+    </dgm:fillClrLst>
+    <dgm:linClrLst meth="repeat">
+      <a:schemeClr val="accent1"/>
+    </dgm:linClrLst>
+    <dgm:effectClrLst/>
+    <dgm:txLinClrLst/>
+    <dgm:txFillClrLst meth="repeat">
+      <a:schemeClr val="dk1"/>
+    </dgm:txFillClrLst>
+    <dgm:txEffectClrLst/>
+  </dgm:styleLbl>
+  <dgm:styleLbl name="bgAcc1">
+    <dgm:fillClrLst meth="repeat">
+      <a:schemeClr val="lt1">
+        <a:alpha val="90000"/>
+      </a:schemeClr>
+    </dgm:fillClrLst>
+    <dgm:linClrLst meth="repeat">
+      <a:schemeClr val="accent2"/>
+      <a:schemeClr val="accent3"/>
+      <a:schemeClr val="accent4"/>
+      <a:schemeClr val="accent5"/>
+      <a:schemeClr val="accent6"/>
+    </dgm:linClrLst>
+    <dgm:effectClrLst/>
+    <dgm:txLinClrLst/>
+    <dgm:txFillClrLst meth="repeat">
+      <a:schemeClr val="dk1"/>
+    </dgm:txFillClrLst>
+    <dgm:txEffectClrLst/>
+  </dgm:styleLbl>
+  <dgm:styleLbl name="solidFgAcc1">
+    <dgm:fillClrLst meth="repeat">
+      <a:schemeClr val="lt1"/>
+    </dgm:fillClrLst>
+    <dgm:linClrLst meth="repeat">
+      <a:schemeClr val="accent2"/>
+      <a:schemeClr val="accent3"/>
+      <a:schemeClr val="accent4"/>
+      <a:schemeClr val="accent5"/>
+      <a:schemeClr val="accent6"/>
+    </dgm:linClrLst>
+    <dgm:effectClrLst/>
+    <dgm:txLinClrLst/>
+    <dgm:txFillClrLst meth="repeat">
+      <a:schemeClr val="dk1"/>
+    </dgm:txFillClrLst>
+    <dgm:txEffectClrLst/>
+  </dgm:styleLbl>
+  <dgm:styleLbl name="solidAlignAcc1">
+    <dgm:fillClrLst meth="repeat">
+      <a:schemeClr val="lt1"/>
+    </dgm:fillClrLst>
+    <dgm:linClrLst meth="repeat">
+      <a:schemeClr val="accent2"/>
+      <a:schemeClr val="accent3"/>
+      <a:schemeClr val="accent4"/>
+      <a:schemeClr val="accent5"/>
+      <a:schemeClr val="accent6"/>
+    </dgm:linClrLst>
+    <dgm:effectClrLst/>
+    <dgm:txLinClrLst/>
+    <dgm:txFillClrLst meth="repeat">
+      <a:schemeClr val="dk1"/>
+    </dgm:txFillClrLst>
+    <dgm:txEffectClrLst/>
+  </dgm:styleLbl>
+  <dgm:styleLbl name="solidBgAcc1">
+    <dgm:fillClrLst meth="repeat">
+      <a:schemeClr val="lt1"/>
+    </dgm:fillClrLst>
+    <dgm:linClrLst meth="repeat">
+      <a:schemeClr val="accent2"/>
+      <a:schemeClr val="accent3"/>
+      <a:schemeClr val="accent4"/>
+      <a:schemeClr val="accent5"/>
+      <a:schemeClr val="accent6"/>
+    </dgm:linClrLst>
+    <dgm:effectClrLst/>
+    <dgm:txLinClrLst/>
+    <dgm:txFillClrLst meth="repeat">
+      <a:schemeClr val="dk1"/>
+    </dgm:txFillClrLst>
+    <dgm:txEffectClrLst/>
+  </dgm:styleLbl>
+  <dgm:styleLbl name="fgAccFollowNode1">
+    <dgm:fillClrLst meth="repeat">
+      <a:schemeClr val="accent2">
+        <a:tint val="40000"/>
+        <a:alpha val="90000"/>
+      </a:schemeClr>
+      <a:schemeClr val="accent3">
+        <a:tint val="40000"/>
+        <a:alpha val="90000"/>
+      </a:schemeClr>
+      <a:schemeClr val="accent4">
+        <a:tint val="40000"/>
+        <a:alpha val="90000"/>
+      </a:schemeClr>
+      <a:schemeClr val="accent5">
+        <a:tint val="40000"/>
+        <a:alpha val="90000"/>
+      </a:schemeClr>
+      <a:schemeClr val="accent6">
+        <a:tint val="40000"/>
+        <a:alpha val="90000"/>
+      </a:schemeClr>
+    </dgm:fillClrLst>
+    <dgm:linClrLst meth="repeat">
+      <a:schemeClr val="accent2">
+        <a:tint val="40000"/>
+        <a:alpha val="90000"/>
+      </a:schemeClr>
+      <a:schemeClr val="accent3">
+        <a:tint val="40000"/>
+        <a:alpha val="90000"/>
+      </a:schemeClr>
+      <a:schemeClr val="accent4">
+        <a:tint val="40000"/>
+        <a:alpha val="90000"/>
+      </a:schemeClr>
+      <a:schemeClr val="accent5">
+        <a:tint val="40000"/>
+        <a:alpha val="90000"/>
+      </a:schemeClr>
+      <a:schemeClr val="accent6">
+        <a:tint val="40000"/>
+        <a:alpha val="90000"/>
+      </a:schemeClr>
+    </dgm:linClrLst>
+    <dgm:effectClrLst/>
+    <dgm:txLinClrLst/>
+    <dgm:txFillClrLst meth="repeat">
+      <a:schemeClr val="dk1"/>
+    </dgm:txFillClrLst>
+    <dgm:txEffectClrLst/>
+  </dgm:styleLbl>
+  <dgm:styleLbl name="alignAccFollowNode1">
+    <dgm:fillClrLst meth="repeat">
+      <a:schemeClr val="accent2">
+        <a:tint val="40000"/>
+        <a:alpha val="90000"/>
+      </a:schemeClr>
+      <a:schemeClr val="accent3">
+        <a:tint val="40000"/>
+        <a:alpha val="90000"/>
+      </a:schemeClr>
+      <a:schemeClr val="accent4">
+        <a:tint val="40000"/>
+        <a:alpha val="90000"/>
+      </a:schemeClr>
+      <a:schemeClr val="accent5">
+        <a:tint val="40000"/>
+        <a:alpha val="90000"/>
+      </a:schemeClr>
+      <a:schemeClr val="accent6">
+        <a:tint val="40000"/>
+        <a:alpha val="90000"/>
+      </a:schemeClr>
+    </dgm:fillClrLst>
+    <dgm:linClrLst meth="repeat">
+      <a:schemeClr val="accent2">
+        <a:tint val="40000"/>
+        <a:alpha val="90000"/>
+      </a:schemeClr>
+      <a:schemeClr val="accent3">
+        <a:tint val="40000"/>
+        <a:alpha val="90000"/>
+      </a:schemeClr>
+      <a:schemeClr val="accent4">
+        <a:tint val="40000"/>
+        <a:alpha val="90000"/>
+      </a:schemeClr>
+      <a:schemeClr val="accent5">
+        <a:tint val="40000"/>
+        <a:alpha val="90000"/>
+      </a:schemeClr>
+      <a:schemeClr val="accent6">
+        <a:tint val="40000"/>
+        <a:alpha val="90000"/>
+      </a:schemeClr>
+    </dgm:linClrLst>
+    <dgm:effectClrLst/>
+    <dgm:txLinClrLst/>
+    <dgm:txFillClrLst meth="repeat">
+      <a:schemeClr val="dk1"/>
+    </dgm:txFillClrLst>
+    <dgm:txEffectClrLst/>
+  </dgm:styleLbl>
+  <dgm:styleLbl name="bgAccFollowNode1">
+    <dgm:fillClrLst meth="repeat">
+      <a:schemeClr val="accent2">
+        <a:tint val="40000"/>
+        <a:alpha val="90000"/>
+      </a:schemeClr>
+      <a:schemeClr val="accent3">
+        <a:tint val="40000"/>
+        <a:alpha val="90000"/>
+      </a:schemeClr>
+      <a:schemeClr val="accent4">
+        <a:tint val="40000"/>
+        <a:alpha val="90000"/>
+      </a:schemeClr>
+      <a:schemeClr val="accent5">
+        <a:tint val="40000"/>
+        <a:alpha val="90000"/>
+      </a:schemeClr>
+      <a:schemeClr val="accent6">
+        <a:tint val="40000"/>
+        <a:alpha val="90000"/>
+      </a:schemeClr>
+    </dgm:fillClrLst>
+    <dgm:linClrLst meth="repeat">
+      <a:schemeClr val="accent2">
+        <a:tint val="40000"/>
+        <a:alpha val="90000"/>
+      </a:schemeClr>
+      <a:schemeClr val="accent3">
+        <a:tint val="40000"/>
+        <a:alpha val="90000"/>
+      </a:schemeClr>
+      <a:schemeClr val="accent4">
+        <a:tint val="40000"/>
+        <a:alpha val="90000"/>
+      </a:schemeClr>
+      <a:schemeClr val="accent5">
+        <a:tint val="40000"/>
+        <a:alpha val="90000"/>
+      </a:schemeClr>
+      <a:schemeClr val="accent6">
+        <a:tint val="40000"/>
+        <a:alpha val="90000"/>
+      </a:schemeClr>
+    </dgm:linClrLst>
+    <dgm:effectClrLst/>
+    <dgm:txLinClrLst/>
+    <dgm:txFillClrLst meth="repeat">
+      <a:schemeClr val="dk1"/>
+    </dgm:txFillClrLst>
+    <dgm:txEffectClrLst/>
+  </dgm:styleLbl>
+  <dgm:styleLbl name="fgAcc0">
+    <dgm:fillClrLst meth="repeat">
+      <a:schemeClr val="lt1">
+        <a:alpha val="90000"/>
+      </a:schemeClr>
+    </dgm:fillClrLst>
+    <dgm:linClrLst>
+      <a:schemeClr val="accent1"/>
+    </dgm:linClrLst>
+    <dgm:effectClrLst/>
+    <dgm:txLinClrLst/>
+    <dgm:txFillClrLst meth="repeat">
+      <a:schemeClr val="dk1"/>
+    </dgm:txFillClrLst>
+    <dgm:txEffectClrLst/>
+  </dgm:styleLbl>
+  <dgm:styleLbl name="fgAcc2">
+    <dgm:fillClrLst meth="repeat">
+      <a:schemeClr val="lt1">
+        <a:alpha val="90000"/>
+      </a:schemeClr>
+    </dgm:fillClrLst>
+    <dgm:linClrLst>
+      <a:schemeClr val="accent2"/>
+    </dgm:linClrLst>
+    <dgm:effectClrLst/>
+    <dgm:txLinClrLst/>
+    <dgm:txFillClrLst meth="repeat">
+      <a:schemeClr val="dk1"/>
+    </dgm:txFillClrLst>
+    <dgm:txEffectClrLst/>
+  </dgm:styleLbl>
+  <dgm:styleLbl name="fgAcc3">
+    <dgm:fillClrLst meth="repeat">
+      <a:schemeClr val="lt1">
+        <a:alpha val="90000"/>
+      </a:schemeClr>
+    </dgm:fillClrLst>
+    <dgm:linClrLst>
+      <a:schemeClr val="accent3"/>
+    </dgm:linClrLst>
+    <dgm:effectClrLst/>
+    <dgm:txLinClrLst/>
+    <dgm:txFillClrLst meth="repeat">
+      <a:schemeClr val="dk1"/>
+    </dgm:txFillClrLst>
+    <dgm:txEffectClrLst/>
+  </dgm:styleLbl>
+  <dgm:styleLbl name="fgAcc4">
+    <dgm:fillClrLst meth="repeat">
+      <a:schemeClr val="lt1">
+        <a:alpha val="90000"/>
+      </a:schemeClr>
+    </dgm:fillClrLst>
+    <dgm:linClrLst>
+      <a:schemeClr val="accent4"/>
+    </dgm:linClrLst>
+    <dgm:effectClrLst/>
+    <dgm:txLinClrLst/>
+    <dgm:txFillClrLst meth="repeat">
+      <a:schemeClr val="dk1"/>
+    </dgm:txFillClrLst>
+    <dgm:txEffectClrLst/>
+  </dgm:styleLbl>
+  <dgm:styleLbl name="bgShp">
+    <dgm:fillClrLst meth="repeat">
+      <a:schemeClr val="accent2">
+        <a:tint val="40000"/>
+      </a:schemeClr>
+    </dgm:fillClrLst>
+    <dgm:linClrLst meth="repeat">
+      <a:schemeClr val="dk1"/>
+    </dgm:linClrLst>
+    <dgm:effectClrLst/>
+    <dgm:txLinClrLst/>
+    <dgm:txFillClrLst meth="repeat">
+      <a:schemeClr val="dk1"/>
+    </dgm:txFillClrLst>
+    <dgm:txEffectClrLst/>
+  </dgm:styleLbl>
+  <dgm:styleLbl name="dkBgShp">
+    <dgm:fillClrLst meth="repeat">
+      <a:schemeClr val="accent2">
+        <a:shade val="90000"/>
+      </a:schemeClr>
+    </dgm:fillClrLst>
+    <dgm:linClrLst meth="repeat">
+      <a:schemeClr val="dk1"/>
+    </dgm:linClrLst>
+    <dgm:effectClrLst/>
+    <dgm:txLinClrLst/>
+    <dgm:txFillClrLst meth="repeat">
+      <a:schemeClr val="lt1"/>
+    </dgm:txFillClrLst>
+    <dgm:txEffectClrLst/>
+  </dgm:styleLbl>
+  <dgm:styleLbl name="trBgShp">
+    <dgm:fillClrLst meth="repeat">
+      <a:schemeClr val="accent1">
+        <a:tint val="50000"/>
+        <a:alpha val="40000"/>
+      </a:schemeClr>
+    </dgm:fillClrLst>
+    <dgm:linClrLst meth="repeat">
+      <a:schemeClr val="accent2"/>
+    </dgm:linClrLst>
+    <dgm:effectClrLst/>
+    <dgm:txLinClrLst/>
+    <dgm:txFillClrLst meth="repeat">
+      <a:schemeClr val="lt1"/>
+    </dgm:txFillClrLst>
+    <dgm:txEffectClrLst/>
+  </dgm:styleLbl>
+  <dgm:styleLbl name="fgShp">
+    <dgm:fillClrLst meth="repeat">
+      <a:schemeClr val="accent2">
+        <a:tint val="40000"/>
+      </a:schemeClr>
+    </dgm:fillClrLst>
+    <dgm:linClrLst meth="repeat">
+      <a:schemeClr val="lt1"/>
+    </dgm:linClrLst>
+    <dgm:effectClrLst/>
+    <dgm:txLinClrLst/>
+    <dgm:txFillClrLst meth="repeat">
+      <a:schemeClr val="dk1"/>
+    </dgm:txFillClrLst>
+    <dgm:txEffectClrLst/>
+  </dgm:styleLbl>
+  <dgm:styleLbl name="revTx">
+    <dgm:fillClrLst meth="repeat">
+      <a:schemeClr val="lt1">
+        <a:alpha val="0"/>
+      </a:schemeClr>
+    </dgm:fillClrLst>
+    <dgm:linClrLst meth="repeat">
+      <a:schemeClr val="dk1">
+        <a:alpha val="0"/>
+      </a:schemeClr>
+    </dgm:linClrLst>
+    <dgm:effectClrLst/>
+    <dgm:txLinClrLst/>
+    <dgm:txFillClrLst meth="repeat">
+      <a:schemeClr val="tx1"/>
+    </dgm:txFillClrLst>
+    <dgm:txEffectClrLst/>
+  </dgm:styleLbl>
+</dgm:colorsDef>
+</file>
+
+<file path=ppt/diagrams/data1.xml><?xml version="1.0" encoding="utf-8"?>
+<dgm:dataModel xmlns:dgm="http://schemas.openxmlformats.org/drawingml/2006/diagram" xmlns:a="http://schemas.openxmlformats.org/drawingml/2006/main">
+  <dgm:ptLst>
+    <dgm:pt modelId="{B0C52682-9CFC-4FED-90EA-AD15EDD63EA5}" type="doc">
+      <dgm:prSet loTypeId="urn:microsoft.com/office/officeart/2005/8/layout/vProcess5" loCatId="process" qsTypeId="urn:microsoft.com/office/officeart/2005/8/quickstyle/simple1" qsCatId="simple" csTypeId="urn:microsoft.com/office/officeart/2005/8/colors/colorful1" csCatId="colorful"/>
+      <dgm:spPr/>
+      <dgm:t>
+        <a:bodyPr/>
+        <a:lstStyle/>
+        <a:p>
+          <a:endParaRPr lang="en-US"/>
+        </a:p>
+      </dgm:t>
+    </dgm:pt>
+    <dgm:pt modelId="{6EC181AD-DA19-4FCA-A546-68BD6DF84923}">
+      <dgm:prSet/>
+      <dgm:spPr/>
+      <dgm:t>
+        <a:bodyPr/>
+        <a:lstStyle/>
+        <a:p>
+          <a:r>
+            <a:rPr lang="pt-PT"/>
+            <a:t>Carregamento dos dados</a:t>
+          </a:r>
+          <a:endParaRPr lang="en-US"/>
+        </a:p>
+      </dgm:t>
+    </dgm:pt>
+    <dgm:pt modelId="{6FC0CC9E-9AAE-4032-AC9A-BF4FAEFB0A94}" type="parTrans" cxnId="{A3196AAD-70E9-4530-A057-675F987015BE}">
+      <dgm:prSet/>
+      <dgm:spPr/>
+      <dgm:t>
+        <a:bodyPr/>
+        <a:lstStyle/>
+        <a:p>
+          <a:endParaRPr lang="en-US"/>
+        </a:p>
+      </dgm:t>
+    </dgm:pt>
+    <dgm:pt modelId="{030CC637-E633-47B8-A1EF-495DE7DC78EC}" type="sibTrans" cxnId="{A3196AAD-70E9-4530-A057-675F987015BE}">
+      <dgm:prSet/>
+      <dgm:spPr/>
+      <dgm:t>
+        <a:bodyPr/>
+        <a:lstStyle/>
+        <a:p>
+          <a:endParaRPr lang="en-US"/>
+        </a:p>
+      </dgm:t>
+    </dgm:pt>
+    <dgm:pt modelId="{4CABC6EF-BEBE-4DA4-B3FD-786FBFB61714}">
+      <dgm:prSet/>
+      <dgm:spPr/>
+      <dgm:t>
+        <a:bodyPr/>
+        <a:lstStyle/>
+        <a:p>
+          <a:r>
+            <a:rPr lang="pt-PT"/>
+            <a:t>Verificar se falta algum dado</a:t>
+          </a:r>
+          <a:endParaRPr lang="en-US"/>
+        </a:p>
+      </dgm:t>
+    </dgm:pt>
+    <dgm:pt modelId="{28D16712-9C48-41F2-B125-7CEFDBE930CA}" type="parTrans" cxnId="{6212373D-3D5E-42BA-838D-0700CBF7B19F}">
+      <dgm:prSet/>
+      <dgm:spPr/>
+      <dgm:t>
+        <a:bodyPr/>
+        <a:lstStyle/>
+        <a:p>
+          <a:endParaRPr lang="en-US"/>
+        </a:p>
+      </dgm:t>
+    </dgm:pt>
+    <dgm:pt modelId="{472E7CAF-9079-430D-8BFA-4C9C7D2D9B15}" type="sibTrans" cxnId="{6212373D-3D5E-42BA-838D-0700CBF7B19F}">
+      <dgm:prSet/>
+      <dgm:spPr/>
+      <dgm:t>
+        <a:bodyPr/>
+        <a:lstStyle/>
+        <a:p>
+          <a:endParaRPr lang="en-US"/>
+        </a:p>
+      </dgm:t>
+    </dgm:pt>
+    <dgm:pt modelId="{79BFACF7-FB10-44B0-8AA0-5D8F48A822CA}">
+      <dgm:prSet/>
+      <dgm:spPr/>
+      <dgm:t>
+        <a:bodyPr/>
+        <a:lstStyle/>
+        <a:p>
+          <a:r>
+            <a:rPr lang="pt-PT"/>
+            <a:t>Mostrar os dados e o tipo de dados</a:t>
+          </a:r>
+          <a:endParaRPr lang="en-US"/>
+        </a:p>
+      </dgm:t>
+    </dgm:pt>
+    <dgm:pt modelId="{32D02B0C-E7F0-4356-9FA7-138CD84B1B61}" type="parTrans" cxnId="{A8A7AA42-7FC5-4407-9763-75C9ABD7BF5D}">
+      <dgm:prSet/>
+      <dgm:spPr/>
+      <dgm:t>
+        <a:bodyPr/>
+        <a:lstStyle/>
+        <a:p>
+          <a:endParaRPr lang="en-US"/>
+        </a:p>
+      </dgm:t>
+    </dgm:pt>
+    <dgm:pt modelId="{564AC843-F6DF-4529-B4D1-4B1E30527E98}" type="sibTrans" cxnId="{A8A7AA42-7FC5-4407-9763-75C9ABD7BF5D}">
+      <dgm:prSet/>
+      <dgm:spPr/>
+      <dgm:t>
+        <a:bodyPr/>
+        <a:lstStyle/>
+        <a:p>
+          <a:endParaRPr lang="en-US"/>
+        </a:p>
+      </dgm:t>
+    </dgm:pt>
+    <dgm:pt modelId="{EDAD1D69-93BC-437A-96AF-2BBC0212A44E}">
+      <dgm:prSet/>
+      <dgm:spPr/>
+      <dgm:t>
+        <a:bodyPr/>
+        <a:lstStyle/>
+        <a:p>
+          <a:r>
+            <a:rPr lang="pt-PT"/>
+            <a:t>Mostrar os dados mais comuns</a:t>
+          </a:r>
+          <a:endParaRPr lang="en-US"/>
+        </a:p>
+      </dgm:t>
+    </dgm:pt>
+    <dgm:pt modelId="{2CF5D4E7-78CC-4178-A23F-91B14448146C}" type="parTrans" cxnId="{99086ACB-7E62-4DEE-A488-D2B932125E61}">
+      <dgm:prSet/>
+      <dgm:spPr/>
+      <dgm:t>
+        <a:bodyPr/>
+        <a:lstStyle/>
+        <a:p>
+          <a:endParaRPr lang="en-US"/>
+        </a:p>
+      </dgm:t>
+    </dgm:pt>
+    <dgm:pt modelId="{E6D7406E-FCDA-464B-95E6-36C2FC8C5AF9}" type="sibTrans" cxnId="{99086ACB-7E62-4DEE-A488-D2B932125E61}">
+      <dgm:prSet/>
+      <dgm:spPr/>
+      <dgm:t>
+        <a:bodyPr/>
+        <a:lstStyle/>
+        <a:p>
+          <a:endParaRPr lang="en-US"/>
+        </a:p>
+      </dgm:t>
+    </dgm:pt>
+    <dgm:pt modelId="{C654D773-A509-49BD-BFB3-1DE5782944EC}">
+      <dgm:prSet/>
+      <dgm:spPr/>
+      <dgm:t>
+        <a:bodyPr/>
+        <a:lstStyle/>
+        <a:p>
+          <a:r>
+            <a:rPr lang="pt-PT"/>
+            <a:t>Graficos</a:t>
+          </a:r>
+          <a:endParaRPr lang="en-US"/>
+        </a:p>
+      </dgm:t>
+    </dgm:pt>
+    <dgm:pt modelId="{45E45C62-0BB8-43B3-AE5A-5276B8A7A2F7}" type="parTrans" cxnId="{29DD4452-E74B-4FB7-BEEA-94F19D245F9C}">
+      <dgm:prSet/>
+      <dgm:spPr/>
+      <dgm:t>
+        <a:bodyPr/>
+        <a:lstStyle/>
+        <a:p>
+          <a:endParaRPr lang="en-US"/>
+        </a:p>
+      </dgm:t>
+    </dgm:pt>
+    <dgm:pt modelId="{F88091AA-CC2A-45C3-BFD0-953A12BE1695}" type="sibTrans" cxnId="{29DD4452-E74B-4FB7-BEEA-94F19D245F9C}">
+      <dgm:prSet/>
+      <dgm:spPr/>
+      <dgm:t>
+        <a:bodyPr/>
+        <a:lstStyle/>
+        <a:p>
+          <a:endParaRPr lang="en-US"/>
+        </a:p>
+      </dgm:t>
+    </dgm:pt>
+    <dgm:pt modelId="{F96742FA-7165-48DF-959C-8E04A982A712}" type="pres">
+      <dgm:prSet presAssocID="{B0C52682-9CFC-4FED-90EA-AD15EDD63EA5}" presName="outerComposite" presStyleCnt="0">
+        <dgm:presLayoutVars>
+          <dgm:chMax val="5"/>
+          <dgm:dir/>
+          <dgm:resizeHandles val="exact"/>
+        </dgm:presLayoutVars>
+      </dgm:prSet>
+      <dgm:spPr/>
+    </dgm:pt>
+    <dgm:pt modelId="{83144DF2-52A7-4F5F-AF54-2ED27D285EC1}" type="pres">
+      <dgm:prSet presAssocID="{B0C52682-9CFC-4FED-90EA-AD15EDD63EA5}" presName="dummyMaxCanvas" presStyleCnt="0">
+        <dgm:presLayoutVars/>
+      </dgm:prSet>
+      <dgm:spPr/>
+    </dgm:pt>
+    <dgm:pt modelId="{95D89118-7220-4E46-BBF6-7FADA8E9B2F4}" type="pres">
+      <dgm:prSet presAssocID="{B0C52682-9CFC-4FED-90EA-AD15EDD63EA5}" presName="FiveNodes_1" presStyleLbl="node1" presStyleIdx="0" presStyleCnt="5">
+        <dgm:presLayoutVars>
+          <dgm:bulletEnabled val="1"/>
+        </dgm:presLayoutVars>
+      </dgm:prSet>
+      <dgm:spPr/>
+    </dgm:pt>
+    <dgm:pt modelId="{FCED0219-7E11-4C17-BB28-C6F7AE3D4EF3}" type="pres">
+      <dgm:prSet presAssocID="{B0C52682-9CFC-4FED-90EA-AD15EDD63EA5}" presName="FiveNodes_2" presStyleLbl="node1" presStyleIdx="1" presStyleCnt="5">
+        <dgm:presLayoutVars>
+          <dgm:bulletEnabled val="1"/>
+        </dgm:presLayoutVars>
+      </dgm:prSet>
+      <dgm:spPr/>
+    </dgm:pt>
+    <dgm:pt modelId="{887E53A7-B8AF-4C00-A646-8EFA8AB2A568}" type="pres">
+      <dgm:prSet presAssocID="{B0C52682-9CFC-4FED-90EA-AD15EDD63EA5}" presName="FiveNodes_3" presStyleLbl="node1" presStyleIdx="2" presStyleCnt="5">
+        <dgm:presLayoutVars>
+          <dgm:bulletEnabled val="1"/>
+        </dgm:presLayoutVars>
+      </dgm:prSet>
+      <dgm:spPr/>
+    </dgm:pt>
+    <dgm:pt modelId="{8A469243-309C-452A-8708-819AC4B193C3}" type="pres">
+      <dgm:prSet presAssocID="{B0C52682-9CFC-4FED-90EA-AD15EDD63EA5}" presName="FiveNodes_4" presStyleLbl="node1" presStyleIdx="3" presStyleCnt="5">
+        <dgm:presLayoutVars>
+          <dgm:bulletEnabled val="1"/>
+        </dgm:presLayoutVars>
+      </dgm:prSet>
+      <dgm:spPr/>
+    </dgm:pt>
+    <dgm:pt modelId="{74A2F667-DB7D-4073-865B-38B682A8880D}" type="pres">
+      <dgm:prSet presAssocID="{B0C52682-9CFC-4FED-90EA-AD15EDD63EA5}" presName="FiveNodes_5" presStyleLbl="node1" presStyleIdx="4" presStyleCnt="5">
+        <dgm:presLayoutVars>
+          <dgm:bulletEnabled val="1"/>
+        </dgm:presLayoutVars>
+      </dgm:prSet>
+      <dgm:spPr/>
+    </dgm:pt>
+    <dgm:pt modelId="{3F6A6FFE-AE57-4B0D-9AE3-9B5649361F15}" type="pres">
+      <dgm:prSet presAssocID="{B0C52682-9CFC-4FED-90EA-AD15EDD63EA5}" presName="FiveConn_1-2" presStyleLbl="fgAccFollowNode1" presStyleIdx="0" presStyleCnt="4">
+        <dgm:presLayoutVars>
+          <dgm:bulletEnabled val="1"/>
+        </dgm:presLayoutVars>
+      </dgm:prSet>
+      <dgm:spPr/>
+    </dgm:pt>
+    <dgm:pt modelId="{7A1C3565-1218-412F-B925-F74283DC5811}" type="pres">
+      <dgm:prSet presAssocID="{B0C52682-9CFC-4FED-90EA-AD15EDD63EA5}" presName="FiveConn_2-3" presStyleLbl="fgAccFollowNode1" presStyleIdx="1" presStyleCnt="4">
+        <dgm:presLayoutVars>
+          <dgm:bulletEnabled val="1"/>
+        </dgm:presLayoutVars>
+      </dgm:prSet>
+      <dgm:spPr/>
+    </dgm:pt>
+    <dgm:pt modelId="{C004F27F-F792-4B0F-B128-65095BC428E8}" type="pres">
+      <dgm:prSet presAssocID="{B0C52682-9CFC-4FED-90EA-AD15EDD63EA5}" presName="FiveConn_3-4" presStyleLbl="fgAccFollowNode1" presStyleIdx="2" presStyleCnt="4">
+        <dgm:presLayoutVars>
+          <dgm:bulletEnabled val="1"/>
+        </dgm:presLayoutVars>
+      </dgm:prSet>
+      <dgm:spPr/>
+    </dgm:pt>
+    <dgm:pt modelId="{6172C640-A97C-445D-83A8-84A68616F3AB}" type="pres">
+      <dgm:prSet presAssocID="{B0C52682-9CFC-4FED-90EA-AD15EDD63EA5}" presName="FiveConn_4-5" presStyleLbl="fgAccFollowNode1" presStyleIdx="3" presStyleCnt="4">
+        <dgm:presLayoutVars>
+          <dgm:bulletEnabled val="1"/>
+        </dgm:presLayoutVars>
+      </dgm:prSet>
+      <dgm:spPr/>
+    </dgm:pt>
+    <dgm:pt modelId="{2B5116CE-3E20-41C6-8DE5-14A434E6EA14}" type="pres">
+      <dgm:prSet presAssocID="{B0C52682-9CFC-4FED-90EA-AD15EDD63EA5}" presName="FiveNodes_1_text" presStyleLbl="node1" presStyleIdx="4" presStyleCnt="5">
+        <dgm:presLayoutVars>
+          <dgm:bulletEnabled val="1"/>
+        </dgm:presLayoutVars>
+      </dgm:prSet>
+      <dgm:spPr/>
+    </dgm:pt>
+    <dgm:pt modelId="{3B0AC39F-15DF-45CB-AA8F-97C73B073FBA}" type="pres">
+      <dgm:prSet presAssocID="{B0C52682-9CFC-4FED-90EA-AD15EDD63EA5}" presName="FiveNodes_2_text" presStyleLbl="node1" presStyleIdx="4" presStyleCnt="5">
+        <dgm:presLayoutVars>
+          <dgm:bulletEnabled val="1"/>
+        </dgm:presLayoutVars>
+      </dgm:prSet>
+      <dgm:spPr/>
+    </dgm:pt>
+    <dgm:pt modelId="{C2A077B5-B5DA-4139-8BAF-F7AF6CF93469}" type="pres">
+      <dgm:prSet presAssocID="{B0C52682-9CFC-4FED-90EA-AD15EDD63EA5}" presName="FiveNodes_3_text" presStyleLbl="node1" presStyleIdx="4" presStyleCnt="5">
+        <dgm:presLayoutVars>
+          <dgm:bulletEnabled val="1"/>
+        </dgm:presLayoutVars>
+      </dgm:prSet>
+      <dgm:spPr/>
+    </dgm:pt>
+    <dgm:pt modelId="{ED3ACC45-71FD-4F7D-94FB-CD5CE0B4F25A}" type="pres">
+      <dgm:prSet presAssocID="{B0C52682-9CFC-4FED-90EA-AD15EDD63EA5}" presName="FiveNodes_4_text" presStyleLbl="node1" presStyleIdx="4" presStyleCnt="5">
+        <dgm:presLayoutVars>
+          <dgm:bulletEnabled val="1"/>
+        </dgm:presLayoutVars>
+      </dgm:prSet>
+      <dgm:spPr/>
+    </dgm:pt>
+    <dgm:pt modelId="{6A5A5F4A-EF93-4110-AFA4-B1FBD66EEDA4}" type="pres">
+      <dgm:prSet presAssocID="{B0C52682-9CFC-4FED-90EA-AD15EDD63EA5}" presName="FiveNodes_5_text" presStyleLbl="node1" presStyleIdx="4" presStyleCnt="5">
+        <dgm:presLayoutVars>
+          <dgm:bulletEnabled val="1"/>
+        </dgm:presLayoutVars>
+      </dgm:prSet>
+      <dgm:spPr/>
+    </dgm:pt>
+  </dgm:ptLst>
+  <dgm:cxnLst>
+    <dgm:cxn modelId="{5D454E1D-56EA-4C01-A6FD-DCCECB65C42D}" type="presOf" srcId="{79BFACF7-FB10-44B0-8AA0-5D8F48A822CA}" destId="{887E53A7-B8AF-4C00-A646-8EFA8AB2A568}" srcOrd="0" destOrd="0" presId="urn:microsoft.com/office/officeart/2005/8/layout/vProcess5"/>
+    <dgm:cxn modelId="{8A8BD138-4666-4875-9BD9-CD29AE32FC52}" type="presOf" srcId="{564AC843-F6DF-4529-B4D1-4B1E30527E98}" destId="{C004F27F-F792-4B0F-B128-65095BC428E8}" srcOrd="0" destOrd="0" presId="urn:microsoft.com/office/officeart/2005/8/layout/vProcess5"/>
+    <dgm:cxn modelId="{EC01CE39-5D05-489C-BBCD-776AF580767F}" type="presOf" srcId="{B0C52682-9CFC-4FED-90EA-AD15EDD63EA5}" destId="{F96742FA-7165-48DF-959C-8E04A982A712}" srcOrd="0" destOrd="0" presId="urn:microsoft.com/office/officeart/2005/8/layout/vProcess5"/>
+    <dgm:cxn modelId="{6212373D-3D5E-42BA-838D-0700CBF7B19F}" srcId="{B0C52682-9CFC-4FED-90EA-AD15EDD63EA5}" destId="{4CABC6EF-BEBE-4DA4-B3FD-786FBFB61714}" srcOrd="1" destOrd="0" parTransId="{28D16712-9C48-41F2-B125-7CEFDBE930CA}" sibTransId="{472E7CAF-9079-430D-8BFA-4C9C7D2D9B15}"/>
+    <dgm:cxn modelId="{BC7DB55B-D171-4044-B2A3-3BA052AF3FA2}" type="presOf" srcId="{EDAD1D69-93BC-437A-96AF-2BBC0212A44E}" destId="{8A469243-309C-452A-8708-819AC4B193C3}" srcOrd="0" destOrd="0" presId="urn:microsoft.com/office/officeart/2005/8/layout/vProcess5"/>
+    <dgm:cxn modelId="{A8A7AA42-7FC5-4407-9763-75C9ABD7BF5D}" srcId="{B0C52682-9CFC-4FED-90EA-AD15EDD63EA5}" destId="{79BFACF7-FB10-44B0-8AA0-5D8F48A822CA}" srcOrd="2" destOrd="0" parTransId="{32D02B0C-E7F0-4356-9FA7-138CD84B1B61}" sibTransId="{564AC843-F6DF-4529-B4D1-4B1E30527E98}"/>
+    <dgm:cxn modelId="{D5E3B043-8AD5-4AC2-903C-F25289D7B4CA}" type="presOf" srcId="{E6D7406E-FCDA-464B-95E6-36C2FC8C5AF9}" destId="{6172C640-A97C-445D-83A8-84A68616F3AB}" srcOrd="0" destOrd="0" presId="urn:microsoft.com/office/officeart/2005/8/layout/vProcess5"/>
+    <dgm:cxn modelId="{005DAF45-F482-46B4-8E08-A9B7BBA98984}" type="presOf" srcId="{79BFACF7-FB10-44B0-8AA0-5D8F48A822CA}" destId="{C2A077B5-B5DA-4139-8BAF-F7AF6CF93469}" srcOrd="1" destOrd="0" presId="urn:microsoft.com/office/officeart/2005/8/layout/vProcess5"/>
+    <dgm:cxn modelId="{F9F54448-F44E-4824-B22B-D7FBCE8AE6F3}" type="presOf" srcId="{472E7CAF-9079-430D-8BFA-4C9C7D2D9B15}" destId="{7A1C3565-1218-412F-B925-F74283DC5811}" srcOrd="0" destOrd="0" presId="urn:microsoft.com/office/officeart/2005/8/layout/vProcess5"/>
+    <dgm:cxn modelId="{0AB44868-C3AD-4562-A9C5-856D25C3D9E1}" type="presOf" srcId="{4CABC6EF-BEBE-4DA4-B3FD-786FBFB61714}" destId="{3B0AC39F-15DF-45CB-AA8F-97C73B073FBA}" srcOrd="1" destOrd="0" presId="urn:microsoft.com/office/officeart/2005/8/layout/vProcess5"/>
+    <dgm:cxn modelId="{EB70CF48-96B6-4B04-9D89-2116C064CC1A}" type="presOf" srcId="{EDAD1D69-93BC-437A-96AF-2BBC0212A44E}" destId="{ED3ACC45-71FD-4F7D-94FB-CD5CE0B4F25A}" srcOrd="1" destOrd="0" presId="urn:microsoft.com/office/officeart/2005/8/layout/vProcess5"/>
+    <dgm:cxn modelId="{29DD4452-E74B-4FB7-BEEA-94F19D245F9C}" srcId="{B0C52682-9CFC-4FED-90EA-AD15EDD63EA5}" destId="{C654D773-A509-49BD-BFB3-1DE5782944EC}" srcOrd="4" destOrd="0" parTransId="{45E45C62-0BB8-43B3-AE5A-5276B8A7A2F7}" sibTransId="{F88091AA-CC2A-45C3-BFD0-953A12BE1695}"/>
+    <dgm:cxn modelId="{1B7DAFA0-08A5-4087-A1A4-12DC28E70E25}" type="presOf" srcId="{6EC181AD-DA19-4FCA-A546-68BD6DF84923}" destId="{95D89118-7220-4E46-BBF6-7FADA8E9B2F4}" srcOrd="0" destOrd="0" presId="urn:microsoft.com/office/officeart/2005/8/layout/vProcess5"/>
+    <dgm:cxn modelId="{F5C91AA6-AFE2-44F1-9B17-EF028EFD667C}" type="presOf" srcId="{C654D773-A509-49BD-BFB3-1DE5782944EC}" destId="{74A2F667-DB7D-4073-865B-38B682A8880D}" srcOrd="0" destOrd="0" presId="urn:microsoft.com/office/officeart/2005/8/layout/vProcess5"/>
+    <dgm:cxn modelId="{4A5CA3AC-E035-4185-9791-19A28702F883}" type="presOf" srcId="{030CC637-E633-47B8-A1EF-495DE7DC78EC}" destId="{3F6A6FFE-AE57-4B0D-9AE3-9B5649361F15}" srcOrd="0" destOrd="0" presId="urn:microsoft.com/office/officeart/2005/8/layout/vProcess5"/>
+    <dgm:cxn modelId="{A3196AAD-70E9-4530-A057-675F987015BE}" srcId="{B0C52682-9CFC-4FED-90EA-AD15EDD63EA5}" destId="{6EC181AD-DA19-4FCA-A546-68BD6DF84923}" srcOrd="0" destOrd="0" parTransId="{6FC0CC9E-9AAE-4032-AC9A-BF4FAEFB0A94}" sibTransId="{030CC637-E633-47B8-A1EF-495DE7DC78EC}"/>
+    <dgm:cxn modelId="{D02022B5-8187-43AD-A0AB-2D8D3B3FEFCB}" type="presOf" srcId="{4CABC6EF-BEBE-4DA4-B3FD-786FBFB61714}" destId="{FCED0219-7E11-4C17-BB28-C6F7AE3D4EF3}" srcOrd="0" destOrd="0" presId="urn:microsoft.com/office/officeart/2005/8/layout/vProcess5"/>
+    <dgm:cxn modelId="{99086ACB-7E62-4DEE-A488-D2B932125E61}" srcId="{B0C52682-9CFC-4FED-90EA-AD15EDD63EA5}" destId="{EDAD1D69-93BC-437A-96AF-2BBC0212A44E}" srcOrd="3" destOrd="0" parTransId="{2CF5D4E7-78CC-4178-A23F-91B14448146C}" sibTransId="{E6D7406E-FCDA-464B-95E6-36C2FC8C5AF9}"/>
+    <dgm:cxn modelId="{AAD8DAEC-26CD-4DF7-A006-0CDA3854552C}" type="presOf" srcId="{6EC181AD-DA19-4FCA-A546-68BD6DF84923}" destId="{2B5116CE-3E20-41C6-8DE5-14A434E6EA14}" srcOrd="1" destOrd="0" presId="urn:microsoft.com/office/officeart/2005/8/layout/vProcess5"/>
+    <dgm:cxn modelId="{0D7681FB-8C0C-4D45-8FDF-58D0DEAE004B}" type="presOf" srcId="{C654D773-A509-49BD-BFB3-1DE5782944EC}" destId="{6A5A5F4A-EF93-4110-AFA4-B1FBD66EEDA4}" srcOrd="1" destOrd="0" presId="urn:microsoft.com/office/officeart/2005/8/layout/vProcess5"/>
+    <dgm:cxn modelId="{E5AF84FC-52FC-4295-80D1-9B08DC383FBE}" type="presParOf" srcId="{F96742FA-7165-48DF-959C-8E04A982A712}" destId="{83144DF2-52A7-4F5F-AF54-2ED27D285EC1}" srcOrd="0" destOrd="0" presId="urn:microsoft.com/office/officeart/2005/8/layout/vProcess5"/>
+    <dgm:cxn modelId="{657F3980-836A-4E63-AADD-F81900CA535C}" type="presParOf" srcId="{F96742FA-7165-48DF-959C-8E04A982A712}" destId="{95D89118-7220-4E46-BBF6-7FADA8E9B2F4}" srcOrd="1" destOrd="0" presId="urn:microsoft.com/office/officeart/2005/8/layout/vProcess5"/>
+    <dgm:cxn modelId="{44C00FD6-06E6-4983-A9D8-27A24D079C21}" type="presParOf" srcId="{F96742FA-7165-48DF-959C-8E04A982A712}" destId="{FCED0219-7E11-4C17-BB28-C6F7AE3D4EF3}" srcOrd="2" destOrd="0" presId="urn:microsoft.com/office/officeart/2005/8/layout/vProcess5"/>
+    <dgm:cxn modelId="{DCF5F833-476B-487A-AC84-A9B1742B84C8}" type="presParOf" srcId="{F96742FA-7165-48DF-959C-8E04A982A712}" destId="{887E53A7-B8AF-4C00-A646-8EFA8AB2A568}" srcOrd="3" destOrd="0" presId="urn:microsoft.com/office/officeart/2005/8/layout/vProcess5"/>
+    <dgm:cxn modelId="{BEB75465-743E-4BBB-B639-6BB87FEC11D2}" type="presParOf" srcId="{F96742FA-7165-48DF-959C-8E04A982A712}" destId="{8A469243-309C-452A-8708-819AC4B193C3}" srcOrd="4" destOrd="0" presId="urn:microsoft.com/office/officeart/2005/8/layout/vProcess5"/>
+    <dgm:cxn modelId="{7DEC9FCD-B87E-42CA-A7AC-4AAF4A126685}" type="presParOf" srcId="{F96742FA-7165-48DF-959C-8E04A982A712}" destId="{74A2F667-DB7D-4073-865B-38B682A8880D}" srcOrd="5" destOrd="0" presId="urn:microsoft.com/office/officeart/2005/8/layout/vProcess5"/>
+    <dgm:cxn modelId="{F6531DBC-52B2-4EA5-8B65-EF0BEBEA1A96}" type="presParOf" srcId="{F96742FA-7165-48DF-959C-8E04A982A712}" destId="{3F6A6FFE-AE57-4B0D-9AE3-9B5649361F15}" srcOrd="6" destOrd="0" presId="urn:microsoft.com/office/officeart/2005/8/layout/vProcess5"/>
+    <dgm:cxn modelId="{EAAEEA4F-C702-49BB-BA52-29598131E26A}" type="presParOf" srcId="{F96742FA-7165-48DF-959C-8E04A982A712}" destId="{7A1C3565-1218-412F-B925-F74283DC5811}" srcOrd="7" destOrd="0" presId="urn:microsoft.com/office/officeart/2005/8/layout/vProcess5"/>
+    <dgm:cxn modelId="{7C47F974-B11F-4D5E-9B30-0C5ACECAE15D}" type="presParOf" srcId="{F96742FA-7165-48DF-959C-8E04A982A712}" destId="{C004F27F-F792-4B0F-B128-65095BC428E8}" srcOrd="8" destOrd="0" presId="urn:microsoft.com/office/officeart/2005/8/layout/vProcess5"/>
+    <dgm:cxn modelId="{FE383D97-F85D-4C67-A218-76560D4B2377}" type="presParOf" srcId="{F96742FA-7165-48DF-959C-8E04A982A712}" destId="{6172C640-A97C-445D-83A8-84A68616F3AB}" srcOrd="9" destOrd="0" presId="urn:microsoft.com/office/officeart/2005/8/layout/vProcess5"/>
+    <dgm:cxn modelId="{3F68F882-8361-4EC4-BDCD-DFB3663972F9}" type="presParOf" srcId="{F96742FA-7165-48DF-959C-8E04A982A712}" destId="{2B5116CE-3E20-41C6-8DE5-14A434E6EA14}" srcOrd="10" destOrd="0" presId="urn:microsoft.com/office/officeart/2005/8/layout/vProcess5"/>
+    <dgm:cxn modelId="{56847718-BFE8-4FD0-972B-B8F92A6BBBDE}" type="presParOf" srcId="{F96742FA-7165-48DF-959C-8E04A982A712}" destId="{3B0AC39F-15DF-45CB-AA8F-97C73B073FBA}" srcOrd="11" destOrd="0" presId="urn:microsoft.com/office/officeart/2005/8/layout/vProcess5"/>
+    <dgm:cxn modelId="{C3E10042-4C15-4365-8049-773765810074}" type="presParOf" srcId="{F96742FA-7165-48DF-959C-8E04A982A712}" destId="{C2A077B5-B5DA-4139-8BAF-F7AF6CF93469}" srcOrd="12" destOrd="0" presId="urn:microsoft.com/office/officeart/2005/8/layout/vProcess5"/>
+    <dgm:cxn modelId="{5AF69E46-7587-4491-875F-04E1A69A2397}" type="presParOf" srcId="{F96742FA-7165-48DF-959C-8E04A982A712}" destId="{ED3ACC45-71FD-4F7D-94FB-CD5CE0B4F25A}" srcOrd="13" destOrd="0" presId="urn:microsoft.com/office/officeart/2005/8/layout/vProcess5"/>
+    <dgm:cxn modelId="{776FE9AE-1575-40F1-B642-3701009C66FD}" type="presParOf" srcId="{F96742FA-7165-48DF-959C-8E04A982A712}" destId="{6A5A5F4A-EF93-4110-AFA4-B1FBD66EEDA4}" srcOrd="14" destOrd="0" presId="urn:microsoft.com/office/officeart/2005/8/layout/vProcess5"/>
+  </dgm:cxnLst>
+  <dgm:bg/>
+  <dgm:whole/>
+  <dgm:extLst>
+    <a:ext uri="http://schemas.microsoft.com/office/drawing/2008/diagram">
+      <dsp:dataModelExt xmlns:dsp="http://schemas.microsoft.com/office/drawing/2008/diagram" relId="rId6" minVer="http://schemas.openxmlformats.org/drawingml/2006/diagram"/>
+    </a:ext>
+  </dgm:extLst>
+</dgm:dataModel>
+</file>
+
+<file path=ppt/diagrams/drawing1.xml><?xml version="1.0" encoding="utf-8"?>
+<dsp:drawing xmlns:dgm="http://schemas.openxmlformats.org/drawingml/2006/diagram" xmlns:dsp="http://schemas.microsoft.com/office/drawing/2008/diagram" xmlns:a="http://schemas.openxmlformats.org/drawingml/2006/main">
+  <dsp:spTree>
+    <dsp:nvGrpSpPr>
+      <dsp:cNvPr id="0" name=""/>
+      <dsp:cNvGrpSpPr/>
+    </dsp:nvGrpSpPr>
+    <dsp:grpSpPr/>
+    <dsp:sp modelId="{95D89118-7220-4E46-BBF6-7FADA8E9B2F4}">
+      <dsp:nvSpPr>
+        <dsp:cNvPr id="0" name=""/>
+        <dsp:cNvSpPr/>
+      </dsp:nvSpPr>
+      <dsp:spPr>
+        <a:xfrm>
+          <a:off x="0" y="0"/>
+          <a:ext cx="8097012" cy="748950"/>
+        </a:xfrm>
+        <a:prstGeom prst="roundRect">
+          <a:avLst>
+            <a:gd name="adj" fmla="val 10000"/>
+          </a:avLst>
+        </a:prstGeom>
+        <a:solidFill>
+          <a:schemeClr val="accent2">
+            <a:hueOff val="0"/>
+            <a:satOff val="0"/>
+            <a:lumOff val="0"/>
+            <a:alphaOff val="0"/>
+          </a:schemeClr>
+        </a:solidFill>
+        <a:ln w="12700" cap="flat" cmpd="sng" algn="ctr">
+          <a:solidFill>
+            <a:schemeClr val="lt1">
+              <a:hueOff val="0"/>
+              <a:satOff val="0"/>
+              <a:lumOff val="0"/>
+              <a:alphaOff val="0"/>
+            </a:schemeClr>
+          </a:solidFill>
+          <a:prstDash val="solid"/>
+          <a:miter lim="800000"/>
+        </a:ln>
+        <a:effectLst/>
+      </dsp:spPr>
+      <dsp:style>
+        <a:lnRef idx="2">
+          <a:scrgbClr r="0" g="0" b="0"/>
+        </a:lnRef>
+        <a:fillRef idx="1">
+          <a:scrgbClr r="0" g="0" b="0"/>
+        </a:fillRef>
+        <a:effectRef idx="0">
+          <a:scrgbClr r="0" g="0" b="0"/>
+        </a:effectRef>
+        <a:fontRef idx="minor">
+          <a:schemeClr val="lt1"/>
+        </a:fontRef>
+      </dsp:style>
+      <dsp:txBody>
+        <a:bodyPr spcFirstLastPara="0" vert="horz" wrap="square" lIns="114300" tIns="114300" rIns="114300" bIns="114300" numCol="1" spcCol="1270" anchor="ctr" anchorCtr="0">
+          <a:noAutofit/>
+        </a:bodyPr>
+        <a:lstStyle/>
+        <a:p>
+          <a:pPr marL="0" lvl="0" indent="0" algn="l" defTabSz="1333500">
+            <a:lnSpc>
+              <a:spcPct val="90000"/>
+            </a:lnSpc>
+            <a:spcBef>
+              <a:spcPct val="0"/>
+            </a:spcBef>
+            <a:spcAft>
+              <a:spcPct val="35000"/>
+            </a:spcAft>
+            <a:buNone/>
+          </a:pPr>
+          <a:r>
+            <a:rPr lang="pt-PT" sz="3000" kern="1200"/>
+            <a:t>Carregamento dos dados</a:t>
+          </a:r>
+          <a:endParaRPr lang="en-US" sz="3000" kern="1200"/>
+        </a:p>
+      </dsp:txBody>
+      <dsp:txXfrm>
+        <a:off x="21936" y="21936"/>
+        <a:ext cx="7201208" cy="705078"/>
+      </dsp:txXfrm>
+    </dsp:sp>
+    <dsp:sp modelId="{FCED0219-7E11-4C17-BB28-C6F7AE3D4EF3}">
+      <dsp:nvSpPr>
+        <dsp:cNvPr id="0" name=""/>
+        <dsp:cNvSpPr/>
+      </dsp:nvSpPr>
+      <dsp:spPr>
+        <a:xfrm>
+          <a:off x="604647" y="852971"/>
+          <a:ext cx="8097012" cy="748950"/>
+        </a:xfrm>
+        <a:prstGeom prst="roundRect">
+          <a:avLst>
+            <a:gd name="adj" fmla="val 10000"/>
+          </a:avLst>
+        </a:prstGeom>
+        <a:solidFill>
+          <a:schemeClr val="accent3">
+            <a:hueOff val="0"/>
+            <a:satOff val="0"/>
+            <a:lumOff val="0"/>
+            <a:alphaOff val="0"/>
+          </a:schemeClr>
+        </a:solidFill>
+        <a:ln w="12700" cap="flat" cmpd="sng" algn="ctr">
+          <a:solidFill>
+            <a:schemeClr val="lt1">
+              <a:hueOff val="0"/>
+              <a:satOff val="0"/>
+              <a:lumOff val="0"/>
+              <a:alphaOff val="0"/>
+            </a:schemeClr>
+          </a:solidFill>
+          <a:prstDash val="solid"/>
+          <a:miter lim="800000"/>
+        </a:ln>
+        <a:effectLst/>
+      </dsp:spPr>
+      <dsp:style>
+        <a:lnRef idx="2">
+          <a:scrgbClr r="0" g="0" b="0"/>
+        </a:lnRef>
+        <a:fillRef idx="1">
+          <a:scrgbClr r="0" g="0" b="0"/>
+        </a:fillRef>
+        <a:effectRef idx="0">
+          <a:scrgbClr r="0" g="0" b="0"/>
+        </a:effectRef>
+        <a:fontRef idx="minor">
+          <a:schemeClr val="lt1"/>
+        </a:fontRef>
+      </dsp:style>
+      <dsp:txBody>
+        <a:bodyPr spcFirstLastPara="0" vert="horz" wrap="square" lIns="114300" tIns="114300" rIns="114300" bIns="114300" numCol="1" spcCol="1270" anchor="ctr" anchorCtr="0">
+          <a:noAutofit/>
+        </a:bodyPr>
+        <a:lstStyle/>
+        <a:p>
+          <a:pPr marL="0" lvl="0" indent="0" algn="l" defTabSz="1333500">
+            <a:lnSpc>
+              <a:spcPct val="90000"/>
+            </a:lnSpc>
+            <a:spcBef>
+              <a:spcPct val="0"/>
+            </a:spcBef>
+            <a:spcAft>
+              <a:spcPct val="35000"/>
+            </a:spcAft>
+            <a:buNone/>
+          </a:pPr>
+          <a:r>
+            <a:rPr lang="pt-PT" sz="3000" kern="1200"/>
+            <a:t>Verificar se falta algum dado</a:t>
+          </a:r>
+          <a:endParaRPr lang="en-US" sz="3000" kern="1200"/>
+        </a:p>
+      </dsp:txBody>
+      <dsp:txXfrm>
+        <a:off x="626583" y="874907"/>
+        <a:ext cx="6961675" cy="705078"/>
+      </dsp:txXfrm>
+    </dsp:sp>
+    <dsp:sp modelId="{887E53A7-B8AF-4C00-A646-8EFA8AB2A568}">
+      <dsp:nvSpPr>
+        <dsp:cNvPr id="0" name=""/>
+        <dsp:cNvSpPr/>
+      </dsp:nvSpPr>
+      <dsp:spPr>
+        <a:xfrm>
+          <a:off x="1209293" y="1705943"/>
+          <a:ext cx="8097012" cy="748950"/>
+        </a:xfrm>
+        <a:prstGeom prst="roundRect">
+          <a:avLst>
+            <a:gd name="adj" fmla="val 10000"/>
+          </a:avLst>
+        </a:prstGeom>
+        <a:solidFill>
+          <a:schemeClr val="accent4">
+            <a:hueOff val="0"/>
+            <a:satOff val="0"/>
+            <a:lumOff val="0"/>
+            <a:alphaOff val="0"/>
+          </a:schemeClr>
+        </a:solidFill>
+        <a:ln w="12700" cap="flat" cmpd="sng" algn="ctr">
+          <a:solidFill>
+            <a:schemeClr val="lt1">
+              <a:hueOff val="0"/>
+              <a:satOff val="0"/>
+              <a:lumOff val="0"/>
+              <a:alphaOff val="0"/>
+            </a:schemeClr>
+          </a:solidFill>
+          <a:prstDash val="solid"/>
+          <a:miter lim="800000"/>
+        </a:ln>
+        <a:effectLst/>
+      </dsp:spPr>
+      <dsp:style>
+        <a:lnRef idx="2">
+          <a:scrgbClr r="0" g="0" b="0"/>
+        </a:lnRef>
+        <a:fillRef idx="1">
+          <a:scrgbClr r="0" g="0" b="0"/>
+        </a:fillRef>
+        <a:effectRef idx="0">
+          <a:scrgbClr r="0" g="0" b="0"/>
+        </a:effectRef>
+        <a:fontRef idx="minor">
+          <a:schemeClr val="lt1"/>
+        </a:fontRef>
+      </dsp:style>
+      <dsp:txBody>
+        <a:bodyPr spcFirstLastPara="0" vert="horz" wrap="square" lIns="114300" tIns="114300" rIns="114300" bIns="114300" numCol="1" spcCol="1270" anchor="ctr" anchorCtr="0">
+          <a:noAutofit/>
+        </a:bodyPr>
+        <a:lstStyle/>
+        <a:p>
+          <a:pPr marL="0" lvl="0" indent="0" algn="l" defTabSz="1333500">
+            <a:lnSpc>
+              <a:spcPct val="90000"/>
+            </a:lnSpc>
+            <a:spcBef>
+              <a:spcPct val="0"/>
+            </a:spcBef>
+            <a:spcAft>
+              <a:spcPct val="35000"/>
+            </a:spcAft>
+            <a:buNone/>
+          </a:pPr>
+          <a:r>
+            <a:rPr lang="pt-PT" sz="3000" kern="1200"/>
+            <a:t>Mostrar os dados e o tipo de dados</a:t>
+          </a:r>
+          <a:endParaRPr lang="en-US" sz="3000" kern="1200"/>
+        </a:p>
+      </dsp:txBody>
+      <dsp:txXfrm>
+        <a:off x="1231229" y="1727879"/>
+        <a:ext cx="6961675" cy="705078"/>
+      </dsp:txXfrm>
+    </dsp:sp>
+    <dsp:sp modelId="{8A469243-309C-452A-8708-819AC4B193C3}">
+      <dsp:nvSpPr>
+        <dsp:cNvPr id="0" name=""/>
+        <dsp:cNvSpPr/>
+      </dsp:nvSpPr>
+      <dsp:spPr>
+        <a:xfrm>
+          <a:off x="1813940" y="2558914"/>
+          <a:ext cx="8097012" cy="748950"/>
+        </a:xfrm>
+        <a:prstGeom prst="roundRect">
+          <a:avLst>
+            <a:gd name="adj" fmla="val 10000"/>
+          </a:avLst>
+        </a:prstGeom>
+        <a:solidFill>
+          <a:schemeClr val="accent5">
+            <a:hueOff val="0"/>
+            <a:satOff val="0"/>
+            <a:lumOff val="0"/>
+            <a:alphaOff val="0"/>
+          </a:schemeClr>
+        </a:solidFill>
+        <a:ln w="12700" cap="flat" cmpd="sng" algn="ctr">
+          <a:solidFill>
+            <a:schemeClr val="lt1">
+              <a:hueOff val="0"/>
+              <a:satOff val="0"/>
+              <a:lumOff val="0"/>
+              <a:alphaOff val="0"/>
+            </a:schemeClr>
+          </a:solidFill>
+          <a:prstDash val="solid"/>
+          <a:miter lim="800000"/>
+        </a:ln>
+        <a:effectLst/>
+      </dsp:spPr>
+      <dsp:style>
+        <a:lnRef idx="2">
+          <a:scrgbClr r="0" g="0" b="0"/>
+        </a:lnRef>
+        <a:fillRef idx="1">
+          <a:scrgbClr r="0" g="0" b="0"/>
+        </a:fillRef>
+        <a:effectRef idx="0">
+          <a:scrgbClr r="0" g="0" b="0"/>
+        </a:effectRef>
+        <a:fontRef idx="minor">
+          <a:schemeClr val="lt1"/>
+        </a:fontRef>
+      </dsp:style>
+      <dsp:txBody>
+        <a:bodyPr spcFirstLastPara="0" vert="horz" wrap="square" lIns="114300" tIns="114300" rIns="114300" bIns="114300" numCol="1" spcCol="1270" anchor="ctr" anchorCtr="0">
+          <a:noAutofit/>
+        </a:bodyPr>
+        <a:lstStyle/>
+        <a:p>
+          <a:pPr marL="0" lvl="0" indent="0" algn="l" defTabSz="1333500">
+            <a:lnSpc>
+              <a:spcPct val="90000"/>
+            </a:lnSpc>
+            <a:spcBef>
+              <a:spcPct val="0"/>
+            </a:spcBef>
+            <a:spcAft>
+              <a:spcPct val="35000"/>
+            </a:spcAft>
+            <a:buNone/>
+          </a:pPr>
+          <a:r>
+            <a:rPr lang="pt-PT" sz="3000" kern="1200"/>
+            <a:t>Mostrar os dados mais comuns</a:t>
+          </a:r>
+          <a:endParaRPr lang="en-US" sz="3000" kern="1200"/>
+        </a:p>
+      </dsp:txBody>
+      <dsp:txXfrm>
+        <a:off x="1835876" y="2580850"/>
+        <a:ext cx="6961675" cy="705078"/>
+      </dsp:txXfrm>
+    </dsp:sp>
+    <dsp:sp modelId="{74A2F667-DB7D-4073-865B-38B682A8880D}">
+      <dsp:nvSpPr>
+        <dsp:cNvPr id="0" name=""/>
+        <dsp:cNvSpPr/>
+      </dsp:nvSpPr>
+      <dsp:spPr>
+        <a:xfrm>
+          <a:off x="2418587" y="3411886"/>
+          <a:ext cx="8097012" cy="748950"/>
+        </a:xfrm>
+        <a:prstGeom prst="roundRect">
+          <a:avLst>
+            <a:gd name="adj" fmla="val 10000"/>
+          </a:avLst>
+        </a:prstGeom>
+        <a:solidFill>
+          <a:schemeClr val="accent6">
+            <a:hueOff val="0"/>
+            <a:satOff val="0"/>
+            <a:lumOff val="0"/>
+            <a:alphaOff val="0"/>
+          </a:schemeClr>
+        </a:solidFill>
+        <a:ln w="12700" cap="flat" cmpd="sng" algn="ctr">
+          <a:solidFill>
+            <a:schemeClr val="lt1">
+              <a:hueOff val="0"/>
+              <a:satOff val="0"/>
+              <a:lumOff val="0"/>
+              <a:alphaOff val="0"/>
+            </a:schemeClr>
+          </a:solidFill>
+          <a:prstDash val="solid"/>
+          <a:miter lim="800000"/>
+        </a:ln>
+        <a:effectLst/>
+      </dsp:spPr>
+      <dsp:style>
+        <a:lnRef idx="2">
+          <a:scrgbClr r="0" g="0" b="0"/>
+        </a:lnRef>
+        <a:fillRef idx="1">
+          <a:scrgbClr r="0" g="0" b="0"/>
+        </a:fillRef>
+        <a:effectRef idx="0">
+          <a:scrgbClr r="0" g="0" b="0"/>
+        </a:effectRef>
+        <a:fontRef idx="minor">
+          <a:schemeClr val="lt1"/>
+        </a:fontRef>
+      </dsp:style>
+      <dsp:txBody>
+        <a:bodyPr spcFirstLastPara="0" vert="horz" wrap="square" lIns="114300" tIns="114300" rIns="114300" bIns="114300" numCol="1" spcCol="1270" anchor="ctr" anchorCtr="0">
+          <a:noAutofit/>
+        </a:bodyPr>
+        <a:lstStyle/>
+        <a:p>
+          <a:pPr marL="0" lvl="0" indent="0" algn="l" defTabSz="1333500">
+            <a:lnSpc>
+              <a:spcPct val="90000"/>
+            </a:lnSpc>
+            <a:spcBef>
+              <a:spcPct val="0"/>
+            </a:spcBef>
+            <a:spcAft>
+              <a:spcPct val="35000"/>
+            </a:spcAft>
+            <a:buNone/>
+          </a:pPr>
+          <a:r>
+            <a:rPr lang="pt-PT" sz="3000" kern="1200"/>
+            <a:t>Graficos</a:t>
+          </a:r>
+          <a:endParaRPr lang="en-US" sz="3000" kern="1200"/>
+        </a:p>
+      </dsp:txBody>
+      <dsp:txXfrm>
+        <a:off x="2440523" y="3433822"/>
+        <a:ext cx="6961675" cy="705078"/>
+      </dsp:txXfrm>
+    </dsp:sp>
+    <dsp:sp modelId="{3F6A6FFE-AE57-4B0D-9AE3-9B5649361F15}">
+      <dsp:nvSpPr>
+        <dsp:cNvPr id="0" name=""/>
+        <dsp:cNvSpPr/>
+      </dsp:nvSpPr>
+      <dsp:spPr>
+        <a:xfrm>
+          <a:off x="7610194" y="547150"/>
+          <a:ext cx="486817" cy="486817"/>
+        </a:xfrm>
+        <a:prstGeom prst="downArrow">
+          <a:avLst>
+            <a:gd name="adj1" fmla="val 55000"/>
+            <a:gd name="adj2" fmla="val 45000"/>
+          </a:avLst>
+        </a:prstGeom>
+        <a:solidFill>
+          <a:schemeClr val="accent2">
+            <a:tint val="40000"/>
+            <a:alpha val="90000"/>
+            <a:hueOff val="0"/>
+            <a:satOff val="0"/>
+            <a:lumOff val="0"/>
+            <a:alphaOff val="0"/>
+          </a:schemeClr>
+        </a:solidFill>
+        <a:ln w="12700" cap="flat" cmpd="sng" algn="ctr">
+          <a:solidFill>
+            <a:schemeClr val="accent2">
+              <a:tint val="40000"/>
+              <a:alpha val="90000"/>
+              <a:hueOff val="0"/>
+              <a:satOff val="0"/>
+              <a:lumOff val="0"/>
+              <a:alphaOff val="0"/>
+            </a:schemeClr>
+          </a:solidFill>
+          <a:prstDash val="solid"/>
+          <a:miter lim="800000"/>
+        </a:ln>
+        <a:effectLst/>
+      </dsp:spPr>
+      <dsp:style>
+        <a:lnRef idx="2">
+          <a:scrgbClr r="0" g="0" b="0"/>
+        </a:lnRef>
+        <a:fillRef idx="1">
+          <a:scrgbClr r="0" g="0" b="0"/>
+        </a:fillRef>
+        <a:effectRef idx="0">
+          <a:scrgbClr r="0" g="0" b="0"/>
+        </a:effectRef>
+        <a:fontRef idx="minor"/>
+      </dsp:style>
+      <dsp:txBody>
+        <a:bodyPr spcFirstLastPara="0" vert="horz" wrap="square" lIns="27940" tIns="27940" rIns="27940" bIns="27940" numCol="1" spcCol="1270" anchor="ctr" anchorCtr="0">
+          <a:noAutofit/>
+        </a:bodyPr>
+        <a:lstStyle/>
+        <a:p>
+          <a:pPr marL="0" lvl="0" indent="0" algn="ctr" defTabSz="977900">
+            <a:lnSpc>
+              <a:spcPct val="90000"/>
+            </a:lnSpc>
+            <a:spcBef>
+              <a:spcPct val="0"/>
+            </a:spcBef>
+            <a:spcAft>
+              <a:spcPct val="35000"/>
+            </a:spcAft>
+            <a:buNone/>
+          </a:pPr>
+          <a:endParaRPr lang="en-US" sz="2200" kern="1200"/>
+        </a:p>
+      </dsp:txBody>
+      <dsp:txXfrm>
+        <a:off x="7719728" y="547150"/>
+        <a:ext cx="267749" cy="366330"/>
+      </dsp:txXfrm>
+    </dsp:sp>
+    <dsp:sp modelId="{7A1C3565-1218-412F-B925-F74283DC5811}">
+      <dsp:nvSpPr>
+        <dsp:cNvPr id="0" name=""/>
+        <dsp:cNvSpPr/>
+      </dsp:nvSpPr>
+      <dsp:spPr>
+        <a:xfrm>
+          <a:off x="8214841" y="1400121"/>
+          <a:ext cx="486817" cy="486817"/>
+        </a:xfrm>
+        <a:prstGeom prst="downArrow">
+          <a:avLst>
+            <a:gd name="adj1" fmla="val 55000"/>
+            <a:gd name="adj2" fmla="val 45000"/>
+          </a:avLst>
+        </a:prstGeom>
+        <a:solidFill>
+          <a:schemeClr val="accent3">
+            <a:tint val="40000"/>
+            <a:alpha val="90000"/>
+            <a:hueOff val="0"/>
+            <a:satOff val="0"/>
+            <a:lumOff val="0"/>
+            <a:alphaOff val="0"/>
+          </a:schemeClr>
+        </a:solidFill>
+        <a:ln w="12700" cap="flat" cmpd="sng" algn="ctr">
+          <a:solidFill>
+            <a:schemeClr val="accent3">
+              <a:tint val="40000"/>
+              <a:alpha val="90000"/>
+              <a:hueOff val="0"/>
+              <a:satOff val="0"/>
+              <a:lumOff val="0"/>
+              <a:alphaOff val="0"/>
+            </a:schemeClr>
+          </a:solidFill>
+          <a:prstDash val="solid"/>
+          <a:miter lim="800000"/>
+        </a:ln>
+        <a:effectLst/>
+      </dsp:spPr>
+      <dsp:style>
+        <a:lnRef idx="2">
+          <a:scrgbClr r="0" g="0" b="0"/>
+        </a:lnRef>
+        <a:fillRef idx="1">
+          <a:scrgbClr r="0" g="0" b="0"/>
+        </a:fillRef>
+        <a:effectRef idx="0">
+          <a:scrgbClr r="0" g="0" b="0"/>
+        </a:effectRef>
+        <a:fontRef idx="minor"/>
+      </dsp:style>
+      <dsp:txBody>
+        <a:bodyPr spcFirstLastPara="0" vert="horz" wrap="square" lIns="27940" tIns="27940" rIns="27940" bIns="27940" numCol="1" spcCol="1270" anchor="ctr" anchorCtr="0">
+          <a:noAutofit/>
+        </a:bodyPr>
+        <a:lstStyle/>
+        <a:p>
+          <a:pPr marL="0" lvl="0" indent="0" algn="ctr" defTabSz="977900">
+            <a:lnSpc>
+              <a:spcPct val="90000"/>
+            </a:lnSpc>
+            <a:spcBef>
+              <a:spcPct val="0"/>
+            </a:spcBef>
+            <a:spcAft>
+              <a:spcPct val="35000"/>
+            </a:spcAft>
+            <a:buNone/>
+          </a:pPr>
+          <a:endParaRPr lang="en-US" sz="2200" kern="1200"/>
+        </a:p>
+      </dsp:txBody>
+      <dsp:txXfrm>
+        <a:off x="8324375" y="1400121"/>
+        <a:ext cx="267749" cy="366330"/>
+      </dsp:txXfrm>
+    </dsp:sp>
+    <dsp:sp modelId="{C004F27F-F792-4B0F-B128-65095BC428E8}">
+      <dsp:nvSpPr>
+        <dsp:cNvPr id="0" name=""/>
+        <dsp:cNvSpPr/>
+      </dsp:nvSpPr>
+      <dsp:spPr>
+        <a:xfrm>
+          <a:off x="8819488" y="2240610"/>
+          <a:ext cx="486817" cy="486817"/>
+        </a:xfrm>
+        <a:prstGeom prst="downArrow">
+          <a:avLst>
+            <a:gd name="adj1" fmla="val 55000"/>
+            <a:gd name="adj2" fmla="val 45000"/>
+          </a:avLst>
+        </a:prstGeom>
+        <a:solidFill>
+          <a:schemeClr val="accent4">
+            <a:tint val="40000"/>
+            <a:alpha val="90000"/>
+            <a:hueOff val="0"/>
+            <a:satOff val="0"/>
+            <a:lumOff val="0"/>
+            <a:alphaOff val="0"/>
+          </a:schemeClr>
+        </a:solidFill>
+        <a:ln w="12700" cap="flat" cmpd="sng" algn="ctr">
+          <a:solidFill>
+            <a:schemeClr val="accent4">
+              <a:tint val="40000"/>
+              <a:alpha val="90000"/>
+              <a:hueOff val="0"/>
+              <a:satOff val="0"/>
+              <a:lumOff val="0"/>
+              <a:alphaOff val="0"/>
+            </a:schemeClr>
+          </a:solidFill>
+          <a:prstDash val="solid"/>
+          <a:miter lim="800000"/>
+        </a:ln>
+        <a:effectLst/>
+      </dsp:spPr>
+      <dsp:style>
+        <a:lnRef idx="2">
+          <a:scrgbClr r="0" g="0" b="0"/>
+        </a:lnRef>
+        <a:fillRef idx="1">
+          <a:scrgbClr r="0" g="0" b="0"/>
+        </a:fillRef>
+        <a:effectRef idx="0">
+          <a:scrgbClr r="0" g="0" b="0"/>
+        </a:effectRef>
+        <a:fontRef idx="minor"/>
+      </dsp:style>
+      <dsp:txBody>
+        <a:bodyPr spcFirstLastPara="0" vert="horz" wrap="square" lIns="27940" tIns="27940" rIns="27940" bIns="27940" numCol="1" spcCol="1270" anchor="ctr" anchorCtr="0">
+          <a:noAutofit/>
+        </a:bodyPr>
+        <a:lstStyle/>
+        <a:p>
+          <a:pPr marL="0" lvl="0" indent="0" algn="ctr" defTabSz="977900">
+            <a:lnSpc>
+              <a:spcPct val="90000"/>
+            </a:lnSpc>
+            <a:spcBef>
+              <a:spcPct val="0"/>
+            </a:spcBef>
+            <a:spcAft>
+              <a:spcPct val="35000"/>
+            </a:spcAft>
+            <a:buNone/>
+          </a:pPr>
+          <a:endParaRPr lang="en-US" sz="2200" kern="1200"/>
+        </a:p>
+      </dsp:txBody>
+      <dsp:txXfrm>
+        <a:off x="8929022" y="2240610"/>
+        <a:ext cx="267749" cy="366330"/>
+      </dsp:txXfrm>
+    </dsp:sp>
+    <dsp:sp modelId="{6172C640-A97C-445D-83A8-84A68616F3AB}">
+      <dsp:nvSpPr>
+        <dsp:cNvPr id="0" name=""/>
+        <dsp:cNvSpPr/>
+      </dsp:nvSpPr>
+      <dsp:spPr>
+        <a:xfrm>
+          <a:off x="9424135" y="3101903"/>
+          <a:ext cx="486817" cy="486817"/>
+        </a:xfrm>
+        <a:prstGeom prst="downArrow">
+          <a:avLst>
+            <a:gd name="adj1" fmla="val 55000"/>
+            <a:gd name="adj2" fmla="val 45000"/>
+          </a:avLst>
+        </a:prstGeom>
+        <a:solidFill>
+          <a:schemeClr val="accent5">
+            <a:tint val="40000"/>
+            <a:alpha val="90000"/>
+            <a:hueOff val="0"/>
+            <a:satOff val="0"/>
+            <a:lumOff val="0"/>
+            <a:alphaOff val="0"/>
+          </a:schemeClr>
+        </a:solidFill>
+        <a:ln w="12700" cap="flat" cmpd="sng" algn="ctr">
+          <a:solidFill>
+            <a:schemeClr val="accent5">
+              <a:tint val="40000"/>
+              <a:alpha val="90000"/>
+              <a:hueOff val="0"/>
+              <a:satOff val="0"/>
+              <a:lumOff val="0"/>
+              <a:alphaOff val="0"/>
+            </a:schemeClr>
+          </a:solidFill>
+          <a:prstDash val="solid"/>
+          <a:miter lim="800000"/>
+        </a:ln>
+        <a:effectLst/>
+      </dsp:spPr>
+      <dsp:style>
+        <a:lnRef idx="2">
+          <a:scrgbClr r="0" g="0" b="0"/>
+        </a:lnRef>
+        <a:fillRef idx="1">
+          <a:scrgbClr r="0" g="0" b="0"/>
+        </a:fillRef>
+        <a:effectRef idx="0">
+          <a:scrgbClr r="0" g="0" b="0"/>
+        </a:effectRef>
+        <a:fontRef idx="minor"/>
+      </dsp:style>
+      <dsp:txBody>
+        <a:bodyPr spcFirstLastPara="0" vert="horz" wrap="square" lIns="27940" tIns="27940" rIns="27940" bIns="27940" numCol="1" spcCol="1270" anchor="ctr" anchorCtr="0">
+          <a:noAutofit/>
+        </a:bodyPr>
+        <a:lstStyle/>
+        <a:p>
+          <a:pPr marL="0" lvl="0" indent="0" algn="ctr" defTabSz="977900">
+            <a:lnSpc>
+              <a:spcPct val="90000"/>
+            </a:lnSpc>
+            <a:spcBef>
+              <a:spcPct val="0"/>
+            </a:spcBef>
+            <a:spcAft>
+              <a:spcPct val="35000"/>
+            </a:spcAft>
+            <a:buNone/>
+          </a:pPr>
+          <a:endParaRPr lang="en-US" sz="2200" kern="1200"/>
+        </a:p>
+      </dsp:txBody>
+      <dsp:txXfrm>
+        <a:off x="9533669" y="3101903"/>
+        <a:ext cx="267749" cy="366330"/>
+      </dsp:txXfrm>
+    </dsp:sp>
+  </dsp:spTree>
+</dsp:drawing>
+</file>
+
+<file path=ppt/diagrams/layout1.xml><?xml version="1.0" encoding="utf-8"?>
+<dgm:layoutDef xmlns:dgm="http://schemas.openxmlformats.org/drawingml/2006/diagram" xmlns:a="http://schemas.openxmlformats.org/drawingml/2006/main" uniqueId="urn:microsoft.com/office/officeart/2005/8/layout/vProcess5">
+  <dgm:title val=""/>
+  <dgm:desc val=""/>
+  <dgm:catLst>
+    <dgm:cat type="process" pri="14000"/>
+  </dgm:catLst>
+  <dgm:sampData>
+    <dgm:dataModel>
+      <dgm:ptLst>
+        <dgm:pt modelId="0" type="doc"/>
+        <dgm:pt modelId="1">
+          <dgm:prSet phldr="1"/>
+        </dgm:pt>
+        <dgm:pt modelId="2">
+          <dgm:prSet phldr="1"/>
+        </dgm:pt>
+        <dgm:pt modelId="3">
+          <dgm:prSet phldr="1"/>
+        </dgm:pt>
+      </dgm:ptLst>
+      <dgm:cxnLst>
+        <dgm:cxn modelId="5" srcId="0" destId="1" srcOrd="0" destOrd="0"/>
+        <dgm:cxn modelId="6" srcId="0" destId="2" srcOrd="1" destOrd="0"/>
+        <dgm:cxn modelId="7" srcId="0" destId="3" srcOrd="2" destOrd="0"/>
+      </dgm:cxnLst>
+      <dgm:bg/>
+      <dgm:whole/>
+    </dgm:dataModel>
+  </dgm:sampData>
+  <dgm:styleData>
+    <dgm:dataModel>
+      <dgm:ptLst>
+        <dgm:pt modelId="0" type="doc"/>
+        <dgm:pt modelId="1"/>
+        <dgm:pt modelId="2"/>
+      </dgm:ptLst>
+      <dgm:cxnLst>
+        <dgm:cxn modelId="3" srcId="0" destId="1" srcOrd="0" destOrd="0"/>
+        <dgm:cxn modelId="4" srcId="0" destId="2" srcOrd="1" destOrd="0"/>
+      </dgm:cxnLst>
+      <dgm:bg/>
+      <dgm:whole/>
+    </dgm:dataModel>
+  </dgm:styleData>
+  <dgm:clrData>
+    <dgm:dataModel>
+      <dgm:ptLst>
+        <dgm:pt modelId="0" type="doc"/>
+        <dgm:pt modelId="1"/>
+        <dgm:pt modelId="2"/>
+        <dgm:pt modelId="3"/>
+        <dgm:pt modelId="4"/>
+      </dgm:ptLst>
+      <dgm:cxnLst>
+        <dgm:cxn modelId="6" srcId="0" destId="1" srcOrd="0" destOrd="0"/>
+        <dgm:cxn modelId="7" srcId="0" destId="2" srcOrd="1" destOrd="0"/>
+        <dgm:cxn modelId="8" srcId="0" destId="3" srcOrd="2" destOrd="0"/>
+        <dgm:cxn modelId="9" srcId="0" destId="4" srcOrd="3" destOrd="0"/>
+      </dgm:cxnLst>
+      <dgm:bg/>
+      <dgm:whole/>
+    </dgm:dataModel>
+  </dgm:clrData>
+  <dgm:layoutNode name="outerComposite">
+    <dgm:varLst>
+      <dgm:chMax val="5"/>
+      <dgm:dir/>
+      <dgm:resizeHandles val="exact"/>
+    </dgm:varLst>
+    <dgm:alg type="composite"/>
+    <dgm:shape xmlns:r="http://schemas.openxmlformats.org/officeDocument/2006/relationships" r:blip="">
+      <dgm:adjLst/>
+    </dgm:shape>
+    <dgm:presOf/>
+    <dgm:choose name="Name0">
+      <dgm:if name="Name1" func="var" arg="dir" op="equ" val="norm">
+        <dgm:constrLst>
+          <dgm:constr type="primFontSz" for="ch" ptType="node" op="equ" val="65"/>
+          <dgm:constr type="w" for="ch" forName="dummyMaxCanvas" refType="w"/>
+          <dgm:constr type="h" for="ch" forName="dummyMaxCanvas" refType="h"/>
+          <dgm:constr type="w" for="ch" forName="OneNode_1" refType="w"/>
+          <dgm:constr type="h" for="ch" forName="OneNode_1" refType="h" fact="0.5"/>
+          <dgm:constr type="ctrY" for="ch" forName="OneNode_1" refType="h" fact="0.5"/>
+          <dgm:constr type="w" for="ch" forName="TwoNodes_1" refType="w" fact="0.85"/>
+          <dgm:constr type="h" for="ch" forName="TwoNodes_1" refType="h" fact="0.45"/>
+          <dgm:constr type="t" for="ch" forName="TwoNodes_1"/>
+          <dgm:constr type="l" for="ch" forName="TwoNodes_1"/>
+          <dgm:constr type="w" for="ch" forName="TwoNodes_2" refType="w" fact="0.85"/>
+          <dgm:constr type="h" for="ch" forName="TwoNodes_2" refType="h" fact="0.45"/>
+          <dgm:constr type="b" for="ch" forName="TwoNodes_2" refType="h"/>
+          <dgm:constr type="r" for="ch" forName="TwoNodes_2" refType="w"/>
+          <dgm:constr type="w" for="ch" forName="TwoConn_1-2" refType="h" refFor="ch" refForName="TwoNodes_1" fact="0.65"/>
+          <dgm:constr type="h" for="ch" forName="TwoConn_1-2" refType="h" refFor="ch" refForName="TwoNodes_1" fact="0.65"/>
+          <dgm:constr type="ctrY" for="ch" forName="TwoConn_1-2" refType="h" fact="0.5"/>
+          <dgm:constr type="r" for="ch" forName="TwoConn_1-2" refType="r" refFor="ch" refForName="TwoNodes_1"/>
+          <dgm:constr type="r" for="ch" forName="TwoNodes_1_text" refType="l" refFor="ch" refForName="TwoConn_1-2"/>
+          <dgm:constr type="rOff" for="ch" forName="TwoNodes_1_text" refType="w" refFor="ch" refForName="TwoConn_1-2" fact="-0.5"/>
+          <dgm:constr type="t" for="ch" forName="TwoNodes_1_text" refType="t" refFor="ch" refForName="TwoNodes_1"/>
+          <dgm:constr type="b" for="ch" forName="TwoNodes_1_text" refType="b" refFor="ch" refForName="TwoNodes_1"/>
+          <dgm:constr type="l" for="ch" forName="TwoNodes_1_text" refType="l" refFor="ch" refForName="TwoNodes_1"/>
+          <dgm:constr type="r" for="ch" forName="TwoNodes_2_text" refType="l" refFor="ch" refForName="TwoConn_1-2"/>
+          <dgm:constr type="t" for="ch" forName="TwoNodes_2_text" refType="t" refFor="ch" refForName="TwoNodes_2"/>
+          <dgm:constr type="b" for="ch" forName="TwoNodes_2_text" refType="b" refFor="ch" refForName="TwoNodes_2"/>
+          <dgm:constr type="l" for="ch" forName="TwoNodes_2_text" refType="l" refFor="ch" refForName="TwoNodes_2"/>
+          <dgm:constr type="w" for="ch" forName="ThreeNodes_1" refType="w" fact="0.85"/>
+          <dgm:constr type="h" for="ch" forName="ThreeNodes_1" refType="h" fact="0.3"/>
+          <dgm:constr type="t" for="ch" forName="ThreeNodes_1"/>
+          <dgm:constr type="l" for="ch" forName="ThreeNodes_1"/>
+          <dgm:constr type="w" for="ch" forName="ThreeNodes_2" refType="w" fact="0.85"/>
+          <dgm:constr type="h" for="ch" forName="ThreeNodes_2" refType="h" fact="0.3"/>
+          <dgm:constr type="ctrY" for="ch" forName="ThreeNodes_2" refType="h" fact="0.5"/>
+          <dgm:constr type="ctrX" for="ch" forName="ThreeNodes_2" refType="w" fact="0.5"/>
+          <dgm:constr type="w" for="ch" forName="ThreeNodes_3" refType="w" fact="0.85"/>
+          <dgm:constr type="h" for="ch" forName="ThreeNodes_3" refType="h" fact="0.3"/>
+          <dgm:constr type="b" for="ch" forName="ThreeNodes_3" refType="h"/>
+          <dgm:constr type="r" for="ch" forName="ThreeNodes_3" refType="w"/>
+          <dgm:constr type="w" for="ch" forName="ThreeConn_1-2" refType="h" refFor="ch" refForName="ThreeNodes_1" fact="0.65"/>
+          <dgm:constr type="h" for="ch" forName="ThreeConn_1-2" refType="h" refFor="ch" refForName="ThreeNodes_1" fact="0.65"/>
+          <dgm:constr type="ctrY" for="ch" forName="ThreeConn_1-2" refType="h" fact="0.325"/>
+          <dgm:constr type="r" for="ch" forName="ThreeConn_1-2" refType="r" refFor="ch" refForName="ThreeNodes_1"/>
+          <dgm:constr type="w" for="ch" forName="ThreeConn_2-3" refType="h" refFor="ch" refForName="ThreeNodes_2" fact="0.65"/>
+          <dgm:constr type="h" for="ch" forName="ThreeConn_2-3" refType="h" refFor="ch" refForName="ThreeNodes_2" fact="0.65"/>
+          <dgm:constr type="ctrY" for="ch" forName="ThreeConn_2-3" refType="h" fact="0.673"/>
+          <dgm:constr type="r" for="ch" forName="ThreeConn_2-3" refType="r" refFor="ch" refForName="ThreeNodes_2"/>
+          <dgm:constr type="r" for="ch" forName="ThreeNodes_1_text" refType="l" refFor="ch" refForName="ThreeConn_1-2"/>
+          <dgm:constr type="rOff" for="ch" forName="ThreeNodes_1_text" refType="w" refFor="ch" refForName="ThreeConn_1-2" fact="-0.57"/>
+          <dgm:constr type="t" for="ch" forName="ThreeNodes_1_text" refType="t" refFor="ch" refForName="ThreeNodes_1"/>
+          <dgm:constr type="b" for="ch" forName="ThreeNodes_1_text" refType="b" refFor="ch" refForName="ThreeNodes_1"/>
+          <dgm:constr type="l" for="ch" forName="ThreeNodes_1_text" refType="l" refFor="ch" refForName="ThreeNodes_1"/>
+          <dgm:constr type="r" for="ch" forName="ThreeNodes_2_text" refType="l" refFor="ch" refForName="ThreeConn_1-2"/>
+          <dgm:constr type="t" for="ch" forName="ThreeNodes_2_text" refType="t" refFor="ch" refForName="ThreeNodes_2"/>
+          <dgm:constr type="b" for="ch" forName="ThreeNodes_2_text" refType="b" refFor="ch" refForName="ThreeNodes_2"/>
+          <dgm:constr type="l" for="ch" forName="ThreeNodes_2_text" refType="l" refFor="ch" refForName="ThreeNodes_2"/>
+          <dgm:constr type="r" for="ch" forName="ThreeNodes_3_text" refType="l" refFor="ch" refForName="ThreeConn_2-3"/>
+          <dgm:constr type="t" for="ch" forName="ThreeNodes_3_text" refType="t" refFor="ch" refForName="ThreeNodes_3"/>
+          <dgm:constr type="b" for="ch" forName="ThreeNodes_3_text" refType="b" refFor="ch" refForName="ThreeNodes_3"/>
+          <dgm:constr type="l" for="ch" forName="ThreeNodes_3_text" refType="l" refFor="ch" refForName="ThreeNodes_3"/>
+          <dgm:constr type="w" for="ch" forName="FourNodes_1" refType="w" fact="0.8"/>
+          <dgm:constr type="h" for="ch" forName="FourNodes_1" refType="h" fact="0.22"/>
+          <dgm:constr type="t" for="ch" forName="FourNodes_1"/>
+          <dgm:constr type="l" for="ch" forName="FourNodes_1"/>
+          <dgm:constr type="w" for="ch" forName="FourNodes_2" refType="w" fact="0.8"/>
+          <dgm:constr type="h" for="ch" forName="FourNodes_2" refType="h" fact="0.22"/>
+          <dgm:constr type="ctrY" for="ch" forName="FourNodes_2" refType="h" fact="0.37"/>
+          <dgm:constr type="ctrX" for="ch" forName="FourNodes_2" refType="w" fact="0.467"/>
+          <dgm:constr type="w" for="ch" forName="FourNodes_3" refType="w" fact="0.8"/>
+          <dgm:constr type="h" for="ch" forName="FourNodes_3" refType="h" fact="0.22"/>
+          <dgm:constr type="ctrY" for="ch" forName="FourNodes_3" refType="h" fact="0.63"/>
+          <dgm:constr type="ctrX" for="ch" forName="FourNodes_3" refType="w" fact="0.533"/>
+          <dgm:constr type="w" for="ch" forName="FourNodes_4" refType="w" fact="0.8"/>
+          <dgm:constr type="h" for="ch" forName="FourNodes_4" refType="h" fact="0.22"/>
+          <dgm:constr type="b" for="ch" forName="FourNodes_4" refType="h"/>
+          <dgm:constr type="r" for="ch" forName="FourNodes_4" refType="w"/>
+          <dgm:constr type="w" for="ch" forName="FourConn_1-2" refType="h" refFor="ch" refForName="FourNodes_1" fact="0.65"/>
+          <dgm:constr type="h" for="ch" forName="FourConn_1-2" refType="h" refFor="ch" refForName="FourNodes_1" fact="0.65"/>
+          <dgm:constr type="ctrY" for="ch" forName="FourConn_1-2" refType="h" fact="0.24"/>
+          <dgm:constr type="r" for="ch" forName="FourConn_1-2" refType="r" refFor="ch" refForName="FourNodes_1"/>
+          <dgm:constr type="w" for="ch" forName="FourConn_2-3" refType="h" refFor="ch" refForName="FourNodes_2" fact="0.65"/>
+          <dgm:constr type="h" for="ch" forName="FourConn_2-3" refType="h" refFor="ch" refForName="FourNodes_2" fact="0.65"/>
+          <dgm:constr type="ctrY" for="ch" forName="FourConn_2-3" refType="h" fact="0.5"/>
+          <dgm:constr type="r" for="ch" forName="FourConn_2-3" refType="r" refFor="ch" refForName="FourNodes_2"/>
+          <dgm:constr type="w" for="ch" forName="FourConn_3-4" refType="h" refFor="ch" refForName="FourNodes_3" fact="0.65"/>
+          <dgm:constr type="h" for="ch" forName="FourConn_3-4" refType="h" refFor="ch" refForName="FourNodes_3" fact="0.65"/>
+          <dgm:constr type="ctrY" for="ch" forName="FourConn_3-4" refType="h" fact="0.76"/>
+          <dgm:constr type="r" for="ch" forName="FourConn_3-4" refType="r" refFor="ch" refForName="FourNodes_3"/>
+          <dgm:constr type="r" for="ch" forName="FourNodes_1_text" refType="l" refFor="ch" refForName="FourConn_1-2"/>
+          <dgm:constr type="rOff" for="ch" forName="FourNodes_1_text" refType="w" refFor="ch" refForName="FourConn_1-2" fact="-0.7"/>
+          <dgm:constr type="t" for="ch" forName="FourNodes_1_text" refType="t" refFor="ch" refForName="FourNodes_1"/>
+          <dgm:constr type="b" for="ch" forName="FourNodes_1_text" refType="b" refFor="ch" refForName="FourNodes_1"/>
+          <dgm:constr type="l" for="ch" forName="FourNodes_1_text" refType="l" refFor="ch" refForName="FourNodes_1"/>
+          <dgm:constr type="r" for="ch" forName="FourNodes_2_text" refType="l" refFor="ch" refForName="FourConn_1-2"/>
+          <dgm:constr type="t" for="ch" forName="FourNodes_2_text" refType="t" refFor="ch" refForName="FourNodes_2"/>
+          <dgm:constr type="b" for="ch" forName="FourNodes_2_text" refType="b" refFor="ch" refForName="FourNodes_2"/>
+          <dgm:constr type="l" for="ch" forName="FourNodes_2_text" refType="l" refFor="ch" refForName="FourNodes_2"/>
+          <dgm:constr type="r" for="ch" forName="FourNodes_3_text" refType="l" refFor="ch" refForName="FourConn_2-3"/>
+          <dgm:constr type="t" for="ch" forName="FourNodes_3_text" refType="t" refFor="ch" refForName="FourNodes_3"/>
+          <dgm:constr type="b" for="ch" forName="FourNodes_3_text" refType="b" refFor="ch" refForName="FourNodes_3"/>
+          <dgm:constr type="l" for="ch" forName="FourNodes_3_text" refType="l" refFor="ch" refForName="FourNodes_3"/>
+          <dgm:constr type="r" for="ch" forName="FourNodes_4_text" refType="l" refFor="ch" refForName="FourConn_3-4"/>
+          <dgm:constr type="t" for="ch" forName="FourNodes_4_text" refType="t" refFor="ch" refForName="FourNodes_4"/>
+          <dgm:constr type="b" for="ch" forName="FourNodes_4_text" refType="b" refFor="ch" refForName="FourNodes_4"/>
+          <dgm:constr type="l" for="ch" forName="FourNodes_4_text" refType="l" refFor="ch" refForName="FourNodes_4"/>
+          <dgm:constr type="w" for="ch" forName="FiveNodes_1" refType="w" fact="0.77"/>
+          <dgm:constr type="h" for="ch" forName="FiveNodes_1" refType="h" fact="0.18"/>
+          <dgm:constr type="t" for="ch" forName="FiveNodes_1"/>
+          <dgm:constr type="l" for="ch" forName="FiveNodes_1"/>
+          <dgm:constr type="w" for="ch" forName="FiveNodes_2" refType="w" fact="0.77"/>
+          <dgm:constr type="h" for="ch" forName="FiveNodes_2" refType="h" fact="0.18"/>
+          <dgm:constr type="ctrY" for="ch" forName="FiveNodes_2" refType="h" fact="0.295"/>
+          <dgm:constr type="ctrX" for="ch" forName="FiveNodes_2" refType="w" fact="0.4425"/>
+          <dgm:constr type="w" for="ch" forName="FiveNodes_3" refType="w" fact="0.77"/>
+          <dgm:constr type="h" for="ch" forName="FiveNodes_3" refType="h" fact="0.18"/>
+          <dgm:constr type="ctrY" for="ch" forName="FiveNodes_3" refType="h" fact="0.5"/>
+          <dgm:constr type="ctrX" for="ch" forName="FiveNodes_3" refType="w" fact="0.5"/>
+          <dgm:constr type="w" for="ch" forName="FiveNodes_4" refType="w" fact="0.77"/>
+          <dgm:constr type="h" for="ch" forName="FiveNodes_4" refType="h" fact="0.18"/>
+          <dgm:constr type="ctrY" for="ch" forName="FiveNodes_4" refType="h" fact="0.705"/>
+          <dgm:constr type="ctrX" for="ch" forName="FiveNodes_4" refType="w" fact="0.5575"/>
+          <dgm:constr type="w" for="ch" forName="FiveNodes_5" refType="w" fact="0.77"/>
+          <dgm:constr type="h" for="ch" forName="FiveNodes_5" refType="h" fact="0.18"/>
+          <dgm:constr type="b" for="ch" forName="FiveNodes_5" refType="h"/>
+          <dgm:constr type="r" for="ch" forName="FiveNodes_5" refType="w"/>
+          <dgm:constr type="w" for="ch" forName="FiveConn_1-2" refType="h" refFor="ch" refForName="FiveNodes_1" fact="0.65"/>
+          <dgm:constr type="h" for="ch" forName="FiveConn_1-2" refType="h" refFor="ch" refForName="FiveNodes_1" fact="0.65"/>
+          <dgm:constr type="ctrY" for="ch" forName="FiveConn_1-2" refType="h" fact="0.19"/>
+          <dgm:constr type="r" for="ch" forName="FiveConn_1-2" refType="r" refFor="ch" refForName="FiveNodes_1"/>
+          <dgm:constr type="w" for="ch" forName="FiveConn_2-3" refType="h" refFor="ch" refForName="FiveNodes_2" fact="0.65"/>
+          <dgm:constr type="h" for="ch" forName="FiveConn_2-3" refType="h" refFor="ch" refForName="FiveNodes_2" fact="0.65"/>
+          <dgm:constr type="ctrY" for="ch" forName="FiveConn_2-3" refType="h" fact="0.395"/>
+          <dgm:constr type="r" for="ch" forName="FiveConn_2-3" refType="r" refFor="ch" refForName="FiveNodes_2"/>
+          <dgm:constr type="w" for="ch" forName="FiveConn_3-4" refType="h" refFor="ch" refForName="FiveNodes_3" fact="0.65"/>
+          <dgm:constr type="h" for="ch" forName="FiveConn_3-4" refType="h" refFor="ch" refForName="FiveNodes_3" fact="0.65"/>
+          <dgm:constr type="ctrY" for="ch" forName="FiveConn_3-4" refType="h" fact="0.597"/>
+          <dgm:constr type="r" for="ch" forName="FiveConn_3-4" refType="r" refFor="ch" refForName="FiveNodes_3"/>
+          <dgm:constr type="w" for="ch" forName="FiveConn_4-5" refType="h" refFor="ch" refForName="FiveNodes_4" fact="0.65"/>
+          <dgm:constr type="h" for="ch" forName="FiveConn_4-5" refType="h" refFor="ch" refForName="FiveNodes_4" fact="0.65"/>
+          <dgm:constr type="ctrY" for="ch" forName="FiveConn_4-5" refType="h" fact="0.804"/>
+          <dgm:constr type="r" for="ch" forName="FiveConn_4-5" refType="r" refFor="ch" refForName="FiveNodes_4"/>
+          <dgm:constr type="r" for="ch" forName="FiveNodes_1_text" refType="l" refFor="ch" refForName="FiveConn_1-2"/>
+          <dgm:constr type="rOff" for="ch" forName="FiveNodes_1_text" refType="w" refFor="ch" refForName="FiveConn_1-2" fact="-0.75"/>
+          <dgm:constr type="t" for="ch" forName="FiveNodes_1_text" refType="t" refFor="ch" refForName="FiveNodes_1"/>
+          <dgm:constr type="b" for="ch" forName="FiveNodes_1_text" refType="b" refFor="ch" refForName="FiveNodes_1"/>
+          <dgm:constr type="l" for="ch" forName="FiveNodes_1_text" refType="l" refFor="ch" refForName="FiveNodes_1"/>
+          <dgm:constr type="r" for="ch" forName="FiveNodes_2_text" refType="l" refFor="ch" refForName="FiveConn_1-2"/>
+          <dgm:constr type="t" for="ch" forName="FiveNodes_2_text" refType="t" refFor="ch" refForName="FiveNodes_2"/>
+          <dgm:constr type="b" for="ch" forName="FiveNodes_2_text" refType="b" refFor="ch" refForName="FiveNodes_2"/>
+          <dgm:constr type="l" for="ch" forName="FiveNodes_2_text" refType="l" refFor="ch" refForName="FiveNodes_2"/>
+          <dgm:constr type="r" for="ch" forName="FiveNodes_3_text" refType="l" refFor="ch" refForName="FiveConn_2-3"/>
+          <dgm:constr type="t" for="ch" forName="FiveNodes_3_text" refType="t" refFor="ch" refForName="FiveNodes_3"/>
+          <dgm:constr type="b" for="ch" forName="FiveNodes_3_text" refType="b" refFor="ch" refForName="FiveNodes_3"/>
+          <dgm:constr type="l" for="ch" forName="FiveNodes_3_text" refType="l" refFor="ch" refForName="FiveNodes_3"/>
+          <dgm:constr type="r" for="ch" forName="FiveNodes_4_text" refType="l" refFor="ch" refForName="FiveConn_3-4"/>
+          <dgm:constr type="t" for="ch" forName="FiveNodes_4_text" refType="t" refFor="ch" refForName="FiveNodes_4"/>
+          <dgm:constr type="b" for="ch" forName="FiveNodes_4_text" refType="b" refFor="ch" refForName="FiveNodes_4"/>
+          <dgm:constr type="l" for="ch" forName="FiveNodes_4_text" refType="l" refFor="ch" refForName="FiveNodes_4"/>
+          <dgm:constr type="r" for="ch" forName="FiveNodes_5_text" refType="l" refFor="ch" refForName="FiveConn_4-5"/>
+          <dgm:constr type="t" for="ch" forName="FiveNodes_5_text" refType="t" refFor="ch" refForName="FiveNodes_5"/>
+          <dgm:constr type="b" for="ch" forName="FiveNodes_5_text" refType="b" refFor="ch" refForName="FiveNodes_5"/>
+          <dgm:constr type="l" for="ch" forName="FiveNodes_5_text" refType="l" refFor="ch" refForName="FiveNodes_5"/>
+        </dgm:constrLst>
+      </dgm:if>
+      <dgm:else name="Name2">
+        <dgm:constrLst>
+          <dgm:constr type="primFontSz" for="ch" ptType="node" op="equ" val="65"/>
+          <dgm:constr type="w" for="ch" forName="dummyMaxCanvas" refType="w"/>
+          <dgm:constr type="h" for="ch" forName="dummyMaxCanvas" refType="h"/>
+          <dgm:constr type="w" for="ch" forName="OneNode_1" refType="w"/>
+          <dgm:constr type="h" for="ch" forName="OneNode_1" refType="h" fact="0.5"/>
+          <dgm:constr type="ctrY" for="ch" forName="OneNode_1" refType="h" fact="0.5"/>
+          <dgm:constr type="w" for="ch" forName="TwoNodes_1" refType="w" fact="0.85"/>
+          <dgm:constr type="h" for="ch" forName="TwoNodes_1" refType="h" fact="0.45"/>
+          <dgm:constr type="t" for="ch" forName="TwoNodes_1"/>
+          <dgm:constr type="r" for="ch" forName="TwoNodes_1" refType="w"/>
+          <dgm:constr type="w" for="ch" forName="TwoNodes_2" refType="w" fact="0.85"/>
+          <dgm:constr type="h" for="ch" forName="TwoNodes_2" refType="h" fact="0.45"/>
+          <dgm:constr type="b" for="ch" forName="TwoNodes_2" refType="h"/>
+          <dgm:constr type="l" for="ch" forName="TwoNodes_2"/>
+          <dgm:constr type="w" for="ch" forName="TwoConn_1-2" refType="h" refFor="ch" refForName="TwoNodes_1" fact="0.65"/>
+          <dgm:constr type="h" for="ch" forName="TwoConn_1-2" refType="h" refFor="ch" refForName="TwoNodes_1" fact="0.65"/>
+          <dgm:constr type="ctrY" for="ch" forName="TwoConn_1-2" refType="h" fact="0.5"/>
+          <dgm:constr type="l" for="ch" forName="TwoConn_1-2" refType="l" refFor="ch" refForName="TwoNodes_1"/>
+          <dgm:constr type="l" for="ch" forName="TwoNodes_1_text" refType="r" refFor="ch" refForName="TwoConn_1-2"/>
+          <dgm:constr type="lOff" for="ch" forName="TwoNodes_1_text" refType="w" refFor="ch" refForName="TwoConn_1-2" fact="0.5"/>
+          <dgm:constr type="t" for="ch" forName="TwoNodes_1_text" refType="t" refFor="ch" refForName="TwoNodes_1"/>
+          <dgm:constr type="b" for="ch" forName="TwoNodes_1_text" refType="b" refFor="ch" refForName="TwoNodes_1"/>
+          <dgm:constr type="r" for="ch" forName="TwoNodes_1_text" refType="r" refFor="ch" refForName="TwoNodes_1"/>
+          <dgm:constr type="l" for="ch" forName="TwoNodes_2_text" refType="r" refFor="ch" refForName="TwoConn_1-2"/>
+          <dgm:constr type="t" for="ch" forName="TwoNodes_2_text" refType="t" refFor="ch" refForName="TwoNodes_2"/>
+          <dgm:constr type="b" for="ch" forName="TwoNodes_2_text" refType="b" refFor="ch" refForName="TwoNodes_2"/>
+          <dgm:constr type="r" for="ch" forName="TwoNodes_2_text" refType="r" refFor="ch" refForName="TwoNodes_2"/>
+          <dgm:constr type="w" for="ch" forName="ThreeNodes_1" refType="w" fact="0.85"/>
+          <dgm:constr type="h" for="ch" forName="ThreeNodes_1" refType="h" fact="0.3"/>
+          <dgm:constr type="t" for="ch" forName="ThreeNodes_1"/>
+          <dgm:constr type="r" for="ch" forName="ThreeNodes_1" refType="w"/>
+          <dgm:constr type="w" for="ch" forName="ThreeNodes_2" refType="w" fact="0.85"/>
+          <dgm:constr type="h" for="ch" forName="ThreeNodes_2" refType="h" fact="0.3"/>
+          <dgm:constr type="ctrY" for="ch" forName="ThreeNodes_2" refType="h" fact="0.5"/>
+          <dgm:constr type="ctrX" for="ch" forName="ThreeNodes_2" refType="w" fact="0.5"/>
+          <dgm:constr type="w" for="ch" forName="ThreeNodes_3" refType="w" fact="0.85"/>
+          <dgm:constr type="h" for="ch" forName="ThreeNodes_3" refType="h" fact="0.3"/>
+          <dgm:constr type="b" for="ch" forName="ThreeNodes_3" refType="h"/>
+          <dgm:constr type="l" for="ch" forName="ThreeNodes_3"/>
+          <dgm:constr type="w" for="ch" forName="ThreeConn_1-2" refType="h" refFor="ch" refForName="ThreeNodes_1" fact="0.65"/>
+          <dgm:constr type="h" for="ch" forName="ThreeConn_1-2" refType="h" refFor="ch" refForName="ThreeNodes_1" fact="0.65"/>
+          <dgm:constr type="ctrY" for="ch" forName="ThreeConn_1-2" refType="h" fact="0.325"/>
+          <dgm:constr type="l" for="ch" forName="ThreeConn_1-2" refType="l" refFor="ch" refForName="ThreeNodes_1"/>
+          <dgm:constr type="w" for="ch" forName="ThreeConn_2-3" refType="h" refFor="ch" refForName="ThreeNodes_2" fact="0.65"/>
+          <dgm:constr type="h" for="ch" forName="ThreeConn_2-3" refType="h" refFor="ch" refForName="ThreeNodes_2" fact="0.65"/>
+          <dgm:constr type="ctrY" for="ch" forName="ThreeConn_2-3" refType="h" fact="0.673"/>
+          <dgm:constr type="l" for="ch" forName="ThreeConn_2-3" refType="l" refFor="ch" refForName="ThreeNodes_2"/>
+          <dgm:constr type="l" for="ch" forName="ThreeNodes_1_text" refType="r" refFor="ch" refForName="ThreeConn_1-2"/>
+          <dgm:constr type="lOff" for="ch" forName="ThreeNodes_1_text" refType="w" refFor="ch" refForName="ThreeConn_1-2" fact="0.55"/>
+          <dgm:constr type="t" for="ch" forName="ThreeNodes_1_text" refType="t" refFor="ch" refForName="ThreeNodes_1"/>
+          <dgm:constr type="b" for="ch" forName="ThreeNodes_1_text" refType="b" refFor="ch" refForName="ThreeNodes_1"/>
+          <dgm:constr type="r" for="ch" forName="ThreeNodes_1_text" refType="r" refFor="ch" refForName="ThreeNodes_1"/>
+          <dgm:constr type="l" for="ch" forName="ThreeNodes_2_text" refType="r" refFor="ch" refForName="ThreeConn_1-2"/>
+          <dgm:constr type="t" for="ch" forName="ThreeNodes_2_text" refType="t" refFor="ch" refForName="ThreeNodes_2"/>
+          <dgm:constr type="b" for="ch" forName="ThreeNodes_2_text" refType="b" refFor="ch" refForName="ThreeNodes_2"/>
+          <dgm:constr type="r" for="ch" forName="ThreeNodes_2_text" refType="r" refFor="ch" refForName="ThreeNodes_2"/>
+          <dgm:constr type="l" for="ch" forName="ThreeNodes_3_text" refType="r" refFor="ch" refForName="ThreeConn_2-3"/>
+          <dgm:constr type="t" for="ch" forName="ThreeNodes_3_text" refType="t" refFor="ch" refForName="ThreeNodes_3"/>
+          <dgm:constr type="b" for="ch" forName="ThreeNodes_3_text" refType="b" refFor="ch" refForName="ThreeNodes_3"/>
+          <dgm:constr type="r" for="ch" forName="ThreeNodes_3_text" refType="r" refFor="ch" refForName="ThreeNodes_3"/>
+          <dgm:constr type="w" for="ch" forName="FourNodes_1" refType="w" fact="0.8"/>
+          <dgm:constr type="h" for="ch" forName="FourNodes_1" refType="h" fact="0.22"/>
+          <dgm:constr type="t" for="ch" forName="FourNodes_1"/>
+          <dgm:constr type="r" for="ch" forName="FourNodes_1" refType="w"/>
+          <dgm:constr type="w" for="ch" forName="FourNodes_2" refType="w" fact="0.8"/>
+          <dgm:constr type="h" for="ch" forName="FourNodes_2" refType="h" fact="0.22"/>
+          <dgm:constr type="ctrY" for="ch" forName="FourNodes_2" refType="h" fact="0.37"/>
+          <dgm:constr type="ctrX" for="ch" forName="FourNodes_2" refType="w" fact="0.533"/>
+          <dgm:constr type="w" for="ch" forName="FourNodes_3" refType="w" fact="0.8"/>
+          <dgm:constr type="h" for="ch" forName="FourNodes_3" refType="h" fact="0.22"/>
+          <dgm:constr type="ctrY" for="ch" forName="FourNodes_3" refType="h" fact="0.63"/>
+          <dgm:constr type="ctrX" for="ch" forName="FourNodes_3" refType="w" fact="0.467"/>
+          <dgm:constr type="w" for="ch" forName="FourNodes_4" refType="w" fact="0.8"/>
+          <dgm:constr type="h" for="ch" forName="FourNodes_4" refType="h" fact="0.22"/>
+          <dgm:constr type="b" for="ch" forName="FourNodes_4" refType="h"/>
+          <dgm:constr type="l" for="ch" forName="FourNodes_4"/>
+          <dgm:constr type="w" for="ch" forName="FourConn_1-2" refType="h" refFor="ch" refForName="FourNodes_1" fact="0.65"/>
+          <dgm:constr type="h" for="ch" forName="FourConn_1-2" refType="h" refFor="ch" refForName="FourNodes_1" fact="0.65"/>
+          <dgm:constr type="ctrY" for="ch" forName="FourConn_1-2" refType="h" fact="0.24"/>
+          <dgm:constr type="l" for="ch" forName="FourConn_1-2" refType="l" refFor="ch" refForName="FourNodes_1"/>
+          <dgm:constr type="w" for="ch" forName="FourConn_2-3" refType="h" refFor="ch" refForName="FourNodes_2" fact="0.65"/>
+          <dgm:constr type="h" for="ch" forName="FourConn_2-3" refType="h" refFor="ch" refForName="FourNodes_2" fact="0.65"/>
+          <dgm:constr type="ctrY" for="ch" forName="FourConn_2-3" refType="h" fact="0.5"/>
+          <dgm:constr type="l" for="ch" forName="FourConn_2-3" refType="l" refFor="ch" refForName="FourNodes_2"/>
+          <dgm:constr type="w" for="ch" forName="FourConn_3-4" refType="h" refFor="ch" refForName="FourNodes_3" fact="0.65"/>
+          <dgm:constr type="h" for="ch" forName="FourConn_3-4" refType="h" refFor="ch" refForName="FourNodes_3" fact="0.65"/>
+          <dgm:constr type="ctrY" for="ch" forName="FourConn_3-4" refType="h" fact="0.76"/>
+          <dgm:constr type="l" for="ch" forName="FourConn_3-4" refType="l" refFor="ch" refForName="FourNodes_3"/>
+          <dgm:constr type="l" for="ch" forName="FourNodes_1_text" refType="r" refFor="ch" refForName="FourConn_1-2"/>
+          <dgm:constr type="lOff" for="ch" forName="FourNodes_1_text" refType="w" refFor="ch" refForName="FourConn_1-2" fact="0.69"/>
+          <dgm:constr type="t" for="ch" forName="FourNodes_1_text" refType="t" refFor="ch" refForName="FourNodes_1"/>
+          <dgm:constr type="b" for="ch" forName="FourNodes_1_text" refType="b" refFor="ch" refForName="FourNodes_1"/>
+          <dgm:constr type="r" for="ch" forName="FourNodes_1_text" refType="r" refFor="ch" refForName="FourNodes_1"/>
+          <dgm:constr type="l" for="ch" forName="FourNodes_2_text" refType="r" refFor="ch" refForName="FourConn_1-2"/>
+          <dgm:constr type="t" for="ch" forName="FourNodes_2_text" refType="t" refFor="ch" refForName="FourNodes_2"/>
+          <dgm:constr type="b" for="ch" forName="FourNodes_2_text" refType="b" refFor="ch" refForName="FourNodes_2"/>
+          <dgm:constr type="r" for="ch" forName="FourNodes_2_text" refType="r" refFor="ch" refForName="FourNodes_2"/>
+          <dgm:constr type="l" for="ch" forName="FourNodes_3_text" refType="r" refFor="ch" refForName="FourConn_2-3"/>
+          <dgm:constr type="t" for="ch" forName="FourNodes_3_text" refType="t" refFor="ch" refForName="FourNodes_3"/>
+          <dgm:constr type="b" for="ch" forName="FourNodes_3_text" refType="b" refFor="ch" refForName="FourNodes_3"/>
+          <dgm:constr type="r" for="ch" forName="FourNodes_3_text" refType="r" refFor="ch" refForName="FourNodes_3"/>
+          <dgm:constr type="l" for="ch" forName="FourNodes_4_text" refType="r" refFor="ch" refForName="FourConn_3-4"/>
+          <dgm:constr type="t" for="ch" forName="FourNodes_4_text" refType="t" refFor="ch" refForName="FourNodes_4"/>
+          <dgm:constr type="b" for="ch" forName="FourNodes_4_text" refType="b" refFor="ch" refForName="FourNodes_4"/>
+          <dgm:constr type="r" for="ch" forName="FourNodes_4_text" refType="r" refFor="ch" refForName="FourNodes_4"/>
+          <dgm:constr type="w" for="ch" forName="FiveNodes_1" refType="w" fact="0.77"/>
+          <dgm:constr type="h" for="ch" forName="FiveNodes_1" refType="h" fact="0.18"/>
+          <dgm:constr type="t" for="ch" forName="FiveNodes_1"/>
+          <dgm:constr type="r" for="ch" forName="FiveNodes_1" refType="w"/>
+          <dgm:constr type="w" for="ch" forName="FiveNodes_2" refType="w" fact="0.77"/>
+          <dgm:constr type="h" for="ch" forName="FiveNodes_2" refType="h" fact="0.18"/>
+          <dgm:constr type="ctrY" for="ch" forName="FiveNodes_2" refType="h" fact="0.295"/>
+          <dgm:constr type="ctrX" for="ch" forName="FiveNodes_2" refType="w" fact="0.5575"/>
+          <dgm:constr type="w" for="ch" forName="FiveNodes_3" refType="w" fact="0.77"/>
+          <dgm:constr type="h" for="ch" forName="FiveNodes_3" refType="h" fact="0.18"/>
+          <dgm:constr type="ctrY" for="ch" forName="FiveNodes_3" refType="h" fact="0.5"/>
+          <dgm:constr type="ctrX" for="ch" forName="FiveNodes_3" refType="w" fact="0.5"/>
+          <dgm:constr type="w" for="ch" forName="FiveNodes_4" refType="w" fact="0.77"/>
+          <dgm:constr type="h" for="ch" forName="FiveNodes_4" refType="h" fact="0.18"/>
+          <dgm:constr type="ctrY" for="ch" forName="FiveNodes_4" refType="h" fact="0.705"/>
+          <dgm:constr type="ctrX" for="ch" forName="FiveNodes_4" refType="w" fact="0.4425"/>
+          <dgm:constr type="w" for="ch" forName="FiveNodes_5" refType="w" fact="0.77"/>
+          <dgm:constr type="h" for="ch" forName="FiveNodes_5" refType="h" fact="0.18"/>
+          <dgm:constr type="b" for="ch" forName="FiveNodes_5" refType="h"/>
+          <dgm:constr type="l" for="ch" forName="FiveNodes_5"/>
+          <dgm:constr type="w" for="ch" forName="FiveConn_1-2" refType="h" refFor="ch" refForName="FiveNodes_1" fact="0.65"/>
+          <dgm:constr type="h" for="ch" forName="FiveConn_1-2" refType="h" refFor="ch" refForName="FiveNodes_1" fact="0.65"/>
+          <dgm:constr type="ctrY" for="ch" forName="FiveConn_1-2" refType="h" fact="0.19"/>
+          <dgm:constr type="l" for="ch" forName="FiveConn_1-2" refType="l" refFor="ch" refForName="FiveNodes_1"/>
+          <dgm:constr type="w" for="ch" forName="FiveConn_2-3" refType="h" refFor="ch" refForName="FiveNodes_2" fact="0.65"/>
+          <dgm:constr type="h" for="ch" forName="FiveConn_2-3" refType="h" refFor="ch" refForName="FiveNodes_2" fact="0.65"/>
+          <dgm:constr type="ctrY" for="ch" forName="FiveConn_2-3" refType="h" fact="0.395"/>
+          <dgm:constr type="l" for="ch" forName="FiveConn_2-3" refType="l" refFor="ch" refForName="FiveNodes_2"/>
+          <dgm:constr type="w" for="ch" forName="FiveConn_3-4" refType="h" refFor="ch" refForName="FiveNodes_3" fact="0.65"/>
+          <dgm:constr type="h" for="ch" forName="FiveConn_3-4" refType="h" refFor="ch" refForName="FiveNodes_3" fact="0.65"/>
+          <dgm:constr type="ctrY" for="ch" forName="FiveConn_3-4" refType="h" fact="0.597"/>
+          <dgm:constr type="l" for="ch" forName="FiveConn_3-4" refType="l" refFor="ch" refForName="FiveNodes_3"/>
+          <dgm:constr type="w" for="ch" forName="FiveConn_4-5" refType="h" refFor="ch" refForName="FiveNodes_4" fact="0.65"/>
+          <dgm:constr type="h" for="ch" forName="FiveConn_4-5" refType="h" refFor="ch" refForName="FiveNodes_4" fact="0.65"/>
+          <dgm:constr type="ctrY" for="ch" forName="FiveConn_4-5" refType="h" fact="0.804"/>
+          <dgm:constr type="l" for="ch" forName="FiveConn_4-5" refType="l" refFor="ch" refForName="FiveNodes_4"/>
+          <dgm:constr type="l" for="ch" forName="FiveNodes_1_text" refType="r" refFor="ch" refForName="FiveConn_1-2"/>
+          <dgm:constr type="lOff" for="ch" forName="FiveNodes_1_text" refType="w" refFor="ch" refForName="FiveConn_1-2" fact="0.73"/>
+          <dgm:constr type="t" for="ch" forName="FiveNodes_1_text" refType="t" refFor="ch" refForName="FiveNodes_1"/>
+          <dgm:constr type="b" for="ch" forName="FiveNodes_1_text" refType="b" refFor="ch" refForName="FiveNodes_1"/>
+          <dgm:constr type="r" for="ch" forName="FiveNodes_1_text" refType="r" refFor="ch" refForName="FiveNodes_1"/>
+          <dgm:constr type="l" for="ch" forName="FiveNodes_2_text" refType="r" refFor="ch" refForName="FiveConn_1-2"/>
+          <dgm:constr type="t" for="ch" forName="FiveNodes_2_text" refType="t" refFor="ch" refForName="FiveNodes_2"/>
+          <dgm:constr type="b" for="ch" forName="FiveNodes_2_text" refType="b" refFor="ch" refForName="FiveNodes_2"/>
+          <dgm:constr type="r" for="ch" forName="FiveNodes_2_text" refType="r" refFor="ch" refForName="FiveNodes_2"/>
+          <dgm:constr type="l" for="ch" forName="FiveNodes_3_text" refType="r" refFor="ch" refForName="FiveConn_2-3"/>
+          <dgm:constr type="t" for="ch" forName="FiveNodes_3_text" refType="t" refFor="ch" refForName="FiveNodes_3"/>
+          <dgm:constr type="b" for="ch" forName="FiveNodes_3_text" refType="b" refFor="ch" refForName="FiveNodes_3"/>
+          <dgm:constr type="r" for="ch" forName="FiveNodes_3_text" refType="r" refFor="ch" refForName="FiveNodes_3"/>
+          <dgm:constr type="l" for="ch" forName="FiveNodes_4_text" refType="r" refFor="ch" refForName="FiveConn_3-4"/>
+          <dgm:constr type="t" for="ch" forName="FiveNodes_4_text" refType="t" refFor="ch" refForName="FiveNodes_4"/>
+          <dgm:constr type="b" for="ch" forName="FiveNodes_4_text" refType="b" refFor="ch" refForName="FiveNodes_4"/>
+          <dgm:constr type="r" for="ch" forName="FiveNodes_4_text" refType="r" refFor="ch" refForName="FiveNodes_4"/>
+          <dgm:constr type="l" for="ch" forName="FiveNodes_5_text" refType="r" refFor="ch" refForName="FiveConn_4-5"/>
+          <dgm:constr type="t" for="ch" forName="FiveNodes_5_text" refType="t" refFor="ch" refForName="FiveNodes_5"/>
+          <dgm:constr type="b" for="ch" forName="FiveNodes_5_text" refType="b" refFor="ch" refForName="FiveNodes_5"/>
+          <dgm:constr type="r" for="ch" forName="FiveNodes_5_text" refType="r" refFor="ch" refForName="FiveNodes_5"/>
+        </dgm:constrLst>
+      </dgm:else>
+    </dgm:choose>
+    <dgm:ruleLst/>
+    <dgm:layoutNode name="dummyMaxCanvas">
+      <dgm:varLst/>
+      <dgm:alg type="sp"/>
+      <dgm:shape xmlns:r="http://schemas.openxmlformats.org/officeDocument/2006/relationships" r:blip="">
+        <dgm:adjLst/>
+      </dgm:shape>
+      <dgm:presOf/>
+      <dgm:constrLst/>
+      <dgm:ruleLst/>
+    </dgm:layoutNode>
+    <dgm:choose name="Name3">
+      <dgm:if name="Name4" axis="ch" ptType="node" func="cnt" op="equ" val="1">
+        <dgm:layoutNode name="OneNode_1">
+          <dgm:varLst>
+            <dgm:bulletEnabled val="1"/>
+          </dgm:varLst>
+          <dgm:alg type="tx"/>
+          <dgm:shape xmlns:r="http://schemas.openxmlformats.org/officeDocument/2006/relationships" type="roundRect" r:blip="">
+            <dgm:adjLst>
+              <dgm:adj idx="1" val="0.1"/>
+            </dgm:adjLst>
+          </dgm:shape>
+          <dgm:presOf axis="ch desOrSelf" ptType="node node" st="1 1" cnt="1 0"/>
+          <dgm:constrLst>
+            <dgm:constr type="lMarg" refType="primFontSz" fact="0.3"/>
+            <dgm:constr type="rMarg" refType="primFontSz" fact="0.3"/>
+            <dgm:constr type="tMarg" refType="primFontSz" fact="0.3"/>
+            <dgm:constr type="bMarg" refType="primFontSz" fact="0.3"/>
+          </dgm:constrLst>
+          <dgm:ruleLst>
+            <dgm:rule type="primFontSz" val="5" fact="NaN" max="NaN"/>
+          </dgm:ruleLst>
+        </dgm:layoutNode>
+      </dgm:if>
+      <dgm:else name="Name5">
+        <dgm:choose name="Name6">
+          <dgm:if name="Name7" axis="ch" ptType="node" func="cnt" op="equ" val="2">
+            <dgm:layoutNode name="TwoNodes_1">
+              <dgm:varLst>
+                <dgm:bulletEnabled val="1"/>
+              </dgm:varLst>
+              <dgm:alg type="sp"/>
+              <dgm:shape xmlns:r="http://schemas.openxmlformats.org/officeDocument/2006/relationships" type="roundRect" r:blip="">
+                <dgm:adjLst>
+                  <dgm:adj idx="1" val="0.1"/>
+                </dgm:adjLst>
+              </dgm:shape>
+              <dgm:presOf axis="ch desOrSelf" ptType="node node" st="1 1" cnt="1 0"/>
+              <dgm:constrLst/>
+              <dgm:ruleLst/>
+            </dgm:layoutNode>
+            <dgm:layoutNode name="TwoNodes_2">
+              <dgm:varLst>
+                <dgm:bulletEnabled val="1"/>
+              </dgm:varLst>
+              <dgm:alg type="sp"/>
+              <dgm:shape xmlns:r="http://schemas.openxmlformats.org/officeDocument/2006/relationships" type="roundRect" r:blip="">
+                <dgm:adjLst>
+                  <dgm:adj idx="1" val="0.1"/>
+                </dgm:adjLst>
+              </dgm:shape>
+              <dgm:presOf axis="ch desOrSelf" ptType="node node" st="2 1" cnt="1 0"/>
+              <dgm:constrLst/>
+              <dgm:ruleLst/>
+            </dgm:layoutNode>
+            <dgm:layoutNode name="TwoConn_1-2" styleLbl="fgAccFollowNode1">
+              <dgm:varLst>
+                <dgm:bulletEnabled val="1"/>
+              </dgm:varLst>
+              <dgm:alg type="tx"/>
+              <dgm:shape xmlns:r="http://schemas.openxmlformats.org/officeDocument/2006/relationships" type="downArrow" r:blip="">
+                <dgm:adjLst>
+                  <dgm:adj idx="1" val="0.55"/>
+                  <dgm:adj idx="2" val="0.45"/>
+                </dgm:adjLst>
+              </dgm:shape>
+              <dgm:presOf axis="ch" ptType="sibTrans" cnt="1"/>
+              <dgm:constrLst>
+                <dgm:constr type="lMarg" refType="primFontSz" fact="0.1"/>
+                <dgm:constr type="rMarg" refType="primFontSz" fact="0.1"/>
+                <dgm:constr type="tMarg" refType="primFontSz" fact="0.1"/>
+                <dgm:constr type="bMarg" refType="primFontSz" fact="0.1"/>
+              </dgm:constrLst>
+              <dgm:ruleLst>
+                <dgm:rule type="primFontSz" val="5" fact="NaN" max="NaN"/>
+              </dgm:ruleLst>
+            </dgm:layoutNode>
+            <dgm:layoutNode name="TwoNodes_1_text">
+              <dgm:varLst>
+                <dgm:bulletEnabled val="1"/>
+              </dgm:varLst>
+              <dgm:alg type="tx">
+                <dgm:param type="parTxLTRAlign" val="l"/>
+                <dgm:param type="txAnchorVertCh" val="mid"/>
+              </dgm:alg>
+              <dgm:shape xmlns:r="http://schemas.openxmlformats.org/officeDocument/2006/relationships" type="roundRect" r:blip="" hideGeom="1">
+                <dgm:adjLst>
+                  <dgm:adj idx="1" val="0.1"/>
+                </dgm:adjLst>
+              </dgm:shape>
+              <dgm:presOf axis="ch desOrSelf" ptType="node node" st="1 1" cnt="1 0"/>
+              <dgm:constrLst>
+                <dgm:constr type="lMarg" refType="primFontSz" fact="0.3"/>
+                <dgm:constr type="rMarg" refType="primFontSz" fact="0.3"/>
+                <dgm:constr type="tMarg" refType="primFontSz" fact="0.3"/>
+                <dgm:constr type="bMarg" refType="primFontSz" fact="0.3"/>
+              </dgm:constrLst>
+              <dgm:ruleLst>
+                <dgm:rule type="primFontSz" val="5" fact="NaN" max="NaN"/>
+              </dgm:ruleLst>
+            </dgm:layoutNode>
+            <dgm:layoutNode name="TwoNodes_2_text">
+              <dgm:varLst>
+                <dgm:bulletEnabled val="1"/>
+              </dgm:varLst>
+              <dgm:alg type="tx">
+                <dgm:param type="parTxLTRAlign" val="l"/>
+                <dgm:param type="txAnchorVertCh" val="mid"/>
+              </dgm:alg>
+              <dgm:shape xmlns:r="http://schemas.openxmlformats.org/officeDocument/2006/relationships" type="roundRect" r:blip="" hideGeom="1">
+                <dgm:adjLst>
+                  <dgm:adj idx="1" val="0.1"/>
+                </dgm:adjLst>
+              </dgm:shape>
+              <dgm:presOf axis="ch desOrSelf" ptType="node node" st="2 1" cnt="1 0"/>
+              <dgm:constrLst>
+                <dgm:constr type="lMarg" refType="primFontSz" fact="0.3"/>
+                <dgm:constr type="rMarg" refType="primFontSz" fact="0.3"/>
+                <dgm:constr type="tMarg" refType="primFontSz" fact="0.3"/>
+                <dgm:constr type="bMarg" refType="primFontSz" fact="0.3"/>
+              </dgm:constrLst>
+              <dgm:ruleLst>
+                <dgm:rule type="primFontSz" val="5" fact="NaN" max="NaN"/>
+              </dgm:ruleLst>
+            </dgm:layoutNode>
+          </dgm:if>
+          <dgm:else name="Name8">
+            <dgm:choose name="Name9">
+              <dgm:if name="Name10" axis="ch" ptType="node" func="cnt" op="equ" val="3">
+                <dgm:layoutNode name="ThreeNodes_1">
+                  <dgm:varLst>
+                    <dgm:bulletEnabled val="1"/>
+                  </dgm:varLst>
+                  <dgm:alg type="sp"/>
+                  <dgm:shape xmlns:r="http://schemas.openxmlformats.org/officeDocument/2006/relationships" type="roundRect" r:blip="">
+                    <dgm:adjLst>
+                      <dgm:adj idx="1" val="0.1"/>
+                    </dgm:adjLst>
+                  </dgm:shape>
+                  <dgm:presOf axis="ch desOrSelf" ptType="node node" st="1 1" cnt="1 0"/>
+                  <dgm:constrLst/>
+                  <dgm:ruleLst/>
+                </dgm:layoutNode>
+                <dgm:layoutNode name="ThreeNodes_2">
+                  <dgm:varLst>
+                    <dgm:bulletEnabled val="1"/>
+                  </dgm:varLst>
+                  <dgm:alg type="sp"/>
+                  <dgm:shape xmlns:r="http://schemas.openxmlformats.org/officeDocument/2006/relationships" type="roundRect" r:blip="">
+                    <dgm:adjLst>
+                      <dgm:adj idx="1" val="0.1"/>
+                    </dgm:adjLst>
+                  </dgm:shape>
+                  <dgm:presOf axis="ch desOrSelf" ptType="node node" st="2 1" cnt="1 0"/>
+                  <dgm:constrLst/>
+                  <dgm:ruleLst/>
+                </dgm:layoutNode>
+                <dgm:layoutNode name="ThreeNodes_3">
+                  <dgm:varLst>
+                    <dgm:bulletEnabled val="1"/>
+                  </dgm:varLst>
+                  <dgm:alg type="sp"/>
+                  <dgm:shape xmlns:r="http://schemas.openxmlformats.org/officeDocument/2006/relationships" type="roundRect" r:blip="">
+                    <dgm:adjLst>
+                      <dgm:adj idx="1" val="0.1"/>
+                    </dgm:adjLst>
+                  </dgm:shape>
+                  <dgm:presOf axis="ch desOrSelf" ptType="node node" st="3 1" cnt="1 0"/>
+                  <dgm:constrLst/>
+                  <dgm:ruleLst/>
+                </dgm:layoutNode>
+                <dgm:layoutNode name="ThreeConn_1-2" styleLbl="fgAccFollowNode1">
+                  <dgm:varLst>
+                    <dgm:bulletEnabled val="1"/>
+                  </dgm:varLst>
+                  <dgm:alg type="tx"/>
+                  <dgm:shape xmlns:r="http://schemas.openxmlformats.org/officeDocument/2006/relationships" type="downArrow" r:blip="">
+                    <dgm:adjLst>
+                      <dgm:adj idx="1" val="0.55"/>
+                      <dgm:adj idx="2" val="0.45"/>
+                    </dgm:adjLst>
+                  </dgm:shape>
+                  <dgm:presOf axis="ch" ptType="sibTrans" cnt="1"/>
+                  <dgm:constrLst>
+                    <dgm:constr type="lMarg" refType="primFontSz" fact="0.1"/>
+                    <dgm:constr type="rMarg" refType="primFontSz" fact="0.1"/>
+                    <dgm:constr type="tMarg" refType="primFontSz" fact="0.1"/>
+                    <dgm:constr type="bMarg" refType="primFontSz" fact="0.1"/>
+                  </dgm:constrLst>
+                  <dgm:ruleLst>
+                    <dgm:rule type="primFontSz" val="5" fact="NaN" max="NaN"/>
+                  </dgm:ruleLst>
+                </dgm:layoutNode>
+                <dgm:layoutNode name="ThreeConn_2-3" styleLbl="fgAccFollowNode1">
+                  <dgm:varLst>
+                    <dgm:bulletEnabled val="1"/>
+                  </dgm:varLst>
+                  <dgm:alg type="tx"/>
+                  <dgm:shape xmlns:r="http://schemas.openxmlformats.org/officeDocument/2006/relationships" type="downArrow" r:blip="">
+                    <dgm:adjLst>
+                      <dgm:adj idx="1" val="0.55"/>
+                      <dgm:adj idx="2" val="0.45"/>
+                    </dgm:adjLst>
+                  </dgm:shape>
+                  <dgm:presOf axis="ch" ptType="sibTrans" st="2" cnt="1"/>
+                  <dgm:constrLst>
+                    <dgm:constr type="lMarg" refType="primFontSz" fact="0.1"/>
+                    <dgm:constr type="rMarg" refType="primFontSz" fact="0.1"/>
+                    <dgm:constr type="tMarg" refType="primFontSz" fact="0.1"/>
+                    <dgm:constr type="bMarg" refType="primFontSz" fact="0.1"/>
+                  </dgm:constrLst>
+                  <dgm:ruleLst>
+                    <dgm:rule type="primFontSz" val="5" fact="NaN" max="NaN"/>
+                  </dgm:ruleLst>
+                </dgm:layoutNode>
+                <dgm:layoutNode name="ThreeNodes_1_text">
+                  <dgm:varLst>
+                    <dgm:bulletEnabled val="1"/>
+                  </dgm:varLst>
+                  <dgm:alg type="tx">
+                    <dgm:param type="parTxLTRAlign" val="l"/>
+                    <dgm:param type="txAnchorVertCh" val="mid"/>
+                  </dgm:alg>
+                  <dgm:shape xmlns:r="http://schemas.openxmlformats.org/officeDocument/2006/relationships" type="roundRect" r:blip="" hideGeom="1">
+                    <dgm:adjLst>
+                      <dgm:adj idx="1" val="0.1"/>
+                    </dgm:adjLst>
+                  </dgm:shape>
+                  <dgm:presOf axis="ch desOrSelf" ptType="node node" st="1 1" cnt="1 0"/>
+                  <dgm:constrLst>
+                    <dgm:constr type="lMarg" refType="primFontSz" fact="0.3"/>
+                    <dgm:constr type="rMarg" refType="primFontSz" fact="0.3"/>
+                    <dgm:constr type="tMarg" refType="primFontSz" fact="0.3"/>
+                    <dgm:constr type="bMarg" refType="primFontSz" fact="0.3"/>
+                  </dgm:constrLst>
+                  <dgm:ruleLst>
+                    <dgm:rule type="primFontSz" val="5" fact="NaN" max="NaN"/>
+                  </dgm:ruleLst>
+                </dgm:layoutNode>
+                <dgm:layoutNode name="ThreeNodes_2_text">
+                  <dgm:varLst>
+                    <dgm:bulletEnabled val="1"/>
+                  </dgm:varLst>
+                  <dgm:alg type="tx">
+                    <dgm:param type="parTxLTRAlign" val="l"/>
+                    <dgm:param type="txAnchorVertCh" val="mid"/>
+                  </dgm:alg>
+                  <dgm:shape xmlns:r="http://schemas.openxmlformats.org/officeDocument/2006/relationships" type="roundRect" r:blip="" hideGeom="1">
+                    <dgm:adjLst>
+                      <dgm:adj idx="1" val="0.1"/>
+                    </dgm:adjLst>
+                  </dgm:shape>
+                  <dgm:presOf axis="ch desOrSelf" ptType="node node" st="2 1" cnt="1 0"/>
+                  <dgm:constrLst>
+                    <dgm:constr type="lMarg" refType="primFontSz" fact="0.3"/>
+                    <dgm:constr type="rMarg" refType="primFontSz" fact="0.3"/>
+                    <dgm:constr type="tMarg" refType="primFontSz" fact="0.3"/>
+                    <dgm:constr type="bMarg" refType="primFontSz" fact="0.3"/>
+                  </dgm:constrLst>
+                  <dgm:ruleLst>
+                    <dgm:rule type="primFontSz" val="5" fact="NaN" max="NaN"/>
+                  </dgm:ruleLst>
+                </dgm:layoutNode>
+                <dgm:layoutNode name="ThreeNodes_3_text">
+                  <dgm:varLst>
+                    <dgm:bulletEnabled val="1"/>
+                  </dgm:varLst>
+                  <dgm:alg type="tx">
+                    <dgm:param type="parTxLTRAlign" val="l"/>
+                    <dgm:param type="txAnchorVertCh" val="mid"/>
+                  </dgm:alg>
+                  <dgm:shape xmlns:r="http://schemas.openxmlformats.org/officeDocument/2006/relationships" type="roundRect" r:blip="" hideGeom="1">
+                    <dgm:adjLst>
+                      <dgm:adj idx="1" val="0.1"/>
+                    </dgm:adjLst>
+                  </dgm:shape>
+                  <dgm:presOf axis="ch desOrSelf" ptType="node node" st="3 1" cnt="1 0"/>
+                  <dgm:constrLst>
+                    <dgm:constr type="lMarg" refType="primFontSz" fact="0.3"/>
+                    <dgm:constr type="rMarg" refType="primFontSz" fact="0.3"/>
+                    <dgm:constr type="tMarg" refType="primFontSz" fact="0.3"/>
+                    <dgm:constr type="bMarg" refType="primFontSz" fact="0.3"/>
+                  </dgm:constrLst>
+                  <dgm:ruleLst>
+                    <dgm:rule type="primFontSz" val="5" fact="NaN" max="NaN"/>
+                  </dgm:ruleLst>
+                </dgm:layoutNode>
+              </dgm:if>
+              <dgm:else name="Name11">
+                <dgm:choose name="Name12">
+                  <dgm:if name="Name13" axis="ch" ptType="node" func="cnt" op="equ" val="4">
+                    <dgm:layoutNode name="FourNodes_1">
+                      <dgm:varLst>
+                        <dgm:bulletEnabled val="1"/>
+                      </dgm:varLst>
+                      <dgm:alg type="sp"/>
+                      <dgm:shape xmlns:r="http://schemas.openxmlformats.org/officeDocument/2006/relationships" type="roundRect" r:blip="">
+                        <dgm:adjLst>
+                          <dgm:adj idx="1" val="0.1"/>
+                        </dgm:adjLst>
+                      </dgm:shape>
+                      <dgm:presOf axis="ch desOrSelf" ptType="node node" st="1 1" cnt="1 0"/>
+                      <dgm:constrLst/>
+                      <dgm:ruleLst/>
+                    </dgm:layoutNode>
+                    <dgm:layoutNode name="FourNodes_2">
+                      <dgm:varLst>
+                        <dgm:bulletEnabled val="1"/>
+                      </dgm:varLst>
+                      <dgm:alg type="sp"/>
+                      <dgm:shape xmlns:r="http://schemas.openxmlformats.org/officeDocument/2006/relationships" type="roundRect" r:blip="">
+                        <dgm:adjLst>
+                          <dgm:adj idx="1" val="0.1"/>
+                        </dgm:adjLst>
+                      </dgm:shape>
+                      <dgm:presOf axis="ch desOrSelf" ptType="node node" st="2 1" cnt="1 0"/>
+                      <dgm:constrLst/>
+                      <dgm:ruleLst/>
+                    </dgm:layoutNode>
+                    <dgm:layoutNode name="FourNodes_3">
+                      <dgm:varLst>
+                        <dgm:bulletEnabled val="1"/>
+                      </dgm:varLst>
+                      <dgm:alg type="sp"/>
+                      <dgm:shape xmlns:r="http://schemas.openxmlformats.org/officeDocument/2006/relationships" type="roundRect" r:blip="">
+                        <dgm:adjLst>
+                          <dgm:adj idx="1" val="0.1"/>
+                        </dgm:adjLst>
+                      </dgm:shape>
+                      <dgm:presOf axis="ch desOrSelf" ptType="node node" st="3 1" cnt="1 0"/>
+                      <dgm:constrLst/>
+                      <dgm:ruleLst/>
+                    </dgm:layoutNode>
+                    <dgm:layoutNode name="FourNodes_4">
+                      <dgm:varLst>
+                        <dgm:bulletEnabled val="1"/>
+                      </dgm:varLst>
+                      <dgm:alg type="sp"/>
+                      <dgm:shape xmlns:r="http://schemas.openxmlformats.org/officeDocument/2006/relationships" type="roundRect" r:blip="">
+                        <dgm:adjLst>
+                          <dgm:adj idx="1" val="0.1"/>
+                        </dgm:adjLst>
+                      </dgm:shape>
+                      <dgm:presOf axis="ch desOrSelf" ptType="node node" st="4 1" cnt="1 0"/>
+                      <dgm:constrLst/>
+                      <dgm:ruleLst/>
+                    </dgm:layoutNode>
+                    <dgm:layoutNode name="FourConn_1-2" styleLbl="fgAccFollowNode1">
+                      <dgm:varLst>
+                        <dgm:bulletEnabled val="1"/>
+                      </dgm:varLst>
+                      <dgm:alg type="tx"/>
+                      <dgm:shape xmlns:r="http://schemas.openxmlformats.org/officeDocument/2006/relationships" type="downArrow" r:blip="">
+                        <dgm:adjLst>
+                          <dgm:adj idx="1" val="0.55"/>
+                          <dgm:adj idx="2" val="0.45"/>
+                        </dgm:adjLst>
+                      </dgm:shape>
+                      <dgm:presOf axis="ch" ptType="sibTrans" cnt="1"/>
+                      <dgm:constrLst>
+                        <dgm:constr type="lMarg" refType="primFontSz" fact="0.1"/>
+                        <dgm:constr type="rMarg" refType="primFontSz" fact="0.1"/>
+                        <dgm:constr type="tMarg" refType="primFontSz" fact="0.1"/>
+                        <dgm:constr type="bMarg" refType="primFontSz" fact="0.1"/>
+                      </dgm:constrLst>
+                      <dgm:ruleLst>
+                        <dgm:rule type="primFontSz" val="5" fact="NaN" max="NaN"/>
+                      </dgm:ruleLst>
+                    </dgm:layoutNode>
+                    <dgm:layoutNode name="FourConn_2-3" styleLbl="fgAccFollowNode1">
+                      <dgm:varLst>
+                        <dgm:bulletEnabled val="1"/>
+                      </dgm:varLst>
+                      <dgm:alg type="tx"/>
+                      <dgm:shape xmlns:r="http://schemas.openxmlformats.org/officeDocument/2006/relationships" type="downArrow" r:blip="">
+                        <dgm:adjLst>
+                          <dgm:adj idx="1" val="0.55"/>
+                          <dgm:adj idx="2" val="0.45"/>
+                        </dgm:adjLst>
+                      </dgm:shape>
+                      <dgm:presOf axis="ch" ptType="sibTrans" st="2" cnt="1"/>
+                      <dgm:constrLst>
+                        <dgm:constr type="lMarg" refType="primFontSz" fact="0.1"/>
+                        <dgm:constr type="rMarg" refType="primFontSz" fact="0.1"/>
+                        <dgm:constr type="tMarg" refType="primFontSz" fact="0.1"/>
+                        <dgm:constr type="bMarg" refType="primFontSz" fact="0.1"/>
+                      </dgm:constrLst>
+                      <dgm:ruleLst>
+                        <dgm:rule type="primFontSz" val="5" fact="NaN" max="NaN"/>
+                      </dgm:ruleLst>
+                    </dgm:layoutNode>
+                    <dgm:layoutNode name="FourConn_3-4" styleLbl="fgAccFollowNode1">
+                      <dgm:varLst>
+                        <dgm:bulletEnabled val="1"/>
+                      </dgm:varLst>
+                      <dgm:alg type="tx"/>
+                      <dgm:shape xmlns:r="http://schemas.openxmlformats.org/officeDocument/2006/relationships" type="downArrow" r:blip="">
+                        <dgm:adjLst>
+                          <dgm:adj idx="1" val="0.55"/>
+                          <dgm:adj idx="2" val="0.45"/>
+                        </dgm:adjLst>
+                      </dgm:shape>
+                      <dgm:presOf axis="ch" ptType="sibTrans" st="3" cnt="1"/>
+                      <dgm:constrLst>
+                        <dgm:constr type="lMarg" refType="primFontSz" fact="0.1"/>
+                        <dgm:constr type="rMarg" refType="primFontSz" fact="0.1"/>
+                        <dgm:constr type="tMarg" refType="primFontSz" fact="0.1"/>
+                        <dgm:constr type="bMarg" refType="primFontSz" fact="0.1"/>
+                      </dgm:constrLst>
+                      <dgm:ruleLst>
+                        <dgm:rule type="primFontSz" val="5" fact="NaN" max="NaN"/>
+                      </dgm:ruleLst>
+                    </dgm:layoutNode>
+                    <dgm:layoutNode name="FourNodes_1_text">
+                      <dgm:varLst>
+                        <dgm:bulletEnabled val="1"/>
+                      </dgm:varLst>
+                      <dgm:alg type="tx">
+                        <dgm:param type="parTxLTRAlign" val="l"/>
+                        <dgm:param type="txAnchorVertCh" val="mid"/>
+                      </dgm:alg>
+                      <dgm:shape xmlns:r="http://schemas.openxmlformats.org/officeDocument/2006/relationships" type="roundRect" r:blip="" hideGeom="1">
+                        <dgm:adjLst>
+                          <dgm:adj idx="1" val="0.1"/>
+                        </dgm:adjLst>
+                      </dgm:shape>
+                      <dgm:presOf axis="ch desOrSelf" ptType="node node" st="1 1" cnt="1 0"/>
+                      <dgm:constrLst>
+                        <dgm:constr type="lMarg" refType="primFontSz" fact="0.3"/>
+                        <dgm:constr type="rMarg" refType="primFontSz" fact="0.3"/>
+                        <dgm:constr type="tMarg" refType="primFontSz" fact="0.3"/>
+                        <dgm:constr type="bMarg" refType="primFontSz" fact="0.3"/>
+                      </dgm:constrLst>
+                      <dgm:ruleLst>
+                        <dgm:rule type="primFontSz" val="5" fact="NaN" max="NaN"/>
+                      </dgm:ruleLst>
+                    </dgm:layoutNode>
+                    <dgm:layoutNode name="FourNodes_2_text">
+                      <dgm:varLst>
+                        <dgm:bulletEnabled val="1"/>
+                      </dgm:varLst>
+                      <dgm:alg type="tx">
+                        <dgm:param type="parTxLTRAlign" val="l"/>
+                        <dgm:param type="txAnchorVertCh" val="mid"/>
+                      </dgm:alg>
+                      <dgm:shape xmlns:r="http://schemas.openxmlformats.org/officeDocument/2006/relationships" type="roundRect" r:blip="" hideGeom="1">
+                        <dgm:adjLst>
+                          <dgm:adj idx="1" val="0.1"/>
+                        </dgm:adjLst>
+                      </dgm:shape>
+                      <dgm:presOf axis="ch desOrSelf" ptType="node node" st="2 1" cnt="1 0"/>
+                      <dgm:constrLst>
+                        <dgm:constr type="lMarg" refType="primFontSz" fact="0.3"/>
+                        <dgm:constr type="rMarg" refType="primFontSz" fact="0.3"/>
+                        <dgm:constr type="tMarg" refType="primFontSz" fact="0.3"/>
+                        <dgm:constr type="bMarg" refType="primFontSz" fact="0.3"/>
+                      </dgm:constrLst>
+                      <dgm:ruleLst>
+                        <dgm:rule type="primFontSz" val="5" fact="NaN" max="NaN"/>
+                      </dgm:ruleLst>
+                    </dgm:layoutNode>
+                    <dgm:layoutNode name="FourNodes_3_text">
+                      <dgm:varLst>
+                        <dgm:bulletEnabled val="1"/>
+                      </dgm:varLst>
+                      <dgm:alg type="tx">
+                        <dgm:param type="parTxLTRAlign" val="l"/>
+                        <dgm:param type="txAnchorVertCh" val="mid"/>
+                      </dgm:alg>
+                      <dgm:shape xmlns:r="http://schemas.openxmlformats.org/officeDocument/2006/relationships" type="roundRect" r:blip="" hideGeom="1">
+                        <dgm:adjLst>
+                          <dgm:adj idx="1" val="0.1"/>
+                        </dgm:adjLst>
+                      </dgm:shape>
+                      <dgm:presOf axis="ch desOrSelf" ptType="node node" st="3 1" cnt="1 0"/>
+                      <dgm:constrLst>
+                        <dgm:constr type="lMarg" refType="primFontSz" fact="0.3"/>
+                        <dgm:constr type="rMarg" refType="primFontSz" fact="0.3"/>
+                        <dgm:constr type="tMarg" refType="primFontSz" fact="0.3"/>
+                        <dgm:constr type="bMarg" refType="primFontSz" fact="0.3"/>
+                      </dgm:constrLst>
+                      <dgm:ruleLst>
+                        <dgm:rule type="primFontSz" val="5" fact="NaN" max="NaN"/>
+                      </dgm:ruleLst>
+                    </dgm:layoutNode>
+                    <dgm:layoutNode name="FourNodes_4_text">
+                      <dgm:varLst>
+                        <dgm:bulletEnabled val="1"/>
+                      </dgm:varLst>
+                      <dgm:alg type="tx">
+                        <dgm:param type="parTxLTRAlign" val="l"/>
+                        <dgm:param type="txAnchorVertCh" val="mid"/>
+                      </dgm:alg>
+                      <dgm:shape xmlns:r="http://schemas.openxmlformats.org/officeDocument/2006/relationships" type="roundRect" r:blip="" hideGeom="1">
+                        <dgm:adjLst>
+                          <dgm:adj idx="1" val="0.1"/>
+                        </dgm:adjLst>
+                      </dgm:shape>
+                      <dgm:presOf axis="ch desOrSelf" ptType="node node" st="4 1" cnt="1 0"/>
+                      <dgm:constrLst>
+                        <dgm:constr type="lMarg" refType="primFontSz" fact="0.3"/>
+                        <dgm:constr type="rMarg" refType="primFontSz" fact="0.3"/>
+                        <dgm:constr type="tMarg" refType="primFontSz" fact="0.3"/>
+                        <dgm:constr type="bMarg" refType="primFontSz" fact="0.3"/>
+                      </dgm:constrLst>
+                      <dgm:ruleLst>
+                        <dgm:rule type="primFontSz" val="5" fact="NaN" max="NaN"/>
+                      </dgm:ruleLst>
+                    </dgm:layoutNode>
+                  </dgm:if>
+                  <dgm:else name="Name14">
+                    <dgm:choose name="Name15">
+                      <dgm:if name="Name16" axis="ch" ptType="node" func="cnt" op="gte" val="5">
+                        <dgm:layoutNode name="FiveNodes_1">
+                          <dgm:varLst>
+                            <dgm:bulletEnabled val="1"/>
+                          </dgm:varLst>
+                          <dgm:alg type="sp"/>
+                          <dgm:shape xmlns:r="http://schemas.openxmlformats.org/officeDocument/2006/relationships" type="roundRect" r:blip="">
+                            <dgm:adjLst>
+                              <dgm:adj idx="1" val="0.1"/>
+                            </dgm:adjLst>
+                          </dgm:shape>
+                          <dgm:presOf axis="ch desOrSelf" ptType="node node" st="1 1" cnt="1 0"/>
+                          <dgm:constrLst/>
+                          <dgm:ruleLst/>
+                        </dgm:layoutNode>
+                        <dgm:layoutNode name="FiveNodes_2">
+                          <dgm:varLst>
+                            <dgm:bulletEnabled val="1"/>
+                          </dgm:varLst>
+                          <dgm:alg type="sp"/>
+                          <dgm:shape xmlns:r="http://schemas.openxmlformats.org/officeDocument/2006/relationships" type="roundRect" r:blip="">
+                            <dgm:adjLst>
+                              <dgm:adj idx="1" val="0.1"/>
+                            </dgm:adjLst>
+                          </dgm:shape>
+                          <dgm:presOf axis="ch desOrSelf" ptType="node node" st="2 1" cnt="1 0"/>
+                          <dgm:constrLst/>
+                          <dgm:ruleLst/>
+                        </dgm:layoutNode>
+                        <dgm:layoutNode name="FiveNodes_3">
+                          <dgm:varLst>
+                            <dgm:bulletEnabled val="1"/>
+                          </dgm:varLst>
+                          <dgm:alg type="sp"/>
+                          <dgm:shape xmlns:r="http://schemas.openxmlformats.org/officeDocument/2006/relationships" type="roundRect" r:blip="">
+                            <dgm:adjLst>
+                              <dgm:adj idx="1" val="0.1"/>
+                            </dgm:adjLst>
+                          </dgm:shape>
+                          <dgm:presOf axis="ch desOrSelf" ptType="node node" st="3 1" cnt="1 0"/>
+                          <dgm:constrLst/>
+                          <dgm:ruleLst/>
+                        </dgm:layoutNode>
+                        <dgm:layoutNode name="FiveNodes_4">
+                          <dgm:varLst>
+                            <dgm:bulletEnabled val="1"/>
+                          </dgm:varLst>
+                          <dgm:alg type="sp"/>
+                          <dgm:shape xmlns:r="http://schemas.openxmlformats.org/officeDocument/2006/relationships" type="roundRect" r:blip="">
+                            <dgm:adjLst>
+                              <dgm:adj idx="1" val="0.1"/>
+                            </dgm:adjLst>
+                          </dgm:shape>
+                          <dgm:presOf axis="ch desOrSelf" ptType="node node" st="4 1" cnt="1 0"/>
+                          <dgm:constrLst/>
+                          <dgm:ruleLst/>
+                        </dgm:layoutNode>
+                        <dgm:layoutNode name="FiveNodes_5">
+                          <dgm:varLst>
+                            <dgm:bulletEnabled val="1"/>
+                          </dgm:varLst>
+                          <dgm:alg type="sp"/>
+                          <dgm:shape xmlns:r="http://schemas.openxmlformats.org/officeDocument/2006/relationships" type="roundRect" r:blip="">
+                            <dgm:adjLst>
+                              <dgm:adj idx="1" val="0.1"/>
+                            </dgm:adjLst>
+                          </dgm:shape>
+                          <dgm:presOf axis="ch desOrSelf" ptType="node node" st="5 1" cnt="1 0"/>
+                          <dgm:constrLst/>
+                          <dgm:ruleLst/>
+                        </dgm:layoutNode>
+                        <dgm:layoutNode name="FiveConn_1-2" styleLbl="fgAccFollowNode1">
+                          <dgm:varLst>
+                            <dgm:bulletEnabled val="1"/>
+                          </dgm:varLst>
+                          <dgm:alg type="tx"/>
+                          <dgm:shape xmlns:r="http://schemas.openxmlformats.org/officeDocument/2006/relationships" type="downArrow" r:blip="">
+                            <dgm:adjLst>
+                              <dgm:adj idx="1" val="0.55"/>
+                              <dgm:adj idx="2" val="0.45"/>
+                            </dgm:adjLst>
+                          </dgm:shape>
+                          <dgm:presOf axis="ch" ptType="sibTrans" cnt="1"/>
+                          <dgm:constrLst>
+                            <dgm:constr type="lMarg" refType="primFontSz" fact="0.1"/>
+                            <dgm:constr type="rMarg" refType="primFontSz" fact="0.1"/>
+                            <dgm:constr type="tMarg" refType="primFontSz" fact="0.1"/>
+                            <dgm:constr type="bMarg" refType="primFontSz" fact="0.1"/>
+                          </dgm:constrLst>
+                          <dgm:ruleLst>
+                            <dgm:rule type="primFontSz" val="5" fact="NaN" max="NaN"/>
+                          </dgm:ruleLst>
+                        </dgm:layoutNode>
+                        <dgm:layoutNode name="FiveConn_2-3" styleLbl="fgAccFollowNode1">
+                          <dgm:varLst>
+                            <dgm:bulletEnabled val="1"/>
+                          </dgm:varLst>
+                          <dgm:alg type="tx"/>
+                          <dgm:shape xmlns:r="http://schemas.openxmlformats.org/officeDocument/2006/relationships" type="downArrow" r:blip="">
+                            <dgm:adjLst>
+                              <dgm:adj idx="1" val="0.55"/>
+                              <dgm:adj idx="2" val="0.45"/>
+                            </dgm:adjLst>
+                          </dgm:shape>
+                          <dgm:presOf axis="ch" ptType="sibTrans" st="2" cnt="1"/>
+                          <dgm:constrLst>
+                            <dgm:constr type="lMarg" refType="primFontSz" fact="0.1"/>
+                            <dgm:constr type="rMarg" refType="primFontSz" fact="0.1"/>
+                            <dgm:constr type="tMarg" refType="primFontSz" fact="0.1"/>
+                            <dgm:constr type="bMarg" refType="primFontSz" fact="0.1"/>
+                          </dgm:constrLst>
+                          <dgm:ruleLst>
+                            <dgm:rule type="primFontSz" val="5" fact="NaN" max="NaN"/>
+                          </dgm:ruleLst>
+                        </dgm:layoutNode>
+                        <dgm:layoutNode name="FiveConn_3-4" styleLbl="fgAccFollowNode1">
+                          <dgm:varLst>
+                            <dgm:bulletEnabled val="1"/>
+                          </dgm:varLst>
+                          <dgm:alg type="tx"/>
+                          <dgm:shape xmlns:r="http://schemas.openxmlformats.org/officeDocument/2006/relationships" type="downArrow" r:blip="">
+                            <dgm:adjLst>
+                              <dgm:adj idx="1" val="0.55"/>
+                              <dgm:adj idx="2" val="0.45"/>
+                            </dgm:adjLst>
+                          </dgm:shape>
+                          <dgm:presOf axis="ch" ptType="sibTrans" st="3" cnt="1"/>
+                          <dgm:constrLst>
+                            <dgm:constr type="lMarg" refType="primFontSz" fact="0.1"/>
+                            <dgm:constr type="rMarg" refType="primFontSz" fact="0.1"/>
+                            <dgm:constr type="tMarg" refType="primFontSz" fact="0.1"/>
+                            <dgm:constr type="bMarg" refType="primFontSz" fact="0.1"/>
+                          </dgm:constrLst>
+                          <dgm:ruleLst>
+                            <dgm:rule type="primFontSz" val="5" fact="NaN" max="NaN"/>
+                          </dgm:ruleLst>
+                        </dgm:layoutNode>
+                        <dgm:layoutNode name="FiveConn_4-5" styleLbl="fgAccFollowNode1">
+                          <dgm:varLst>
+                            <dgm:bulletEnabled val="1"/>
+                          </dgm:varLst>
+                          <dgm:alg type="tx"/>
+                          <dgm:shape xmlns:r="http://schemas.openxmlformats.org/officeDocument/2006/relationships" type="downArrow" r:blip="">
+                            <dgm:adjLst>
+                              <dgm:adj idx="1" val="0.55"/>
+                              <dgm:adj idx="2" val="0.45"/>
+                            </dgm:adjLst>
+                          </dgm:shape>
+                          <dgm:presOf axis="ch" ptType="sibTrans" st="4" cnt="1"/>
+                          <dgm:constrLst>
+                            <dgm:constr type="lMarg" refType="primFontSz" fact="0.1"/>
+                            <dgm:constr type="rMarg" refType="primFontSz" fact="0.1"/>
+                            <dgm:constr type="tMarg" refType="primFontSz" fact="0.1"/>
+                            <dgm:constr type="bMarg" refType="primFontSz" fact="0.1"/>
+                          </dgm:constrLst>
+                          <dgm:ruleLst>
+                            <dgm:rule type="primFontSz" val="5" fact="NaN" max="NaN"/>
+                          </dgm:ruleLst>
+                        </dgm:layoutNode>
+                        <dgm:layoutNode name="FiveNodes_1_text">
+                          <dgm:varLst>
+                            <dgm:bulletEnabled val="1"/>
+                          </dgm:varLst>
+                          <dgm:alg type="tx">
+                            <dgm:param type="parTxLTRAlign" val="l"/>
+                            <dgm:param type="txAnchorVertCh" val="mid"/>
+                          </dgm:alg>
+                          <dgm:shape xmlns:r="http://schemas.openxmlformats.org/officeDocument/2006/relationships" type="roundRect" r:blip="" hideGeom="1">
+                            <dgm:adjLst>
+                              <dgm:adj idx="1" val="0.1"/>
+                            </dgm:adjLst>
+                          </dgm:shape>
+                          <dgm:presOf axis="ch desOrSelf" ptType="node node" st="1 1" cnt="1 0"/>
+                          <dgm:constrLst>
+                            <dgm:constr type="lMarg" refType="primFontSz" fact="0.3"/>
+                            <dgm:constr type="rMarg" refType="primFontSz" fact="0.3"/>
+                            <dgm:constr type="tMarg" refType="primFontSz" fact="0.3"/>
+                            <dgm:constr type="bMarg" refType="primFontSz" fact="0.3"/>
+                          </dgm:constrLst>
+                          <dgm:ruleLst>
+                            <dgm:rule type="primFontSz" val="5" fact="NaN" max="NaN"/>
+                          </dgm:ruleLst>
+                        </dgm:layoutNode>
+                        <dgm:layoutNode name="FiveNodes_2_text">
+                          <dgm:varLst>
+                            <dgm:bulletEnabled val="1"/>
+                          </dgm:varLst>
+                          <dgm:alg type="tx">
+                            <dgm:param type="parTxLTRAlign" val="l"/>
+                            <dgm:param type="txAnchorVertCh" val="mid"/>
+                          </dgm:alg>
+                          <dgm:shape xmlns:r="http://schemas.openxmlformats.org/officeDocument/2006/relationships" type="roundRect" r:blip="" hideGeom="1">
+                            <dgm:adjLst>
+                              <dgm:adj idx="1" val="0.1"/>
+                            </dgm:adjLst>
+                          </dgm:shape>
+                          <dgm:presOf axis="ch desOrSelf" ptType="node node" st="2 1" cnt="1 0"/>
+                          <dgm:constrLst>
+                            <dgm:constr type="lMarg" refType="primFontSz" fact="0.3"/>
+                            <dgm:constr type="rMarg" refType="primFontSz" fact="0.3"/>
+                            <dgm:constr type="tMarg" refType="primFontSz" fact="0.3"/>
+                            <dgm:constr type="bMarg" refType="primFontSz" fact="0.3"/>
+                          </dgm:constrLst>
+                          <dgm:ruleLst>
+                            <dgm:rule type="primFontSz" val="5" fact="NaN" max="NaN"/>
+                          </dgm:ruleLst>
+                        </dgm:layoutNode>
+                        <dgm:layoutNode name="FiveNodes_3_text">
+                          <dgm:varLst>
+                            <dgm:bulletEnabled val="1"/>
+                          </dgm:varLst>
+                          <dgm:alg type="tx">
+                            <dgm:param type="parTxLTRAlign" val="l"/>
+                            <dgm:param type="txAnchorVertCh" val="mid"/>
+                          </dgm:alg>
+                          <dgm:shape xmlns:r="http://schemas.openxmlformats.org/officeDocument/2006/relationships" type="roundRect" r:blip="" hideGeom="1">
+                            <dgm:adjLst>
+                              <dgm:adj idx="1" val="0.1"/>
+                            </dgm:adjLst>
+                          </dgm:shape>
+                          <dgm:presOf axis="ch desOrSelf" ptType="node node" st="3 1" cnt="1 0"/>
+                          <dgm:constrLst>
+                            <dgm:constr type="lMarg" refType="primFontSz" fact="0.3"/>
+                            <dgm:constr type="rMarg" refType="primFontSz" fact="0.3"/>
+                            <dgm:constr type="tMarg" refType="primFontSz" fact="0.3"/>
+                            <dgm:constr type="bMarg" refType="primFontSz" fact="0.3"/>
+                          </dgm:constrLst>
+                          <dgm:ruleLst>
+                            <dgm:rule type="primFontSz" val="5" fact="NaN" max="NaN"/>
+                          </dgm:ruleLst>
+                        </dgm:layoutNode>
+                        <dgm:layoutNode name="FiveNodes_4_text">
+                          <dgm:varLst>
+                            <dgm:bulletEnabled val="1"/>
+                          </dgm:varLst>
+                          <dgm:alg type="tx">
+                            <dgm:param type="parTxLTRAlign" val="l"/>
+                            <dgm:param type="txAnchorVertCh" val="mid"/>
+                          </dgm:alg>
+                          <dgm:shape xmlns:r="http://schemas.openxmlformats.org/officeDocument/2006/relationships" type="roundRect" r:blip="" hideGeom="1">
+                            <dgm:adjLst>
+                              <dgm:adj idx="1" val="0.1"/>
+                            </dgm:adjLst>
+                          </dgm:shape>
+                          <dgm:presOf axis="ch desOrSelf" ptType="node node" st="4 1" cnt="1 0"/>
+                          <dgm:constrLst>
+                            <dgm:constr type="lMarg" refType="primFontSz" fact="0.3"/>
+                            <dgm:constr type="rMarg" refType="primFontSz" fact="0.3"/>
+                            <dgm:constr type="tMarg" refType="primFontSz" fact="0.3"/>
+                            <dgm:constr type="bMarg" refType="primFontSz" fact="0.3"/>
+                          </dgm:constrLst>
+                          <dgm:ruleLst>
+                            <dgm:rule type="primFontSz" val="5" fact="NaN" max="NaN"/>
+                          </dgm:ruleLst>
+                        </dgm:layoutNode>
+                        <dgm:layoutNode name="FiveNodes_5_text">
+                          <dgm:varLst>
+                            <dgm:bulletEnabled val="1"/>
+                          </dgm:varLst>
+                          <dgm:alg type="tx">
+                            <dgm:param type="parTxLTRAlign" val="l"/>
+                            <dgm:param type="txAnchorVertCh" val="mid"/>
+                          </dgm:alg>
+                          <dgm:shape xmlns:r="http://schemas.openxmlformats.org/officeDocument/2006/relationships" type="roundRect" r:blip="" hideGeom="1">
+                            <dgm:adjLst>
+                              <dgm:adj idx="1" val="0.1"/>
+                            </dgm:adjLst>
+                          </dgm:shape>
+                          <dgm:presOf axis="ch desOrSelf" ptType="node node" st="5 1" cnt="1 0"/>
+                          <dgm:constrLst>
+                            <dgm:constr type="lMarg" refType="primFontSz" fact="0.3"/>
+                            <dgm:constr type="rMarg" refType="primFontSz" fact="0.3"/>
+                            <dgm:constr type="tMarg" refType="primFontSz" fact="0.3"/>
+                            <dgm:constr type="bMarg" refType="primFontSz" fact="0.3"/>
+                          </dgm:constrLst>
+                          <dgm:ruleLst>
+                            <dgm:rule type="primFontSz" val="5" fact="NaN" max="NaN"/>
+                          </dgm:ruleLst>
+                        </dgm:layoutNode>
+                      </dgm:if>
+                      <dgm:else name="Name17"/>
+                    </dgm:choose>
+                  </dgm:else>
+                </dgm:choose>
+              </dgm:else>
+            </dgm:choose>
+          </dgm:else>
+        </dgm:choose>
+      </dgm:else>
+    </dgm:choose>
+  </dgm:layoutNode>
+</dgm:layoutDef>
+</file>
+
+<file path=ppt/diagrams/quickStyle1.xml><?xml version="1.0" encoding="utf-8"?>
+<dgm:styleDef xmlns:dgm="http://schemas.openxmlformats.org/drawingml/2006/diagram" xmlns:a="http://schemas.openxmlformats.org/drawingml/2006/main" uniqueId="urn:microsoft.com/office/officeart/2005/8/quickstyle/simple1">
+  <dgm:title val=""/>
+  <dgm:desc val=""/>
+  <dgm:catLst>
+    <dgm:cat type="simple" pri="10100"/>
+  </dgm:catLst>
+  <dgm:scene3d>
+    <a:camera prst="orthographicFront"/>
+    <a:lightRig rig="threePt" dir="t"/>
+  </dgm:scene3d>
+  <dgm:styleLbl name="node0">
+    <dgm:scene3d>
+      <a:camera prst="orthographicFront"/>
+      <a:lightRig rig="threePt" dir="t"/>
+    </dgm:scene3d>
+    <dgm:sp3d/>
+    <dgm:txPr/>
+    <dgm:style>
+      <a:lnRef idx="2">
+        <a:scrgbClr r="0" g="0" b="0"/>
+      </a:lnRef>
+      <a:fillRef idx="1">
+        <a:scrgbClr r="0" g="0" b="0"/>
+      </a:fillRef>
+      <a:effectRef idx="0">
+        <a:scrgbClr r="0" g="0" b="0"/>
+      </a:effectRef>
+      <a:fontRef idx="minor">
+        <a:schemeClr val="lt1"/>
+      </a:fontRef>
+    </dgm:style>
+  </dgm:styleLbl>
+  <dgm:styleLbl name="lnNode1">
+    <dgm:scene3d>
+      <a:camera prst="orthographicFront"/>
+      <a:lightRig rig="threePt" dir="t"/>
+    </dgm:scene3d>
+    <dgm:sp3d/>
+    <dgm:txPr/>
+    <dgm:style>
+      <a:lnRef idx="2">
+        <a:scrgbClr r="0" g="0" b="0"/>
+      </a:lnRef>
+      <a:fillRef idx="1">
+        <a:scrgbClr r="0" g="0" b="0"/>
+      </a:fillRef>
+      <a:effectRef idx="0">
+        <a:scrgbClr r="0" g="0" b="0"/>
+      </a:effectRef>
+      <a:fontRef idx="minor">
+        <a:schemeClr val="lt1"/>
+      </a:fontRef>
+    </dgm:style>
+  </dgm:styleLbl>
+  <dgm:styleLbl name="vennNode1">
+    <dgm:scene3d>
+      <a:camera prst="orthographicFront"/>
+      <a:lightRig rig="threePt" dir="t"/>
+    </dgm:scene3d>
+    <dgm:sp3d/>
+    <dgm:txPr/>
+    <dgm:style>
+      <a:lnRef idx="2">
+        <a:scrgbClr r="0" g="0" b="0"/>
+      </a:lnRef>
+      <a:fillRef idx="1">
+        <a:scrgbClr r="0" g="0" b="0"/>
+      </a:fillRef>
+      <a:effectRef idx="0">
+        <a:scrgbClr r="0" g="0" b="0"/>
+      </a:effectRef>
+      <a:fontRef idx="minor">
+        <a:schemeClr val="tx1"/>
+      </a:fontRef>
+    </dgm:style>
+  </dgm:styleLbl>
+  <dgm:styleLbl name="alignNode1">
+    <dgm:scene3d>
+      <a:camera prst="orthographicFront"/>
+      <a:lightRig rig="threePt" dir="t"/>
+    </dgm:scene3d>
+    <dgm:sp3d/>
+    <dgm:txPr/>
+    <dgm:style>
+      <a:lnRef idx="2">
+        <a:scrgbClr r="0" g="0" b="0"/>
+      </a:lnRef>
+      <a:fillRef idx="1">
+        <a:scrgbClr r="0" g="0" b="0"/>
+      </a:fillRef>
+      <a:effectRef idx="0">
+        <a:scrgbClr r="0" g="0" b="0"/>
+      </a:effectRef>
+      <a:fontRef idx="minor">
+        <a:schemeClr val="lt1"/>
+      </a:fontRef>
+    </dgm:style>
+  </dgm:styleLbl>
+  <dgm:styleLbl name="node1">
+    <dgm:scene3d>
+      <a:camera prst="orthographicFront"/>
+      <a:lightRig rig="threePt" dir="t"/>
+    </dgm:scene3d>
+    <dgm:sp3d/>
+    <dgm:txPr/>
+    <dgm:style>
+      <a:lnRef idx="2">
+        <a:scrgbClr r="0" g="0" b="0"/>
+      </a:lnRef>
+      <a:fillRef idx="1">
+        <a:scrgbClr r="0" g="0" b="0"/>
+      </a:fillRef>
+      <a:effectRef idx="0">
+        <a:scrgbClr r="0" g="0" b="0"/>
+      </a:effectRef>
+      <a:fontRef idx="minor">
+        <a:schemeClr val="lt1"/>
+      </a:fontRef>
+    </dgm:style>
+  </dgm:styleLbl>
+  <dgm:styleLbl name="node2">
+    <dgm:scene3d>
+      <a:camera prst="orthographicFront"/>
+      <a:lightRig rig="threePt" dir="t"/>
+    </dgm:scene3d>
+    <dgm:sp3d/>
+    <dgm:txPr/>
+    <dgm:style>
+      <a:lnRef idx="2">
+        <a:scrgbClr r="0" g="0" b="0"/>
+      </a:lnRef>
+      <a:fillRef idx="1">
+        <a:scrgbClr r="0" g="0" b="0"/>
+      </a:fillRef>
+      <a:effectRef idx="0">
+        <a:scrgbClr r="0" g="0" b="0"/>
+      </a:effectRef>
+      <a:fontRef idx="minor">
+        <a:schemeClr val="lt1"/>
+      </a:fontRef>
+    </dgm:style>
+  </dgm:styleLbl>
+  <dgm:styleLbl name="node3">
+    <dgm:scene3d>
+      <a:camera prst="orthographicFront"/>
+      <a:lightRig rig="threePt" dir="t"/>
+    </dgm:scene3d>
+    <dgm:sp3d/>
+    <dgm:txPr/>
+    <dgm:style>
+      <a:lnRef idx="2">
+        <a:scrgbClr r="0" g="0" b="0"/>
+      </a:lnRef>
+      <a:fillRef idx="1">
+        <a:scrgbClr r="0" g="0" b="0"/>
+      </a:fillRef>
+      <a:effectRef idx="0">
+        <a:scrgbClr r="0" g="0" b="0"/>
+      </a:effectRef>
+      <a:fontRef idx="minor">
+        <a:schemeClr val="lt1"/>
+      </a:fontRef>
+    </dgm:style>
+  </dgm:styleLbl>
+  <dgm:styleLbl name="node4">
+    <dgm:scene3d>
+      <a:camera prst="orthographicFront"/>
+      <a:lightRig rig="threePt" dir="t"/>
+    </dgm:scene3d>
+    <dgm:sp3d/>
+    <dgm:txPr/>
+    <dgm:style>
+      <a:lnRef idx="2">
+        <a:scrgbClr r="0" g="0" b="0"/>
+      </a:lnRef>
+      <a:fillRef idx="1">
+        <a:scrgbClr r="0" g="0" b="0"/>
+      </a:fillRef>
+      <a:effectRef idx="0">
+        <a:scrgbClr r="0" g="0" b="0"/>
+      </a:effectRef>
+      <a:fontRef idx="minor">
+        <a:schemeClr val="lt1"/>
+      </a:fontRef>
+    </dgm:style>
+  </dgm:styleLbl>
+  <dgm:styleLbl name="fgImgPlace1">
+    <dgm:scene3d>
+      <a:camera prst="orthographicFront"/>
+      <a:lightRig rig="threePt" dir="t"/>
+    </dgm:scene3d>
+    <dgm:sp3d/>
+    <dgm:txPr/>
+    <dgm:style>
+      <a:lnRef idx="2">
+        <a:scrgbClr r="0" g="0" b="0"/>
+      </a:lnRef>
+      <a:fillRef idx="1">
+        <a:scrgbClr r="0" g="0" b="0"/>
+      </a:fillRef>
+      <a:effectRef idx="0">
+        <a:scrgbClr r="0" g="0" b="0"/>
+      </a:effectRef>
+      <a:fontRef idx="minor"/>
+    </dgm:style>
+  </dgm:styleLbl>
+  <dgm:styleLbl name="alignImgPlace1">
+    <dgm:scene3d>
+      <a:camera prst="orthographicFront"/>
+      <a:lightRig rig="threePt" dir="t"/>
+    </dgm:scene3d>
+    <dgm:sp3d/>
+    <dgm:txPr/>
+    <dgm:style>
+      <a:lnRef idx="2">
+        <a:scrgbClr r="0" g="0" b="0"/>
+      </a:lnRef>
+      <a:fillRef idx="1">
+        <a:scrgbClr r="0" g="0" b="0"/>
+      </a:fillRef>
+      <a:effectRef idx="0">
+        <a:scrgbClr r="0" g="0" b="0"/>
+      </a:effectRef>
+      <a:fontRef idx="minor"/>
+    </dgm:style>
+  </dgm:styleLbl>
+  <dgm:styleLbl name="bgImgPlace1">
+    <dgm:scene3d>
+      <a:camera prst="orthographicFront"/>
+      <a:lightRig rig="threePt" dir="t"/>
+    </dgm:scene3d>
+    <dgm:sp3d/>
+    <dgm:txPr/>
+    <dgm:style>
+      <a:lnRef idx="2">
+        <a:scrgbClr r="0" g="0" b="0"/>
+      </a:lnRef>
+      <a:fillRef idx="1">
+        <a:scrgbClr r="0" g="0" b="0"/>
+      </a:fillRef>
+      <a:effectRef idx="0">
+        <a:scrgbClr r="0" g="0" b="0"/>
+      </a:effectRef>
+      <a:fontRef idx="minor"/>
+    </dgm:style>
+  </dgm:styleLbl>
+  <dgm:styleLbl name="sibTrans2D1">
+    <dgm:scene3d>
+      <a:camera prst="orthographicFront"/>
+      <a:lightRig rig="threePt" dir="t"/>
+    </dgm:scene3d>
+    <dgm:sp3d/>
+    <dgm:txPr/>
+    <dgm:style>
+      <a:lnRef idx="0">
+        <a:scrgbClr r="0" g="0" b="0"/>
+      </a:lnRef>
+      <a:fillRef idx="1">
+        <a:scrgbClr r="0" g="0" b="0"/>
+      </a:fillRef>
+      <a:effectRef idx="0">
+        <a:scrgbClr r="0" g="0" b="0"/>
+      </a:effectRef>
+      <a:fontRef idx="minor">
+        <a:schemeClr val="lt1"/>
+      </a:fontRef>
+    </dgm:style>
+  </dgm:styleLbl>
+  <dgm:styleLbl name="fgSibTrans2D1">
+    <dgm:scene3d>
+      <a:camera prst="orthographicFront"/>
+      <a:lightRig rig="threePt" dir="t"/>
+    </dgm:scene3d>
+    <dgm:sp3d/>
+    <dgm:txPr/>
+    <dgm:style>
+      <a:lnRef idx="0">
+        <a:scrgbClr r="0" g="0" b="0"/>
+      </a:lnRef>
+      <a:fillRef idx="1">
+        <a:scrgbClr r="0" g="0" b="0"/>
+      </a:fillRef>
+      <a:effectRef idx="0">
+        <a:scrgbClr r="0" g="0" b="0"/>
+      </a:effectRef>
+      <a:fontRef idx="minor">
+        <a:schemeClr val="lt1"/>
+      </a:fontRef>
+    </dgm:style>
+  </dgm:styleLbl>
+  <dgm:styleLbl name="bgSibTrans2D1">
+    <dgm:scene3d>
+      <a:camera prst="orthographicFront"/>
+      <a:lightRig rig="threePt" dir="t"/>
+    </dgm:scene3d>
+    <dgm:sp3d/>
+    <dgm:txPr/>
+    <dgm:style>
+      <a:lnRef idx="0">
+        <a:scrgbClr r="0" g="0" b="0"/>
+      </a:lnRef>
+      <a:fillRef idx="1">
+        <a:scrgbClr r="0" g="0" b="0"/>
+      </a:fillRef>
+      <a:effectRef idx="0">
+        <a:scrgbClr r="0" g="0" b="0"/>
+      </a:effectRef>
+      <a:fontRef idx="minor">
+        <a:schemeClr val="lt1"/>
+      </a:fontRef>
+    </dgm:style>
+  </dgm:styleLbl>
+  <dgm:styleLbl name="sibTrans1D1">
+    <dgm:scene3d>
+      <a:camera prst="orthographicFront"/>
+      <a:lightRig rig="threePt" dir="t"/>
+    </dgm:scene3d>
+    <dgm:sp3d/>
+    <dgm:txPr/>
+    <dgm:style>
+      <a:lnRef idx="1">
+        <a:scrgbClr r="0" g="0" b="0"/>
+      </a:lnRef>
+      <a:fillRef idx="0">
+        <a:scrgbClr r="0" g="0" b="0"/>
+      </a:fillRef>
+      <a:effectRef idx="0">
+        <a:scrgbClr r="0" g="0" b="0"/>
+      </a:effectRef>
+      <a:fontRef idx="minor"/>
+    </dgm:style>
+  </dgm:styleLbl>
+  <dgm:styleLbl name="callout">
+    <dgm:scene3d>
+      <a:camera prst="orthographicFront"/>
+      <a:lightRig rig="threePt" dir="t"/>
+    </dgm:scene3d>
+    <dgm:sp3d/>
+    <dgm:txPr/>
+    <dgm:style>
+      <a:lnRef idx="2">
+        <a:scrgbClr r="0" g="0" b="0"/>
+      </a:lnRef>
+      <a:fillRef idx="1">
+        <a:scrgbClr r="0" g="0" b="0"/>
+      </a:fillRef>
+      <a:effectRef idx="0">
+        <a:scrgbClr r="0" g="0" b="0"/>
+      </a:effectRef>
+      <a:fontRef idx="minor"/>
+    </dgm:style>
+  </dgm:styleLbl>
+  <dgm:styleLbl name="asst0">
+    <dgm:scene3d>
+      <a:camera prst="orthographicFront"/>
+      <a:lightRig rig="threePt" dir="t"/>
+    </dgm:scene3d>
+    <dgm:sp3d/>
+    <dgm:txPr/>
+    <dgm:style>
+      <a:lnRef idx="2">
+        <a:scrgbClr r="0" g="0" b="0"/>
+      </a:lnRef>
+      <a:fillRef idx="1">
+        <a:scrgbClr r="0" g="0" b="0"/>
+      </a:fillRef>
+      <a:effectRef idx="0">
+        <a:scrgbClr r="0" g="0" b="0"/>
+      </a:effectRef>
+      <a:fontRef idx="minor">
+        <a:schemeClr val="lt1"/>
+      </a:fontRef>
+    </dgm:style>
+  </dgm:styleLbl>
+  <dgm:styleLbl name="asst1">
+    <dgm:scene3d>
+      <a:camera prst="orthographicFront"/>
+      <a:lightRig rig="threePt" dir="t"/>
+    </dgm:scene3d>
+    <dgm:sp3d/>
+    <dgm:txPr/>
+    <dgm:style>
+      <a:lnRef idx="2">
+        <a:scrgbClr r="0" g="0" b="0"/>
+      </a:lnRef>
+      <a:fillRef idx="1">
+        <a:scrgbClr r="0" g="0" b="0"/>
+      </a:fillRef>
+      <a:effectRef idx="0">
+        <a:scrgbClr r="0" g="0" b="0"/>
+      </a:effectRef>
+      <a:fontRef idx="minor">
+        <a:schemeClr val="lt1"/>
+      </a:fontRef>
+    </dgm:style>
+  </dgm:styleLbl>
+  <dgm:styleLbl name="asst2">
+    <dgm:scene3d>
+      <a:camera prst="orthographicFront"/>
+      <a:lightRig rig="threePt" dir="t"/>
+    </dgm:scene3d>
+    <dgm:sp3d/>
+    <dgm:txPr/>
+    <dgm:style>
+      <a:lnRef idx="2">
+        <a:scrgbClr r="0" g="0" b="0"/>
+      </a:lnRef>
+      <a:fillRef idx="1">
+        <a:scrgbClr r="0" g="0" b="0"/>
+      </a:fillRef>
+      <a:effectRef idx="0">
+        <a:scrgbClr r="0" g="0" b="0"/>
+      </a:effectRef>
+      <a:fontRef idx="minor">
+        <a:schemeClr val="lt1"/>
+      </a:fontRef>
+    </dgm:style>
+  </dgm:styleLbl>
+  <dgm:styleLbl name="asst3">
+    <dgm:scene3d>
+      <a:camera prst="orthographicFront"/>
+      <a:lightRig rig="threePt" dir="t"/>
+    </dgm:scene3d>
+    <dgm:sp3d/>
+    <dgm:txPr/>
+    <dgm:style>
+      <a:lnRef idx="2">
+        <a:scrgbClr r="0" g="0" b="0"/>
+      </a:lnRef>
+      <a:fillRef idx="1">
+        <a:scrgbClr r="0" g="0" b="0"/>
+      </a:fillRef>
+      <a:effectRef idx="0">
+        <a:scrgbClr r="0" g="0" b="0"/>
+      </a:effectRef>
+      <a:fontRef idx="minor">
+        <a:schemeClr val="lt1"/>
+      </a:fontRef>
+    </dgm:style>
+  </dgm:styleLbl>
+  <dgm:styleLbl name="asst4">
+    <dgm:scene3d>
+      <a:camera prst="orthographicFront"/>
+      <a:lightRig rig="threePt" dir="t"/>
+    </dgm:scene3d>
+    <dgm:sp3d/>
+    <dgm:txPr/>
+    <dgm:style>
+      <a:lnRef idx="2">
+        <a:scrgbClr r="0" g="0" b="0"/>
+      </a:lnRef>
+      <a:fillRef idx="1">
+        <a:scrgbClr r="0" g="0" b="0"/>
+      </a:fillRef>
+      <a:effectRef idx="0">
+        <a:scrgbClr r="0" g="0" b="0"/>
+      </a:effectRef>
+      <a:fontRef idx="minor">
+        <a:schemeClr val="lt1"/>
+      </a:fontRef>
+    </dgm:style>
+  </dgm:styleLbl>
+  <dgm:styleLbl name="parChTrans2D1">
+    <dgm:scene3d>
+      <a:camera prst="orthographicFront"/>
+      <a:lightRig rig="threePt" dir="t"/>
+    </dgm:scene3d>
+    <dgm:sp3d/>
+    <dgm:txPr/>
+    <dgm:style>
+      <a:lnRef idx="2">
+        <a:scrgbClr r="0" g="0" b="0"/>
+      </a:lnRef>
+      <a:fillRef idx="1">
+        <a:scrgbClr r="0" g="0" b="0"/>
+      </a:fillRef>
+      <a:effectRef idx="0">
+        <a:scrgbClr r="0" g="0" b="0"/>
+      </a:effectRef>
+      <a:fontRef idx="minor">
+        <a:schemeClr val="lt1"/>
+      </a:fontRef>
+    </dgm:style>
+  </dgm:styleLbl>
+  <dgm:styleLbl name="parChTrans2D2">
+    <dgm:scene3d>
+      <a:camera prst="orthographicFront"/>
+      <a:lightRig rig="threePt" dir="t"/>
+    </dgm:scene3d>
+    <dgm:sp3d/>
+    <dgm:txPr/>
+    <dgm:style>
+      <a:lnRef idx="2">
+        <a:scrgbClr r="0" g="0" b="0"/>
+      </a:lnRef>
+      <a:fillRef idx="1">
+        <a:scrgbClr r="0" g="0" b="0"/>
+      </a:fillRef>
+      <a:effectRef idx="0">
+        <a:scrgbClr r="0" g="0" b="0"/>
+      </a:effectRef>
+      <a:fontRef idx="minor">
+        <a:schemeClr val="lt1"/>
+      </a:fontRef>
+    </dgm:style>
+  </dgm:styleLbl>
+  <dgm:styleLbl name="parChTrans2D3">
+    <dgm:scene3d>
+      <a:camera prst="orthographicFront"/>
+      <a:lightRig rig="threePt" dir="t"/>
+    </dgm:scene3d>
+    <dgm:sp3d/>
+    <dgm:txPr/>
+    <dgm:style>
+      <a:lnRef idx="2">
+        <a:scrgbClr r="0" g="0" b="0"/>
+      </a:lnRef>
+      <a:fillRef idx="1">
+        <a:scrgbClr r="0" g="0" b="0"/>
+      </a:fillRef>
+      <a:effectRef idx="0">
+        <a:scrgbClr r="0" g="0" b="0"/>
+      </a:effectRef>
+      <a:fontRef idx="minor">
+        <a:schemeClr val="lt1"/>
+      </a:fontRef>
+    </dgm:style>
+  </dgm:styleLbl>
+  <dgm:styleLbl name="parChTrans2D4">
+    <dgm:scene3d>
+      <a:camera prst="orthographicFront"/>
+      <a:lightRig rig="threePt" dir="t"/>
+    </dgm:scene3d>
+    <dgm:sp3d/>
+    <dgm:txPr/>
+    <dgm:style>
+      <a:lnRef idx="2">
+        <a:scrgbClr r="0" g="0" b="0"/>
+      </a:lnRef>
+      <a:fillRef idx="1">
+        <a:scrgbClr r="0" g="0" b="0"/>
+      </a:fillRef>
+      <a:effectRef idx="0">
+        <a:scrgbClr r="0" g="0" b="0"/>
+      </a:effectRef>
+      <a:fontRef idx="minor">
+        <a:schemeClr val="lt1"/>
+      </a:fontRef>
+    </dgm:style>
+  </dgm:styleLbl>
+  <dgm:styleLbl name="parChTrans1D1">
+    <dgm:scene3d>
+      <a:camera prst="orthographicFront"/>
+      <a:lightRig rig="threePt" dir="t"/>
+    </dgm:scene3d>
+    <dgm:sp3d/>
+    <dgm:txPr/>
+    <dgm:style>
+      <a:lnRef idx="2">
+        <a:scrgbClr r="0" g="0" b="0"/>
+      </a:lnRef>
+      <a:fillRef idx="0">
+        <a:scrgbClr r="0" g="0" b="0"/>
+      </a:fillRef>
+      <a:effectRef idx="0">
+        <a:scrgbClr r="0" g="0" b="0"/>
+      </a:effectRef>
+      <a:fontRef idx="minor"/>
+    </dgm:style>
+  </dgm:styleLbl>
+  <dgm:styleLbl name="parChTrans1D2">
+    <dgm:scene3d>
+      <a:camera prst="orthographicFront"/>
+      <a:lightRig rig="threePt" dir="t"/>
+    </dgm:scene3d>
+    <dgm:sp3d/>
+    <dgm:txPr/>
+    <dgm:style>
+      <a:lnRef idx="2">
+        <a:scrgbClr r="0" g="0" b="0"/>
+      </a:lnRef>
+      <a:fillRef idx="0">
+        <a:scrgbClr r="0" g="0" b="0"/>
+      </a:fillRef>
+      <a:effectRef idx="0">
+        <a:scrgbClr r="0" g="0" b="0"/>
+      </a:effectRef>
+      <a:fontRef idx="minor"/>
+    </dgm:style>
+  </dgm:styleLbl>
+  <dgm:styleLbl name="parChTrans1D3">
+    <dgm:scene3d>
+      <a:camera prst="orthographicFront"/>
+      <a:lightRig rig="threePt" dir="t"/>
+    </dgm:scene3d>
+    <dgm:sp3d/>
+    <dgm:txPr/>
+    <dgm:style>
+      <a:lnRef idx="2">
+        <a:scrgbClr r="0" g="0" b="0"/>
+      </a:lnRef>
+      <a:fillRef idx="0">
+        <a:scrgbClr r="0" g="0" b="0"/>
+      </a:fillRef>
+      <a:effectRef idx="0">
+        <a:scrgbClr r="0" g="0" b="0"/>
+      </a:effectRef>
+      <a:fontRef idx="minor"/>
+    </dgm:style>
+  </dgm:styleLbl>
+  <dgm:styleLbl name="parChTrans1D4">
+    <dgm:scene3d>
+      <a:camera prst="orthographicFront"/>
+      <a:lightRig rig="threePt" dir="t"/>
+    </dgm:scene3d>
+    <dgm:sp3d/>
+    <dgm:txPr/>
+    <dgm:style>
+      <a:lnRef idx="2">
+        <a:scrgbClr r="0" g="0" b="0"/>
+      </a:lnRef>
+      <a:fillRef idx="0">
+        <a:scrgbClr r="0" g="0" b="0"/>
+      </a:fillRef>
+      <a:effectRef idx="0">
+        <a:scrgbClr r="0" g="0" b="0"/>
+      </a:effectRef>
+      <a:fontRef idx="minor"/>
+    </dgm:style>
+  </dgm:styleLbl>
+  <dgm:styleLbl name="fgAcc1">
+    <dgm:scene3d>
+      <a:camera prst="orthographicFront"/>
+      <a:lightRig rig="threePt" dir="t"/>
+    </dgm:scene3d>
+    <dgm:sp3d/>
+    <dgm:txPr/>
+    <dgm:style>
+      <a:lnRef idx="2">
+        <a:scrgbClr r="0" g="0" b="0"/>
+      </a:lnRef>
+      <a:fillRef idx="1">
+        <a:scrgbClr r="0" g="0" b="0"/>
+      </a:fillRef>
+      <a:effectRef idx="0">
+        <a:scrgbClr r="0" g="0" b="0"/>
+      </a:effectRef>
+      <a:fontRef idx="minor"/>
+    </dgm:style>
+  </dgm:styleLbl>
+  <dgm:styleLbl name="conFgAcc1">
+    <dgm:scene3d>
+      <a:camera prst="orthographicFront"/>
+      <a:lightRig rig="threePt" dir="t"/>
+    </dgm:scene3d>
+    <dgm:sp3d/>
+    <dgm:txPr/>
+    <dgm:style>
+      <a:lnRef idx="2">
+        <a:scrgbClr r="0" g="0" b="0"/>
+      </a:lnRef>
+      <a:fillRef idx="1">
+        <a:scrgbClr r="0" g="0" b="0"/>
+      </a:fillRef>
+      <a:effectRef idx="0">
+        <a:scrgbClr r="0" g="0" b="0"/>
+      </a:effectRef>
+      <a:fontRef idx="minor"/>
+    </dgm:style>
+  </dgm:styleLbl>
+  <dgm:styleLbl name="alignAcc1">
+    <dgm:scene3d>
+      <a:camera prst="orthographicFront"/>
+      <a:lightRig rig="threePt" dir="t"/>
+    </dgm:scene3d>
+    <dgm:sp3d/>
+    <dgm:txPr/>
+    <dgm:style>
+      <a:lnRef idx="2">
+        <a:scrgbClr r="0" g="0" b="0"/>
+      </a:lnRef>
+      <a:fillRef idx="1">
+        <a:scrgbClr r="0" g="0" b="0"/>
+      </a:fillRef>
+      <a:effectRef idx="0">
+        <a:scrgbClr r="0" g="0" b="0"/>
+      </a:effectRef>
+      <a:fontRef idx="minor"/>
+    </dgm:style>
+  </dgm:styleLbl>
+  <dgm:styleLbl name="trAlignAcc1">
+    <dgm:scene3d>
+      <a:camera prst="orthographicFront"/>
+      <a:lightRig rig="threePt" dir="t"/>
+    </dgm:scene3d>
+    <dgm:sp3d/>
+    <dgm:txPr/>
+    <dgm:style>
+      <a:lnRef idx="1">
+        <a:scrgbClr r="0" g="0" b="0"/>
+      </a:lnRef>
+      <a:fillRef idx="1">
+        <a:scrgbClr r="0" g="0" b="0"/>
+      </a:fillRef>
+      <a:effectRef idx="0">
+        <a:scrgbClr r="0" g="0" b="0"/>
+      </a:effectRef>
+      <a:fontRef idx="minor"/>
+    </dgm:style>
+  </dgm:styleLbl>
+  <dgm:styleLbl name="bgAcc1">
+    <dgm:scene3d>
+      <a:camera prst="orthographicFront"/>
+      <a:lightRig rig="threePt" dir="t"/>
+    </dgm:scene3d>
+    <dgm:sp3d/>
+    <dgm:txPr/>
+    <dgm:style>
+      <a:lnRef idx="2">
+        <a:scrgbClr r="0" g="0" b="0"/>
+      </a:lnRef>
+      <a:fillRef idx="1">
+        <a:scrgbClr r="0" g="0" b="0"/>
+      </a:fillRef>
+      <a:effectRef idx="0">
+        <a:scrgbClr r="0" g="0" b="0"/>
+      </a:effectRef>
+      <a:fontRef idx="minor"/>
+    </dgm:style>
+  </dgm:styleLbl>
+  <dgm:styleLbl name="solidFgAcc1">
+    <dgm:scene3d>
+      <a:camera prst="orthographicFront"/>
+      <a:lightRig rig="threePt" dir="t"/>
+    </dgm:scene3d>
+    <dgm:sp3d/>
+    <dgm:txPr/>
+    <dgm:style>
+      <a:lnRef idx="2">
+        <a:scrgbClr r="0" g="0" b="0"/>
+      </a:lnRef>
+      <a:fillRef idx="1">
+        <a:scrgbClr r="0" g="0" b="0"/>
+      </a:fillRef>
+      <a:effectRef idx="0">
+        <a:scrgbClr r="0" g="0" b="0"/>
+      </a:effectRef>
+      <a:fontRef idx="minor"/>
+    </dgm:style>
+  </dgm:styleLbl>
+  <dgm:styleLbl name="solidAlignAcc1">
+    <dgm:scene3d>
+      <a:camera prst="orthographicFront"/>
+      <a:lightRig rig="threePt" dir="t"/>
+    </dgm:scene3d>
+    <dgm:sp3d/>
+    <dgm:txPr/>
+    <dgm:style>
+      <a:lnRef idx="2">
+        <a:scrgbClr r="0" g="0" b="0"/>
+      </a:lnRef>
+      <a:fillRef idx="1">
+        <a:scrgbClr r="0" g="0" b="0"/>
+      </a:fillRef>
+      <a:effectRef idx="0">
+        <a:scrgbClr r="0" g="0" b="0"/>
+      </a:effectRef>
+      <a:fontRef idx="minor"/>
+    </dgm:style>
+  </dgm:styleLbl>
+  <dgm:styleLbl name="solidBgAcc1">
+    <dgm:scene3d>
+      <a:camera prst="orthographicFront"/>
+      <a:lightRig rig="threePt" dir="t"/>
+    </dgm:scene3d>
+    <dgm:sp3d/>
+    <dgm:txPr/>
+    <dgm:style>
+      <a:lnRef idx="2">
+        <a:scrgbClr r="0" g="0" b="0"/>
+      </a:lnRef>
+      <a:fillRef idx="1">
+        <a:scrgbClr r="0" g="0" b="0"/>
+      </a:fillRef>
+      <a:effectRef idx="0">
+        <a:scrgbClr r="0" g="0" b="0"/>
+      </a:effectRef>
+      <a:fontRef idx="minor"/>
+    </dgm:style>
+  </dgm:styleLbl>
+  <dgm:styleLbl name="fgAccFollowNode1">
+    <dgm:scene3d>
+      <a:camera prst="orthographicFront"/>
+      <a:lightRig rig="threePt" dir="t"/>
+    </dgm:scene3d>
+    <dgm:sp3d/>
+    <dgm:txPr/>
+    <dgm:style>
+      <a:lnRef idx="2">
+        <a:scrgbClr r="0" g="0" b="0"/>
+      </a:lnRef>
+      <a:fillRef idx="1">
+        <a:scrgbClr r="0" g="0" b="0"/>
+      </a:fillRef>
+      <a:effectRef idx="0">
+        <a:scrgbClr r="0" g="0" b="0"/>
+      </a:effectRef>
+      <a:fontRef idx="minor"/>
+    </dgm:style>
+  </dgm:styleLbl>
+  <dgm:styleLbl name="alignAccFollowNode1">
+    <dgm:scene3d>
+      <a:camera prst="orthographicFront"/>
+      <a:lightRig rig="threePt" dir="t"/>
+    </dgm:scene3d>
+    <dgm:sp3d/>
+    <dgm:txPr/>
+    <dgm:style>
+      <a:lnRef idx="2">
+        <a:scrgbClr r="0" g="0" b="0"/>
+      </a:lnRef>
+      <a:fillRef idx="1">
+        <a:scrgbClr r="0" g="0" b="0"/>
+      </a:fillRef>
+      <a:effectRef idx="0">
+        <a:scrgbClr r="0" g="0" b="0"/>
+      </a:effectRef>
+      <a:fontRef idx="minor"/>
+    </dgm:style>
+  </dgm:styleLbl>
+  <dgm:styleLbl name="bgAccFollowNode1">
+    <dgm:scene3d>
+      <a:camera prst="orthographicFront"/>
+      <a:lightRig rig="threePt" dir="t"/>
+    </dgm:scene3d>
+    <dgm:sp3d/>
+    <dgm:txPr/>
+    <dgm:style>
+      <a:lnRef idx="2">
+        <a:scrgbClr r="0" g="0" b="0"/>
+      </a:lnRef>
+      <a:fillRef idx="1">
+        <a:scrgbClr r="0" g="0" b="0"/>
+      </a:fillRef>
+      <a:effectRef idx="0">
+        <a:scrgbClr r="0" g="0" b="0"/>
+      </a:effectRef>
+      <a:fontRef idx="minor"/>
+    </dgm:style>
+  </dgm:styleLbl>
+  <dgm:styleLbl name="fgAcc0">
+    <dgm:scene3d>
+      <a:camera prst="orthographicFront"/>
+      <a:lightRig rig="threePt" dir="t"/>
+    </dgm:scene3d>
+    <dgm:sp3d/>
+    <dgm:txPr/>
+    <dgm:style>
+      <a:lnRef idx="2">
+        <a:scrgbClr r="0" g="0" b="0"/>
+      </a:lnRef>
+      <a:fillRef idx="1">
+        <a:scrgbClr r="0" g="0" b="0"/>
+      </a:fillRef>
+      <a:effectRef idx="0">
+        <a:scrgbClr r="0" g="0" b="0"/>
+      </a:effectRef>
+      <a:fontRef idx="minor"/>
+    </dgm:style>
+  </dgm:styleLbl>
+  <dgm:styleLbl name="fgAcc2">
+    <dgm:scene3d>
+      <a:camera prst="orthographicFront"/>
+      <a:lightRig rig="threePt" dir="t"/>
+    </dgm:scene3d>
+    <dgm:sp3d/>
+    <dgm:txPr/>
+    <dgm:style>
+      <a:lnRef idx="2">
+        <a:scrgbClr r="0" g="0" b="0"/>
+      </a:lnRef>
+      <a:fillRef idx="1">
+        <a:scrgbClr r="0" g="0" b="0"/>
+      </a:fillRef>
+      <a:effectRef idx="0">
+        <a:scrgbClr r="0" g="0" b="0"/>
+      </a:effectRef>
+      <a:fontRef idx="minor"/>
+    </dgm:style>
+  </dgm:styleLbl>
+  <dgm:styleLbl name="fgAcc3">
+    <dgm:scene3d>
+      <a:camera prst="orthographicFront"/>
+      <a:lightRig rig="threePt" dir="t"/>
+    </dgm:scene3d>
+    <dgm:sp3d/>
+    <dgm:txPr/>
+    <dgm:style>
+      <a:lnRef idx="2">
+        <a:scrgbClr r="0" g="0" b="0"/>
+      </a:lnRef>
+      <a:fillRef idx="1">
+        <a:scrgbClr r="0" g="0" b="0"/>
+      </a:fillRef>
+      <a:effectRef idx="0">
+        <a:scrgbClr r="0" g="0" b="0"/>
+      </a:effectRef>
+      <a:fontRef idx="minor"/>
+    </dgm:style>
+  </dgm:styleLbl>
+  <dgm:styleLbl name="fgAcc4">
+    <dgm:scene3d>
+      <a:camera prst="orthographicFront"/>
+      <a:lightRig rig="threePt" dir="t"/>
+    </dgm:scene3d>
+    <dgm:sp3d/>
+    <dgm:txPr/>
+    <dgm:style>
+      <a:lnRef idx="2">
+        <a:scrgbClr r="0" g="0" b="0"/>
+      </a:lnRef>
+      <a:fillRef idx="1">
+        <a:scrgbClr r="0" g="0" b="0"/>
+      </a:fillRef>
+      <a:effectRef idx="0">
+        <a:scrgbClr r="0" g="0" b="0"/>
+      </a:effectRef>
+      <a:fontRef idx="minor"/>
+    </dgm:style>
+  </dgm:styleLbl>
+  <dgm:styleLbl name="bgShp">
+    <dgm:scene3d>
+      <a:camera prst="orthographicFront"/>
+      <a:lightRig rig="threePt" dir="t"/>
+    </dgm:scene3d>
+    <dgm:sp3d/>
+    <dgm:txPr/>
+    <dgm:style>
+      <a:lnRef idx="0">
+        <a:scrgbClr r="0" g="0" b="0"/>
+      </a:lnRef>
+      <a:fillRef idx="1">
+        <a:scrgbClr r="0" g="0" b="0"/>
+      </a:fillRef>
+      <a:effectRef idx="0">
+        <a:scrgbClr r="0" g="0" b="0"/>
+      </a:effectRef>
+      <a:fontRef idx="minor"/>
+    </dgm:style>
+  </dgm:styleLbl>
+  <dgm:styleLbl name="dkBgShp">
+    <dgm:scene3d>
+      <a:camera prst="orthographicFront"/>
+      <a:lightRig rig="threePt" dir="t"/>
+    </dgm:scene3d>
+    <dgm:sp3d/>
+    <dgm:txPr/>
+    <dgm:style>
+      <a:lnRef idx="0">
+        <a:scrgbClr r="0" g="0" b="0"/>
+      </a:lnRef>
+      <a:fillRef idx="1">
+        <a:scrgbClr r="0" g="0" b="0"/>
+      </a:fillRef>
+      <a:effectRef idx="0">
+        <a:scrgbClr r="0" g="0" b="0"/>
+      </a:effectRef>
+      <a:fontRef idx="minor"/>
+    </dgm:style>
+  </dgm:styleLbl>
+  <dgm:styleLbl name="trBgShp">
+    <dgm:scene3d>
+      <a:camera prst="orthographicFront"/>
+      <a:lightRig rig="threePt" dir="t"/>
+    </dgm:scene3d>
+    <dgm:sp3d/>
+    <dgm:txPr/>
+    <dgm:style>
+      <a:lnRef idx="0">
+        <a:scrgbClr r="0" g="0" b="0"/>
+      </a:lnRef>
+      <a:fillRef idx="1">
+        <a:scrgbClr r="0" g="0" b="0"/>
+      </a:fillRef>
+      <a:effectRef idx="0">
+        <a:scrgbClr r="0" g="0" b="0"/>
+      </a:effectRef>
+      <a:fontRef idx="minor"/>
+    </dgm:style>
+  </dgm:styleLbl>
+  <dgm:styleLbl name="fgShp">
+    <dgm:scene3d>
+      <a:camera prst="orthographicFront"/>
+      <a:lightRig rig="threePt" dir="t"/>
+    </dgm:scene3d>
+    <dgm:sp3d/>
+    <dgm:txPr/>
+    <dgm:style>
+      <a:lnRef idx="2">
+        <a:scrgbClr r="0" g="0" b="0"/>
+      </a:lnRef>
+      <a:fillRef idx="1">
+        <a:scrgbClr r="0" g="0" b="0"/>
+      </a:fillRef>
+      <a:effectRef idx="0">
+        <a:scrgbClr r="0" g="0" b="0"/>
+      </a:effectRef>
+      <a:fontRef idx="minor"/>
+    </dgm:style>
+  </dgm:styleLbl>
+  <dgm:styleLbl name="revTx">
+    <dgm:scene3d>
+      <a:camera prst="orthographicFront"/>
+      <a:lightRig rig="threePt" dir="t"/>
+    </dgm:scene3d>
+    <dgm:sp3d/>
+    <dgm:txPr/>
+    <dgm:style>
+      <a:lnRef idx="0">
+        <a:scrgbClr r="0" g="0" b="0"/>
+      </a:lnRef>
+      <a:fillRef idx="0">
+        <a:scrgbClr r="0" g="0" b="0"/>
+      </a:fillRef>
+      <a:effectRef idx="0">
+        <a:scrgbClr r="0" g="0" b="0"/>
+      </a:effectRef>
+      <a:fontRef idx="minor"/>
+    </dgm:style>
+  </dgm:styleLbl>
+</dgm:styleDef>
+</file>
+
 <file path=ppt/notesMasters/notesMaster1.xml><?xml version="1.0" encoding="utf-8"?>
 <p:notesMaster xmlns:a="http://schemas.openxmlformats.org/drawingml/2006/main" xmlns:r="http://schemas.openxmlformats.org/officeDocument/2006/relationships" xmlns:p="http://schemas.openxmlformats.org/presentationml/2006/main">
   <p:cSld>
@@ -328,7 +4625,7 @@
           <a:p>
             <a:fld id="{B304EC34-A38D-43F7-8195-DD8A2F7D138D}" type="datetimeFigureOut">
               <a:rPr lang="pt-PT" smtClean="0"/>
-              <a:t>20/06/2023</a:t>
+              <a:t>24/06/2023</a:t>
             </a:fld>
             <a:endParaRPr lang="pt-PT"/>
           </a:p>
@@ -2942,7 +7239,7 @@
           <a:p>
             <a:fld id="{5FFD33DD-C6C7-4EC2-9931-F4D97BA4706F}" type="datetime1">
               <a:rPr lang="en-US" smtClean="0"/>
-              <a:t>6/20/2023</a:t>
+              <a:t>6/24/2023</a:t>
             </a:fld>
             <a:endParaRPr lang="en-US"/>
           </a:p>
@@ -5432,7 +9729,7 @@
           <a:p>
             <a:fld id="{0A4E6B29-01BE-457B-B879-D00BB23D2CD3}" type="datetime1">
               <a:rPr lang="en-US" smtClean="0"/>
-              <a:t>6/20/2023</a:t>
+              <a:t>6/24/2023</a:t>
             </a:fld>
             <a:endParaRPr lang="en-US"/>
           </a:p>
@@ -5630,7 +9927,7 @@
           <a:p>
             <a:fld id="{2DE6082C-FB65-4A19-9518-58918AD9665C}" type="datetime1">
               <a:rPr lang="en-US" smtClean="0"/>
-              <a:t>6/20/2023</a:t>
+              <a:t>6/24/2023</a:t>
             </a:fld>
             <a:endParaRPr lang="en-US"/>
           </a:p>
@@ -5838,7 +10135,7 @@
           <a:p>
             <a:fld id="{8D95EFA4-DB62-46AF-A6D4-C26DECEEA5A9}" type="datetime1">
               <a:rPr lang="en-US" smtClean="0"/>
-              <a:t>6/20/2023</a:t>
+              <a:t>6/24/2023</a:t>
             </a:fld>
             <a:endParaRPr lang="en-US"/>
           </a:p>
@@ -6477,15 +10774,14 @@
           </a:bodyPr>
           <a:lstStyle>
             <a:lvl1pPr>
-              <a:defRPr sz="4000"/>
+              <a:defRPr sz="4000" i="0"/>
             </a:lvl1pPr>
           </a:lstStyle>
           <a:p>
             <a:r>
-              <a:rPr lang="en-US"/>
+              <a:rPr lang="en-US" dirty="0"/>
               <a:t>Click to edit Master title style</a:t>
             </a:r>
-            <a:endParaRPr lang="en-US" dirty="0"/>
           </a:p>
         </p:txBody>
       </p:sp>
@@ -6575,7 +10871,7 @@
           <a:p>
             <a:fld id="{C80A57F1-3AE9-4452-B964-44BAD7B7689E}" type="datetime1">
               <a:rPr lang="en-US" smtClean="0"/>
-              <a:t>6/20/2023</a:t>
+              <a:t>6/24/2023</a:t>
             </a:fld>
             <a:endParaRPr lang="en-US"/>
           </a:p>
@@ -7217,7 +11513,7 @@
           <a:p>
             <a:fld id="{5FD80B65-6DC2-409F-8E1E-830F7AE419B1}" type="datetime1">
               <a:rPr lang="en-US" smtClean="0"/>
-              <a:t>6/20/2023</a:t>
+              <a:t>6/24/2023</a:t>
             </a:fld>
             <a:endParaRPr lang="en-US"/>
           </a:p>
@@ -8017,7 +12313,7 @@
           <a:p>
             <a:fld id="{9F461C26-334B-4C78-8973-36DE63D152D8}" type="datetime1">
               <a:rPr lang="en-US" smtClean="0"/>
-              <a:t>6/20/2023</a:t>
+              <a:t>6/24/2023</a:t>
             </a:fld>
             <a:endParaRPr lang="en-US"/>
           </a:p>
@@ -8968,7 +13264,7 @@
           <a:p>
             <a:fld id="{B2499B31-7564-4EF9-A1B8-7F979745B941}" type="datetime1">
               <a:rPr lang="en-US" smtClean="0"/>
-              <a:t>6/20/2023</a:t>
+              <a:t>6/24/2023</a:t>
             </a:fld>
             <a:endParaRPr lang="en-US"/>
           </a:p>
@@ -11317,7 +15613,7 @@
           <a:p>
             <a:fld id="{373780AC-9884-478C-8BCC-6D088A9A8DCB}" type="datetime1">
               <a:rPr lang="en-US" smtClean="0"/>
-              <a:t>6/20/2023</a:t>
+              <a:t>6/24/2023</a:t>
             </a:fld>
             <a:endParaRPr lang="en-US"/>
           </a:p>
@@ -11430,7 +15726,7 @@
           <a:p>
             <a:fld id="{808F5723-DC4D-490D-B5A2-B8841403AA34}" type="datetime1">
               <a:rPr lang="en-US" smtClean="0"/>
-              <a:t>6/20/2023</a:t>
+              <a:t>6/24/2023</a:t>
             </a:fld>
             <a:endParaRPr lang="en-US"/>
           </a:p>
@@ -11937,7 +16233,7 @@
           <a:p>
             <a:fld id="{1E7C33EE-18CE-4116-B629-BE2E713B2990}" type="datetime1">
               <a:rPr lang="en-US" smtClean="0"/>
-              <a:t>6/20/2023</a:t>
+              <a:t>6/24/2023</a:t>
             </a:fld>
             <a:endParaRPr lang="en-US"/>
           </a:p>
@@ -13240,7 +17536,7 @@
           <a:p>
             <a:fld id="{B8D01877-3202-4BA1-88BC-008D65F678D5}" type="datetime1">
               <a:rPr lang="en-US" smtClean="0"/>
-              <a:t>6/20/2023</a:t>
+              <a:t>6/24/2023</a:t>
             </a:fld>
             <a:endParaRPr lang="en-US"/>
           </a:p>
@@ -13485,7 +17781,7 @@
           <a:p>
             <a:fld id="{90A3E4B0-5829-4F0C-9003-DF027DF24C00}" type="datetime1">
               <a:rPr lang="en-US" smtClean="0"/>
-              <a:t>6/20/2023</a:t>
+              <a:t>6/24/2023</a:t>
             </a:fld>
             <a:endParaRPr lang="en-US"/>
           </a:p>
@@ -13650,7 +17946,7 @@
           <a:spcPct val="0"/>
         </a:spcBef>
         <a:buNone/>
-        <a:defRPr sz="4400" b="1" i="1" kern="1200">
+        <a:defRPr sz="4400" b="1" i="0" kern="1200">
           <a:solidFill>
             <a:schemeClr val="tx1"/>
           </a:solidFill>
@@ -14868,6 +19164,22 @@
           <a:bodyPr/>
           <a:lstStyle/>
           <a:p>
+            <a:r>
+              <a:rPr lang="pt-PT" dirty="0"/>
+              <a:t>Introdução </a:t>
+            </a:r>
+          </a:p>
+          <a:p>
+            <a:r>
+              <a:rPr lang="pt-PT" dirty="0"/>
+              <a:t>Limpeza de dados e Analise exploratória</a:t>
+            </a:r>
+          </a:p>
+          <a:p>
+            <a:r>
+              <a:rPr lang="pt-PT" dirty="0" err="1"/>
+              <a:t>Metodo</a:t>
+            </a:r>
             <a:endParaRPr lang="pt-PT" dirty="0"/>
           </a:p>
         </p:txBody>
@@ -14915,6 +19227,2959 @@
 </file>
 
 <file path=ppt/slides/slide3.xml><?xml version="1.0" encoding="utf-8"?>
+<p:sld xmlns:a="http://schemas.openxmlformats.org/drawingml/2006/main" xmlns:r="http://schemas.openxmlformats.org/officeDocument/2006/relationships" xmlns:p="http://schemas.openxmlformats.org/presentationml/2006/main">
+  <p:cSld>
+    <p:spTree>
+      <p:nvGrpSpPr>
+        <p:cNvPr id="1" name=""/>
+        <p:cNvGrpSpPr/>
+        <p:nvPr/>
+      </p:nvGrpSpPr>
+      <p:grpSpPr>
+        <a:xfrm>
+          <a:off x="0" y="0"/>
+          <a:ext cx="0" cy="0"/>
+          <a:chOff x="0" y="0"/>
+          <a:chExt cx="0" cy="0"/>
+        </a:xfrm>
+      </p:grpSpPr>
+      <p:sp>
+        <p:nvSpPr>
+          <p:cNvPr id="2" name="Título 1">
+            <a:extLst>
+              <a:ext uri="{FF2B5EF4-FFF2-40B4-BE49-F238E27FC236}">
+                <a16:creationId xmlns:a16="http://schemas.microsoft.com/office/drawing/2014/main" id="{7FEF3858-437D-AAD8-9BF0-E3CBE3965A09}"/>
+              </a:ext>
+            </a:extLst>
+          </p:cNvPr>
+          <p:cNvSpPr>
+            <a:spLocks noGrp="1"/>
+          </p:cNvSpPr>
+          <p:nvPr>
+            <p:ph type="title"/>
+          </p:nvPr>
+        </p:nvSpPr>
+        <p:spPr/>
+        <p:txBody>
+          <a:bodyPr/>
+          <a:lstStyle/>
+          <a:p>
+            <a:r>
+              <a:rPr lang="pt-PT" dirty="0"/>
+              <a:t>Introdução</a:t>
+            </a:r>
+          </a:p>
+        </p:txBody>
+      </p:sp>
+      <p:sp>
+        <p:nvSpPr>
+          <p:cNvPr id="3" name="Marcador de Posição de Conteúdo 2">
+            <a:extLst>
+              <a:ext uri="{FF2B5EF4-FFF2-40B4-BE49-F238E27FC236}">
+                <a16:creationId xmlns:a16="http://schemas.microsoft.com/office/drawing/2014/main" id="{E768ACCE-499F-BAC7-294C-40321AD0D64B}"/>
+              </a:ext>
+            </a:extLst>
+          </p:cNvPr>
+          <p:cNvSpPr>
+            <a:spLocks noGrp="1"/>
+          </p:cNvSpPr>
+          <p:nvPr>
+            <p:ph idx="1"/>
+          </p:nvPr>
+        </p:nvSpPr>
+        <p:spPr/>
+        <p:txBody>
+          <a:bodyPr/>
+          <a:lstStyle/>
+          <a:p>
+            <a:endParaRPr lang="pt-PT" dirty="0"/>
+          </a:p>
+        </p:txBody>
+      </p:sp>
+      <p:sp>
+        <p:nvSpPr>
+          <p:cNvPr id="4" name="Marcador de Posição do Número do Diapositivo 3">
+            <a:extLst>
+              <a:ext uri="{FF2B5EF4-FFF2-40B4-BE49-F238E27FC236}">
+                <a16:creationId xmlns:a16="http://schemas.microsoft.com/office/drawing/2014/main" id="{60E3A58C-EE61-A3C5-DBE4-35FCFA7DEECF}"/>
+              </a:ext>
+            </a:extLst>
+          </p:cNvPr>
+          <p:cNvSpPr>
+            <a:spLocks noGrp="1"/>
+          </p:cNvSpPr>
+          <p:nvPr>
+            <p:ph type="sldNum" sz="quarter" idx="12"/>
+          </p:nvPr>
+        </p:nvSpPr>
+        <p:spPr/>
+        <p:txBody>
+          <a:bodyPr/>
+          <a:lstStyle/>
+          <a:p>
+            <a:fld id="{51845F5A-061D-4825-9AE9-D7794091C6CF}" type="slidenum">
+              <a:rPr lang="en-US" smtClean="0"/>
+              <a:t>3</a:t>
+            </a:fld>
+            <a:endParaRPr lang="en-US"/>
+          </a:p>
+        </p:txBody>
+      </p:sp>
+    </p:spTree>
+    <p:extLst>
+      <p:ext uri="{BB962C8B-B14F-4D97-AF65-F5344CB8AC3E}">
+        <p14:creationId xmlns:p14="http://schemas.microsoft.com/office/powerpoint/2010/main" val="1709535000"/>
+      </p:ext>
+    </p:extLst>
+  </p:cSld>
+  <p:clrMapOvr>
+    <a:masterClrMapping/>
+  </p:clrMapOvr>
+</p:sld>
+</file>
+
+<file path=ppt/slides/slide4.xml><?xml version="1.0" encoding="utf-8"?>
+<p:sld xmlns:a="http://schemas.openxmlformats.org/drawingml/2006/main" xmlns:r="http://schemas.openxmlformats.org/officeDocument/2006/relationships" xmlns:p="http://schemas.openxmlformats.org/presentationml/2006/main">
+  <p:cSld>
+    <p:bg>
+      <p:bgPr>
+        <a:solidFill>
+          <a:schemeClr val="bg1"/>
+        </a:solidFill>
+        <a:effectLst/>
+      </p:bgPr>
+    </p:bg>
+    <p:spTree>
+      <p:nvGrpSpPr>
+        <p:cNvPr id="1" name=""/>
+        <p:cNvGrpSpPr/>
+        <p:nvPr/>
+      </p:nvGrpSpPr>
+      <p:grpSpPr>
+        <a:xfrm>
+          <a:off x="0" y="0"/>
+          <a:ext cx="0" cy="0"/>
+          <a:chOff x="0" y="0"/>
+          <a:chExt cx="0" cy="0"/>
+        </a:xfrm>
+      </p:grpSpPr>
+      <p:sp useBgFill="1">
+        <p:nvSpPr>
+          <p:cNvPr id="14" name="Rectangle 13">
+            <a:extLst>
+              <a:ext uri="{FF2B5EF4-FFF2-40B4-BE49-F238E27FC236}">
+                <a16:creationId xmlns:a16="http://schemas.microsoft.com/office/drawing/2014/main" id="{DA8886A6-5426-494B-96D8-D962D2BA0818}"/>
+              </a:ext>
+              <a:ext uri="{C183D7F6-B498-43B3-948B-1728B52AA6E4}">
+                <adec:decorative xmlns:adec="http://schemas.microsoft.com/office/drawing/2017/decorative" val="1"/>
+              </a:ext>
+            </a:extLst>
+          </p:cNvPr>
+          <p:cNvSpPr>
+            <a:spLocks noGrp="1" noRot="1" noChangeAspect="1" noMove="1" noResize="1" noEditPoints="1" noAdjustHandles="1" noChangeArrowheads="1" noChangeShapeType="1" noTextEdit="1"/>
+          </p:cNvSpPr>
+          <p:nvPr>
+            <p:extLst>
+              <p:ext uri="{386F3935-93C4-4BCD-93E2-E3B085C9AB24}">
+                <p16:designElem xmlns:p16="http://schemas.microsoft.com/office/powerpoint/2015/main" val="1"/>
+              </p:ext>
+            </p:extLst>
+          </p:nvPr>
+        </p:nvSpPr>
+        <p:spPr>
+          <a:xfrm>
+            <a:off x="0" y="0"/>
+            <a:ext cx="12188952" cy="6858000"/>
+          </a:xfrm>
+          <a:prstGeom prst="rect">
+            <a:avLst/>
+          </a:prstGeom>
+          <a:ln>
+            <a:noFill/>
+          </a:ln>
+        </p:spPr>
+        <p:style>
+          <a:lnRef idx="2">
+            <a:schemeClr val="accent1">
+              <a:shade val="50000"/>
+            </a:schemeClr>
+          </a:lnRef>
+          <a:fillRef idx="1">
+            <a:schemeClr val="accent1"/>
+          </a:fillRef>
+          <a:effectRef idx="0">
+            <a:schemeClr val="accent1"/>
+          </a:effectRef>
+          <a:fontRef idx="minor">
+            <a:schemeClr val="lt1"/>
+          </a:fontRef>
+        </p:style>
+        <p:txBody>
+          <a:bodyPr rtlCol="0" anchor="ctr"/>
+          <a:lstStyle/>
+          <a:p>
+            <a:pPr algn="ctr"/>
+            <a:endParaRPr lang="en-US"/>
+          </a:p>
+        </p:txBody>
+      </p:sp>
+      <p:sp>
+        <p:nvSpPr>
+          <p:cNvPr id="16" name="Freeform: Shape 15">
+            <a:extLst>
+              <a:ext uri="{FF2B5EF4-FFF2-40B4-BE49-F238E27FC236}">
+                <a16:creationId xmlns:a16="http://schemas.microsoft.com/office/drawing/2014/main" id="{AA3ED336-C09E-46E8-9774-B977D15FC5E0}"/>
+              </a:ext>
+              <a:ext uri="{C183D7F6-B498-43B3-948B-1728B52AA6E4}">
+                <adec:decorative xmlns:adec="http://schemas.microsoft.com/office/drawing/2017/decorative" val="1"/>
+              </a:ext>
+            </a:extLst>
+          </p:cNvPr>
+          <p:cNvSpPr>
+            <a:spLocks noGrp="1" noRot="1" noChangeAspect="1" noMove="1" noResize="1" noEditPoints="1" noAdjustHandles="1" noChangeArrowheads="1" noChangeShapeType="1" noTextEdit="1"/>
+          </p:cNvSpPr>
+          <p:nvPr>
+            <p:extLst>
+              <p:ext uri="{386F3935-93C4-4BCD-93E2-E3B085C9AB24}">
+                <p16:designElem xmlns:p16="http://schemas.microsoft.com/office/powerpoint/2015/main" val="1"/>
+              </p:ext>
+            </p:extLst>
+          </p:nvPr>
+        </p:nvSpPr>
+        <p:spPr>
+          <a:xfrm>
+            <a:off x="1" y="752347"/>
+            <a:ext cx="12191999" cy="6105653"/>
+          </a:xfrm>
+          <a:custGeom>
+            <a:avLst/>
+            <a:gdLst>
+              <a:gd name="connsiteX0" fmla="*/ 7538181 w 12191999"/>
+              <a:gd name="connsiteY0" fmla="*/ 484 h 6105653"/>
+              <a:gd name="connsiteX1" fmla="*/ 7569993 w 12191999"/>
+              <a:gd name="connsiteY1" fmla="*/ 5527 h 6105653"/>
+              <a:gd name="connsiteX2" fmla="*/ 7587853 w 12191999"/>
+              <a:gd name="connsiteY2" fmla="*/ 84028 h 6105653"/>
+              <a:gd name="connsiteX3" fmla="*/ 7559278 w 12191999"/>
+              <a:gd name="connsiteY3" fmla="*/ 325347 h 6105653"/>
+              <a:gd name="connsiteX4" fmla="*/ 7795021 w 12191999"/>
+              <a:gd name="connsiteY4" fmla="*/ 25878 h 6105653"/>
+              <a:gd name="connsiteX5" fmla="*/ 7759302 w 12191999"/>
+              <a:gd name="connsiteY5" fmla="*/ 249752 h 6105653"/>
+              <a:gd name="connsiteX6" fmla="*/ 7852171 w 12191999"/>
+              <a:gd name="connsiteY6" fmla="*/ 313717 h 6105653"/>
+              <a:gd name="connsiteX7" fmla="*/ 8002190 w 12191999"/>
+              <a:gd name="connsiteY7" fmla="*/ 418385 h 6105653"/>
+              <a:gd name="connsiteX8" fmla="*/ 8084343 w 12191999"/>
+              <a:gd name="connsiteY8" fmla="*/ 491072 h 6105653"/>
+              <a:gd name="connsiteX9" fmla="*/ 8348662 w 12191999"/>
+              <a:gd name="connsiteY9" fmla="*/ 520146 h 6105653"/>
+              <a:gd name="connsiteX10" fmla="*/ 8637984 w 12191999"/>
+              <a:gd name="connsiteY10" fmla="*/ 459090 h 6105653"/>
+              <a:gd name="connsiteX11" fmla="*/ 8784431 w 12191999"/>
+              <a:gd name="connsiteY11" fmla="*/ 290457 h 6105653"/>
+              <a:gd name="connsiteX12" fmla="*/ 8948737 w 12191999"/>
+              <a:gd name="connsiteY12" fmla="*/ 339884 h 6105653"/>
+              <a:gd name="connsiteX13" fmla="*/ 8848725 w 12191999"/>
+              <a:gd name="connsiteY13" fmla="*/ 697501 h 6105653"/>
+              <a:gd name="connsiteX14" fmla="*/ 9238059 w 12191999"/>
+              <a:gd name="connsiteY14" fmla="*/ 165437 h 6105653"/>
+              <a:gd name="connsiteX15" fmla="*/ 9255919 w 12191999"/>
+              <a:gd name="connsiteY15" fmla="*/ 255567 h 6105653"/>
+              <a:gd name="connsiteX16" fmla="*/ 9477374 w 12191999"/>
+              <a:gd name="connsiteY16" fmla="*/ 578295 h 6105653"/>
+              <a:gd name="connsiteX17" fmla="*/ 9488091 w 12191999"/>
+              <a:gd name="connsiteY17" fmla="*/ 595740 h 6105653"/>
+              <a:gd name="connsiteX18" fmla="*/ 9627393 w 12191999"/>
+              <a:gd name="connsiteY18" fmla="*/ 650981 h 6105653"/>
+              <a:gd name="connsiteX19" fmla="*/ 9648824 w 12191999"/>
+              <a:gd name="connsiteY19" fmla="*/ 825429 h 6105653"/>
+              <a:gd name="connsiteX20" fmla="*/ 9616678 w 12191999"/>
+              <a:gd name="connsiteY20" fmla="*/ 970802 h 6105653"/>
+              <a:gd name="connsiteX21" fmla="*/ 9655968 w 12191999"/>
+              <a:gd name="connsiteY21" fmla="*/ 1127805 h 6105653"/>
+              <a:gd name="connsiteX22" fmla="*/ 9638109 w 12191999"/>
+              <a:gd name="connsiteY22" fmla="*/ 1267362 h 6105653"/>
+              <a:gd name="connsiteX23" fmla="*/ 9663111 w 12191999"/>
+              <a:gd name="connsiteY23" fmla="*/ 1386568 h 6105653"/>
+              <a:gd name="connsiteX24" fmla="*/ 9780984 w 12191999"/>
+              <a:gd name="connsiteY24" fmla="*/ 1270269 h 6105653"/>
+              <a:gd name="connsiteX25" fmla="*/ 9780984 w 12191999"/>
+              <a:gd name="connsiteY25" fmla="*/ 1107452 h 6105653"/>
+              <a:gd name="connsiteX26" fmla="*/ 9855993 w 12191999"/>
+              <a:gd name="connsiteY26" fmla="*/ 991154 h 6105653"/>
+              <a:gd name="connsiteX27" fmla="*/ 9991724 w 12191999"/>
+              <a:gd name="connsiteY27" fmla="*/ 880670 h 6105653"/>
+              <a:gd name="connsiteX28" fmla="*/ 10209609 w 12191999"/>
+              <a:gd name="connsiteY28" fmla="*/ 491071 h 6105653"/>
+              <a:gd name="connsiteX29" fmla="*/ 10291762 w 12191999"/>
+              <a:gd name="connsiteY29" fmla="*/ 421292 h 6105653"/>
+              <a:gd name="connsiteX30" fmla="*/ 9973865 w 12191999"/>
+              <a:gd name="connsiteY30" fmla="*/ 1531941 h 6105653"/>
+              <a:gd name="connsiteX31" fmla="*/ 10106024 w 12191999"/>
+              <a:gd name="connsiteY31" fmla="*/ 1188861 h 6105653"/>
+              <a:gd name="connsiteX32" fmla="*/ 10081022 w 12191999"/>
+              <a:gd name="connsiteY32" fmla="*/ 1421458 h 6105653"/>
+              <a:gd name="connsiteX33" fmla="*/ 10170318 w 12191999"/>
+              <a:gd name="connsiteY33" fmla="*/ 1549385 h 6105653"/>
+              <a:gd name="connsiteX34" fmla="*/ 10198893 w 12191999"/>
+              <a:gd name="connsiteY34" fmla="*/ 1549385 h 6105653"/>
+              <a:gd name="connsiteX35" fmla="*/ 10281046 w 12191999"/>
+              <a:gd name="connsiteY35" fmla="*/ 1453439 h 6105653"/>
+              <a:gd name="connsiteX36" fmla="*/ 10334625 w 12191999"/>
+              <a:gd name="connsiteY36" fmla="*/ 1398198 h 6105653"/>
+              <a:gd name="connsiteX37" fmla="*/ 10527506 w 12191999"/>
+              <a:gd name="connsiteY37" fmla="*/ 1247010 h 6105653"/>
+              <a:gd name="connsiteX38" fmla="*/ 10548937 w 12191999"/>
+              <a:gd name="connsiteY38" fmla="*/ 1354586 h 6105653"/>
+              <a:gd name="connsiteX39" fmla="*/ 10588228 w 12191999"/>
+              <a:gd name="connsiteY39" fmla="*/ 1395290 h 6105653"/>
+              <a:gd name="connsiteX40" fmla="*/ 10645378 w 12191999"/>
+              <a:gd name="connsiteY40" fmla="*/ 1366216 h 6105653"/>
+              <a:gd name="connsiteX41" fmla="*/ 10820400 w 12191999"/>
+              <a:gd name="connsiteY41" fmla="*/ 1031858 h 6105653"/>
+              <a:gd name="connsiteX42" fmla="*/ 10956131 w 12191999"/>
+              <a:gd name="connsiteY42" fmla="*/ 1005691 h 6105653"/>
+              <a:gd name="connsiteX43" fmla="*/ 10977562 w 12191999"/>
+              <a:gd name="connsiteY43" fmla="*/ 1069655 h 6105653"/>
+              <a:gd name="connsiteX44" fmla="*/ 10966847 w 12191999"/>
+              <a:gd name="connsiteY44" fmla="*/ 1142341 h 6105653"/>
+              <a:gd name="connsiteX45" fmla="*/ 11074003 w 12191999"/>
+              <a:gd name="connsiteY45" fmla="*/ 1084192 h 6105653"/>
+              <a:gd name="connsiteX46" fmla="*/ 11181159 w 12191999"/>
+              <a:gd name="connsiteY46" fmla="*/ 848688 h 6105653"/>
+              <a:gd name="connsiteX47" fmla="*/ 11238309 w 12191999"/>
+              <a:gd name="connsiteY47" fmla="*/ 805077 h 6105653"/>
+              <a:gd name="connsiteX48" fmla="*/ 11266884 w 12191999"/>
+              <a:gd name="connsiteY48" fmla="*/ 863226 h 6105653"/>
+              <a:gd name="connsiteX49" fmla="*/ 11277600 w 12191999"/>
+              <a:gd name="connsiteY49" fmla="*/ 906838 h 6105653"/>
+              <a:gd name="connsiteX50" fmla="*/ 11724084 w 12191999"/>
+              <a:gd name="connsiteY50" fmla="*/ 5527 h 6105653"/>
+              <a:gd name="connsiteX51" fmla="*/ 11727656 w 12191999"/>
+              <a:gd name="connsiteY51" fmla="*/ 209048 h 6105653"/>
+              <a:gd name="connsiteX52" fmla="*/ 11656218 w 12191999"/>
+              <a:gd name="connsiteY52" fmla="*/ 409663 h 6105653"/>
+              <a:gd name="connsiteX53" fmla="*/ 11666934 w 12191999"/>
+              <a:gd name="connsiteY53" fmla="*/ 621907 h 6105653"/>
+              <a:gd name="connsiteX54" fmla="*/ 11631215 w 12191999"/>
+              <a:gd name="connsiteY54" fmla="*/ 822521 h 6105653"/>
+              <a:gd name="connsiteX55" fmla="*/ 11631215 w 12191999"/>
+              <a:gd name="connsiteY55" fmla="*/ 996969 h 6105653"/>
+              <a:gd name="connsiteX56" fmla="*/ 11684793 w 12191999"/>
+              <a:gd name="connsiteY56" fmla="*/ 834151 h 6105653"/>
+              <a:gd name="connsiteX57" fmla="*/ 11774090 w 12191999"/>
+              <a:gd name="connsiteY57" fmla="*/ 773095 h 6105653"/>
+              <a:gd name="connsiteX58" fmla="*/ 11856243 w 12191999"/>
+              <a:gd name="connsiteY58" fmla="*/ 793447 h 6105653"/>
+              <a:gd name="connsiteX59" fmla="*/ 11831240 w 12191999"/>
+              <a:gd name="connsiteY59" fmla="*/ 860319 h 6105653"/>
+              <a:gd name="connsiteX60" fmla="*/ 11738371 w 12191999"/>
+              <a:gd name="connsiteY60" fmla="*/ 938820 h 6105653"/>
+              <a:gd name="connsiteX61" fmla="*/ 11795521 w 12191999"/>
+              <a:gd name="connsiteY61" fmla="*/ 956264 h 6105653"/>
+              <a:gd name="connsiteX62" fmla="*/ 11838384 w 12191999"/>
+              <a:gd name="connsiteY62" fmla="*/ 1002784 h 6105653"/>
+              <a:gd name="connsiteX63" fmla="*/ 11816952 w 12191999"/>
+              <a:gd name="connsiteY63" fmla="*/ 1270269 h 6105653"/>
+              <a:gd name="connsiteX64" fmla="*/ 11999118 w 12191999"/>
+              <a:gd name="connsiteY64" fmla="*/ 1092915 h 6105653"/>
+              <a:gd name="connsiteX65" fmla="*/ 12027693 w 12191999"/>
+              <a:gd name="connsiteY65" fmla="*/ 979524 h 6105653"/>
+              <a:gd name="connsiteX66" fmla="*/ 12102703 w 12191999"/>
+              <a:gd name="connsiteY66" fmla="*/ 953357 h 6105653"/>
+              <a:gd name="connsiteX67" fmla="*/ 12120562 w 12191999"/>
+              <a:gd name="connsiteY67" fmla="*/ 1005691 h 6105653"/>
+              <a:gd name="connsiteX68" fmla="*/ 12056268 w 12191999"/>
+              <a:gd name="connsiteY68" fmla="*/ 1267362 h 6105653"/>
+              <a:gd name="connsiteX69" fmla="*/ 12081272 w 12191999"/>
+              <a:gd name="connsiteY69" fmla="*/ 1310974 h 6105653"/>
+              <a:gd name="connsiteX70" fmla="*/ 12191999 w 12191999"/>
+              <a:gd name="connsiteY70" fmla="*/ 1008598 h 6105653"/>
+              <a:gd name="connsiteX71" fmla="*/ 12191999 w 12191999"/>
+              <a:gd name="connsiteY71" fmla="*/ 6105653 h 6105653"/>
+              <a:gd name="connsiteX72" fmla="*/ 0 w 12191999"/>
+              <a:gd name="connsiteY72" fmla="*/ 6105653 h 6105653"/>
+              <a:gd name="connsiteX73" fmla="*/ 0 w 12191999"/>
+              <a:gd name="connsiteY73" fmla="*/ 927116 h 6105653"/>
+              <a:gd name="connsiteX74" fmla="*/ 61930 w 12191999"/>
+              <a:gd name="connsiteY74" fmla="*/ 902578 h 6105653"/>
+              <a:gd name="connsiteX75" fmla="*/ 155971 w 12191999"/>
+              <a:gd name="connsiteY75" fmla="*/ 883588 h 6105653"/>
+              <a:gd name="connsiteX76" fmla="*/ 277414 w 12191999"/>
+              <a:gd name="connsiteY76" fmla="*/ 802179 h 6105653"/>
+              <a:gd name="connsiteX77" fmla="*/ 638174 w 12191999"/>
+              <a:gd name="connsiteY77" fmla="*/ 430025 h 6105653"/>
+              <a:gd name="connsiteX78" fmla="*/ 477440 w 12191999"/>
+              <a:gd name="connsiteY78" fmla="*/ 784735 h 6105653"/>
+              <a:gd name="connsiteX79" fmla="*/ 827483 w 12191999"/>
+              <a:gd name="connsiteY79" fmla="*/ 418395 h 6105653"/>
+              <a:gd name="connsiteX80" fmla="*/ 956071 w 12191999"/>
+              <a:gd name="connsiteY80" fmla="*/ 241040 h 6105653"/>
+              <a:gd name="connsiteX81" fmla="*/ 999268 w 12191999"/>
+              <a:gd name="connsiteY81" fmla="*/ 192386 h 6105653"/>
+              <a:gd name="connsiteX82" fmla="*/ 1031080 w 12191999"/>
+              <a:gd name="connsiteY82" fmla="*/ 197429 h 6105653"/>
+              <a:gd name="connsiteX83" fmla="*/ 1048940 w 12191999"/>
+              <a:gd name="connsiteY83" fmla="*/ 275930 h 6105653"/>
+              <a:gd name="connsiteX84" fmla="*/ 1020365 w 12191999"/>
+              <a:gd name="connsiteY84" fmla="*/ 517249 h 6105653"/>
+              <a:gd name="connsiteX85" fmla="*/ 1256108 w 12191999"/>
+              <a:gd name="connsiteY85" fmla="*/ 217780 h 6105653"/>
+              <a:gd name="connsiteX86" fmla="*/ 1220389 w 12191999"/>
+              <a:gd name="connsiteY86" fmla="*/ 441654 h 6105653"/>
+              <a:gd name="connsiteX87" fmla="*/ 1313258 w 12191999"/>
+              <a:gd name="connsiteY87" fmla="*/ 505619 h 6105653"/>
+              <a:gd name="connsiteX88" fmla="*/ 1463277 w 12191999"/>
+              <a:gd name="connsiteY88" fmla="*/ 610287 h 6105653"/>
+              <a:gd name="connsiteX89" fmla="*/ 1545430 w 12191999"/>
+              <a:gd name="connsiteY89" fmla="*/ 682974 h 6105653"/>
+              <a:gd name="connsiteX90" fmla="*/ 1809749 w 12191999"/>
+              <a:gd name="connsiteY90" fmla="*/ 712048 h 6105653"/>
+              <a:gd name="connsiteX91" fmla="*/ 2099071 w 12191999"/>
+              <a:gd name="connsiteY91" fmla="*/ 650992 h 6105653"/>
+              <a:gd name="connsiteX92" fmla="*/ 2245518 w 12191999"/>
+              <a:gd name="connsiteY92" fmla="*/ 482359 h 6105653"/>
+              <a:gd name="connsiteX93" fmla="*/ 2409824 w 12191999"/>
+              <a:gd name="connsiteY93" fmla="*/ 531786 h 6105653"/>
+              <a:gd name="connsiteX94" fmla="*/ 2309812 w 12191999"/>
+              <a:gd name="connsiteY94" fmla="*/ 889403 h 6105653"/>
+              <a:gd name="connsiteX95" fmla="*/ 2699146 w 12191999"/>
+              <a:gd name="connsiteY95" fmla="*/ 357339 h 6105653"/>
+              <a:gd name="connsiteX96" fmla="*/ 2717006 w 12191999"/>
+              <a:gd name="connsiteY96" fmla="*/ 447469 h 6105653"/>
+              <a:gd name="connsiteX97" fmla="*/ 2938461 w 12191999"/>
+              <a:gd name="connsiteY97" fmla="*/ 770197 h 6105653"/>
+              <a:gd name="connsiteX98" fmla="*/ 2949178 w 12191999"/>
+              <a:gd name="connsiteY98" fmla="*/ 787642 h 6105653"/>
+              <a:gd name="connsiteX99" fmla="*/ 3088480 w 12191999"/>
+              <a:gd name="connsiteY99" fmla="*/ 842883 h 6105653"/>
+              <a:gd name="connsiteX100" fmla="*/ 3109911 w 12191999"/>
+              <a:gd name="connsiteY100" fmla="*/ 1017331 h 6105653"/>
+              <a:gd name="connsiteX101" fmla="*/ 3077765 w 12191999"/>
+              <a:gd name="connsiteY101" fmla="*/ 1162704 h 6105653"/>
+              <a:gd name="connsiteX102" fmla="*/ 3117055 w 12191999"/>
+              <a:gd name="connsiteY102" fmla="*/ 1319707 h 6105653"/>
+              <a:gd name="connsiteX103" fmla="*/ 3099196 w 12191999"/>
+              <a:gd name="connsiteY103" fmla="*/ 1459264 h 6105653"/>
+              <a:gd name="connsiteX104" fmla="*/ 3124198 w 12191999"/>
+              <a:gd name="connsiteY104" fmla="*/ 1578470 h 6105653"/>
+              <a:gd name="connsiteX105" fmla="*/ 3242071 w 12191999"/>
+              <a:gd name="connsiteY105" fmla="*/ 1462171 h 6105653"/>
+              <a:gd name="connsiteX106" fmla="*/ 3242071 w 12191999"/>
+              <a:gd name="connsiteY106" fmla="*/ 1299354 h 6105653"/>
+              <a:gd name="connsiteX107" fmla="*/ 3317080 w 12191999"/>
+              <a:gd name="connsiteY107" fmla="*/ 1183056 h 6105653"/>
+              <a:gd name="connsiteX108" fmla="*/ 3452811 w 12191999"/>
+              <a:gd name="connsiteY108" fmla="*/ 1072572 h 6105653"/>
+              <a:gd name="connsiteX109" fmla="*/ 3670696 w 12191999"/>
+              <a:gd name="connsiteY109" fmla="*/ 682973 h 6105653"/>
+              <a:gd name="connsiteX110" fmla="*/ 3752849 w 12191999"/>
+              <a:gd name="connsiteY110" fmla="*/ 613194 h 6105653"/>
+              <a:gd name="connsiteX111" fmla="*/ 3434952 w 12191999"/>
+              <a:gd name="connsiteY111" fmla="*/ 1723843 h 6105653"/>
+              <a:gd name="connsiteX112" fmla="*/ 3567111 w 12191999"/>
+              <a:gd name="connsiteY112" fmla="*/ 1380763 h 6105653"/>
+              <a:gd name="connsiteX113" fmla="*/ 3542109 w 12191999"/>
+              <a:gd name="connsiteY113" fmla="*/ 1613360 h 6105653"/>
+              <a:gd name="connsiteX114" fmla="*/ 3631405 w 12191999"/>
+              <a:gd name="connsiteY114" fmla="*/ 1741287 h 6105653"/>
+              <a:gd name="connsiteX115" fmla="*/ 3659980 w 12191999"/>
+              <a:gd name="connsiteY115" fmla="*/ 1741287 h 6105653"/>
+              <a:gd name="connsiteX116" fmla="*/ 3742133 w 12191999"/>
+              <a:gd name="connsiteY116" fmla="*/ 1645341 h 6105653"/>
+              <a:gd name="connsiteX117" fmla="*/ 3795712 w 12191999"/>
+              <a:gd name="connsiteY117" fmla="*/ 1590100 h 6105653"/>
+              <a:gd name="connsiteX118" fmla="*/ 3988593 w 12191999"/>
+              <a:gd name="connsiteY118" fmla="*/ 1438912 h 6105653"/>
+              <a:gd name="connsiteX119" fmla="*/ 4010024 w 12191999"/>
+              <a:gd name="connsiteY119" fmla="*/ 1546488 h 6105653"/>
+              <a:gd name="connsiteX120" fmla="*/ 4049315 w 12191999"/>
+              <a:gd name="connsiteY120" fmla="*/ 1587192 h 6105653"/>
+              <a:gd name="connsiteX121" fmla="*/ 4106465 w 12191999"/>
+              <a:gd name="connsiteY121" fmla="*/ 1558118 h 6105653"/>
+              <a:gd name="connsiteX122" fmla="*/ 4281487 w 12191999"/>
+              <a:gd name="connsiteY122" fmla="*/ 1223760 h 6105653"/>
+              <a:gd name="connsiteX123" fmla="*/ 4417219 w 12191999"/>
+              <a:gd name="connsiteY123" fmla="*/ 1197593 h 6105653"/>
+              <a:gd name="connsiteX124" fmla="*/ 4438649 w 12191999"/>
+              <a:gd name="connsiteY124" fmla="*/ 1261557 h 6105653"/>
+              <a:gd name="connsiteX125" fmla="*/ 4427935 w 12191999"/>
+              <a:gd name="connsiteY125" fmla="*/ 1334243 h 6105653"/>
+              <a:gd name="connsiteX126" fmla="*/ 4535090 w 12191999"/>
+              <a:gd name="connsiteY126" fmla="*/ 1276094 h 6105653"/>
+              <a:gd name="connsiteX127" fmla="*/ 4642246 w 12191999"/>
+              <a:gd name="connsiteY127" fmla="*/ 1040590 h 6105653"/>
+              <a:gd name="connsiteX128" fmla="*/ 4699396 w 12191999"/>
+              <a:gd name="connsiteY128" fmla="*/ 996979 h 6105653"/>
+              <a:gd name="connsiteX129" fmla="*/ 4727971 w 12191999"/>
+              <a:gd name="connsiteY129" fmla="*/ 1055128 h 6105653"/>
+              <a:gd name="connsiteX130" fmla="*/ 4738688 w 12191999"/>
+              <a:gd name="connsiteY130" fmla="*/ 1098740 h 6105653"/>
+              <a:gd name="connsiteX131" fmla="*/ 5185172 w 12191999"/>
+              <a:gd name="connsiteY131" fmla="*/ 197429 h 6105653"/>
+              <a:gd name="connsiteX132" fmla="*/ 5188744 w 12191999"/>
+              <a:gd name="connsiteY132" fmla="*/ 400950 h 6105653"/>
+              <a:gd name="connsiteX133" fmla="*/ 5117306 w 12191999"/>
+              <a:gd name="connsiteY133" fmla="*/ 601565 h 6105653"/>
+              <a:gd name="connsiteX134" fmla="*/ 5128021 w 12191999"/>
+              <a:gd name="connsiteY134" fmla="*/ 813809 h 6105653"/>
+              <a:gd name="connsiteX135" fmla="*/ 5092302 w 12191999"/>
+              <a:gd name="connsiteY135" fmla="*/ 1014423 h 6105653"/>
+              <a:gd name="connsiteX136" fmla="*/ 5092302 w 12191999"/>
+              <a:gd name="connsiteY136" fmla="*/ 1188871 h 6105653"/>
+              <a:gd name="connsiteX137" fmla="*/ 5145880 w 12191999"/>
+              <a:gd name="connsiteY137" fmla="*/ 1026053 h 6105653"/>
+              <a:gd name="connsiteX138" fmla="*/ 5235177 w 12191999"/>
+              <a:gd name="connsiteY138" fmla="*/ 964997 h 6105653"/>
+              <a:gd name="connsiteX139" fmla="*/ 5317331 w 12191999"/>
+              <a:gd name="connsiteY139" fmla="*/ 985349 h 6105653"/>
+              <a:gd name="connsiteX140" fmla="*/ 5292327 w 12191999"/>
+              <a:gd name="connsiteY140" fmla="*/ 1052221 h 6105653"/>
+              <a:gd name="connsiteX141" fmla="*/ 5199458 w 12191999"/>
+              <a:gd name="connsiteY141" fmla="*/ 1130722 h 6105653"/>
+              <a:gd name="connsiteX142" fmla="*/ 5256608 w 12191999"/>
+              <a:gd name="connsiteY142" fmla="*/ 1148166 h 6105653"/>
+              <a:gd name="connsiteX143" fmla="*/ 5299471 w 12191999"/>
+              <a:gd name="connsiteY143" fmla="*/ 1194686 h 6105653"/>
+              <a:gd name="connsiteX144" fmla="*/ 5278039 w 12191999"/>
+              <a:gd name="connsiteY144" fmla="*/ 1462171 h 6105653"/>
+              <a:gd name="connsiteX145" fmla="*/ 5460205 w 12191999"/>
+              <a:gd name="connsiteY145" fmla="*/ 1284817 h 6105653"/>
+              <a:gd name="connsiteX146" fmla="*/ 5488780 w 12191999"/>
+              <a:gd name="connsiteY146" fmla="*/ 1171426 h 6105653"/>
+              <a:gd name="connsiteX147" fmla="*/ 5539513 w 12191999"/>
+              <a:gd name="connsiteY147" fmla="*/ 1140353 h 6105653"/>
+              <a:gd name="connsiteX148" fmla="*/ 5552720 w 12191999"/>
+              <a:gd name="connsiteY148" fmla="*/ 1143022 h 6105653"/>
+              <a:gd name="connsiteX149" fmla="*/ 5574208 w 12191999"/>
+              <a:gd name="connsiteY149" fmla="*/ 1115811 h 6105653"/>
+              <a:gd name="connsiteX150" fmla="*/ 5734050 w 12191999"/>
+              <a:gd name="connsiteY150" fmla="*/ 1075470 h 6105653"/>
+              <a:gd name="connsiteX151" fmla="*/ 5798343 w 12191999"/>
+              <a:gd name="connsiteY151" fmla="*/ 1020228 h 6105653"/>
+              <a:gd name="connsiteX152" fmla="*/ 5884068 w 12191999"/>
+              <a:gd name="connsiteY152" fmla="*/ 883578 h 6105653"/>
+              <a:gd name="connsiteX153" fmla="*/ 6066234 w 12191999"/>
+              <a:gd name="connsiteY153" fmla="*/ 645166 h 6105653"/>
+              <a:gd name="connsiteX154" fmla="*/ 6109096 w 12191999"/>
+              <a:gd name="connsiteY154" fmla="*/ 732391 h 6105653"/>
+              <a:gd name="connsiteX155" fmla="*/ 5998368 w 12191999"/>
+              <a:gd name="connsiteY155" fmla="*/ 985338 h 6105653"/>
+              <a:gd name="connsiteX156" fmla="*/ 5969793 w 12191999"/>
+              <a:gd name="connsiteY156" fmla="*/ 1168509 h 6105653"/>
+              <a:gd name="connsiteX157" fmla="*/ 6162674 w 12191999"/>
+              <a:gd name="connsiteY157" fmla="*/ 909745 h 6105653"/>
+              <a:gd name="connsiteX158" fmla="*/ 6412705 w 12191999"/>
+              <a:gd name="connsiteY158" fmla="*/ 659704 h 6105653"/>
+              <a:gd name="connsiteX159" fmla="*/ 6366271 w 12191999"/>
+              <a:gd name="connsiteY159" fmla="*/ 851596 h 6105653"/>
+              <a:gd name="connsiteX160" fmla="*/ 6398418 w 12191999"/>
+              <a:gd name="connsiteY160" fmla="*/ 860319 h 6105653"/>
+              <a:gd name="connsiteX161" fmla="*/ 6694884 w 12191999"/>
+              <a:gd name="connsiteY161" fmla="*/ 691686 h 6105653"/>
+              <a:gd name="connsiteX162" fmla="*/ 6816327 w 12191999"/>
+              <a:gd name="connsiteY162" fmla="*/ 610277 h 6105653"/>
+              <a:gd name="connsiteX163" fmla="*/ 7177087 w 12191999"/>
+              <a:gd name="connsiteY163" fmla="*/ 238123 h 6105653"/>
+              <a:gd name="connsiteX164" fmla="*/ 7016353 w 12191999"/>
+              <a:gd name="connsiteY164" fmla="*/ 592833 h 6105653"/>
+              <a:gd name="connsiteX165" fmla="*/ 7366396 w 12191999"/>
+              <a:gd name="connsiteY165" fmla="*/ 226493 h 6105653"/>
+              <a:gd name="connsiteX166" fmla="*/ 7494984 w 12191999"/>
+              <a:gd name="connsiteY166" fmla="*/ 49138 h 6105653"/>
+              <a:gd name="connsiteX167" fmla="*/ 7538181 w 12191999"/>
+              <a:gd name="connsiteY167" fmla="*/ 484 h 6105653"/>
+            </a:gdLst>
+            <a:ahLst/>
+            <a:cxnLst>
+              <a:cxn ang="0">
+                <a:pos x="connsiteX0" y="connsiteY0"/>
+              </a:cxn>
+              <a:cxn ang="0">
+                <a:pos x="connsiteX1" y="connsiteY1"/>
+              </a:cxn>
+              <a:cxn ang="0">
+                <a:pos x="connsiteX2" y="connsiteY2"/>
+              </a:cxn>
+              <a:cxn ang="0">
+                <a:pos x="connsiteX3" y="connsiteY3"/>
+              </a:cxn>
+              <a:cxn ang="0">
+                <a:pos x="connsiteX4" y="connsiteY4"/>
+              </a:cxn>
+              <a:cxn ang="0">
+                <a:pos x="connsiteX5" y="connsiteY5"/>
+              </a:cxn>
+              <a:cxn ang="0">
+                <a:pos x="connsiteX6" y="connsiteY6"/>
+              </a:cxn>
+              <a:cxn ang="0">
+                <a:pos x="connsiteX7" y="connsiteY7"/>
+              </a:cxn>
+              <a:cxn ang="0">
+                <a:pos x="connsiteX8" y="connsiteY8"/>
+              </a:cxn>
+              <a:cxn ang="0">
+                <a:pos x="connsiteX9" y="connsiteY9"/>
+              </a:cxn>
+              <a:cxn ang="0">
+                <a:pos x="connsiteX10" y="connsiteY10"/>
+              </a:cxn>
+              <a:cxn ang="0">
+                <a:pos x="connsiteX11" y="connsiteY11"/>
+              </a:cxn>
+              <a:cxn ang="0">
+                <a:pos x="connsiteX12" y="connsiteY12"/>
+              </a:cxn>
+              <a:cxn ang="0">
+                <a:pos x="connsiteX13" y="connsiteY13"/>
+              </a:cxn>
+              <a:cxn ang="0">
+                <a:pos x="connsiteX14" y="connsiteY14"/>
+              </a:cxn>
+              <a:cxn ang="0">
+                <a:pos x="connsiteX15" y="connsiteY15"/>
+              </a:cxn>
+              <a:cxn ang="0">
+                <a:pos x="connsiteX16" y="connsiteY16"/>
+              </a:cxn>
+              <a:cxn ang="0">
+                <a:pos x="connsiteX17" y="connsiteY17"/>
+              </a:cxn>
+              <a:cxn ang="0">
+                <a:pos x="connsiteX18" y="connsiteY18"/>
+              </a:cxn>
+              <a:cxn ang="0">
+                <a:pos x="connsiteX19" y="connsiteY19"/>
+              </a:cxn>
+              <a:cxn ang="0">
+                <a:pos x="connsiteX20" y="connsiteY20"/>
+              </a:cxn>
+              <a:cxn ang="0">
+                <a:pos x="connsiteX21" y="connsiteY21"/>
+              </a:cxn>
+              <a:cxn ang="0">
+                <a:pos x="connsiteX22" y="connsiteY22"/>
+              </a:cxn>
+              <a:cxn ang="0">
+                <a:pos x="connsiteX23" y="connsiteY23"/>
+              </a:cxn>
+              <a:cxn ang="0">
+                <a:pos x="connsiteX24" y="connsiteY24"/>
+              </a:cxn>
+              <a:cxn ang="0">
+                <a:pos x="connsiteX25" y="connsiteY25"/>
+              </a:cxn>
+              <a:cxn ang="0">
+                <a:pos x="connsiteX26" y="connsiteY26"/>
+              </a:cxn>
+              <a:cxn ang="0">
+                <a:pos x="connsiteX27" y="connsiteY27"/>
+              </a:cxn>
+              <a:cxn ang="0">
+                <a:pos x="connsiteX28" y="connsiteY28"/>
+              </a:cxn>
+              <a:cxn ang="0">
+                <a:pos x="connsiteX29" y="connsiteY29"/>
+              </a:cxn>
+              <a:cxn ang="0">
+                <a:pos x="connsiteX30" y="connsiteY30"/>
+              </a:cxn>
+              <a:cxn ang="0">
+                <a:pos x="connsiteX31" y="connsiteY31"/>
+              </a:cxn>
+              <a:cxn ang="0">
+                <a:pos x="connsiteX32" y="connsiteY32"/>
+              </a:cxn>
+              <a:cxn ang="0">
+                <a:pos x="connsiteX33" y="connsiteY33"/>
+              </a:cxn>
+              <a:cxn ang="0">
+                <a:pos x="connsiteX34" y="connsiteY34"/>
+              </a:cxn>
+              <a:cxn ang="0">
+                <a:pos x="connsiteX35" y="connsiteY35"/>
+              </a:cxn>
+              <a:cxn ang="0">
+                <a:pos x="connsiteX36" y="connsiteY36"/>
+              </a:cxn>
+              <a:cxn ang="0">
+                <a:pos x="connsiteX37" y="connsiteY37"/>
+              </a:cxn>
+              <a:cxn ang="0">
+                <a:pos x="connsiteX38" y="connsiteY38"/>
+              </a:cxn>
+              <a:cxn ang="0">
+                <a:pos x="connsiteX39" y="connsiteY39"/>
+              </a:cxn>
+              <a:cxn ang="0">
+                <a:pos x="connsiteX40" y="connsiteY40"/>
+              </a:cxn>
+              <a:cxn ang="0">
+                <a:pos x="connsiteX41" y="connsiteY41"/>
+              </a:cxn>
+              <a:cxn ang="0">
+                <a:pos x="connsiteX42" y="connsiteY42"/>
+              </a:cxn>
+              <a:cxn ang="0">
+                <a:pos x="connsiteX43" y="connsiteY43"/>
+              </a:cxn>
+              <a:cxn ang="0">
+                <a:pos x="connsiteX44" y="connsiteY44"/>
+              </a:cxn>
+              <a:cxn ang="0">
+                <a:pos x="connsiteX45" y="connsiteY45"/>
+              </a:cxn>
+              <a:cxn ang="0">
+                <a:pos x="connsiteX46" y="connsiteY46"/>
+              </a:cxn>
+              <a:cxn ang="0">
+                <a:pos x="connsiteX47" y="connsiteY47"/>
+              </a:cxn>
+              <a:cxn ang="0">
+                <a:pos x="connsiteX48" y="connsiteY48"/>
+              </a:cxn>
+              <a:cxn ang="0">
+                <a:pos x="connsiteX49" y="connsiteY49"/>
+              </a:cxn>
+              <a:cxn ang="0">
+                <a:pos x="connsiteX50" y="connsiteY50"/>
+              </a:cxn>
+              <a:cxn ang="0">
+                <a:pos x="connsiteX51" y="connsiteY51"/>
+              </a:cxn>
+              <a:cxn ang="0">
+                <a:pos x="connsiteX52" y="connsiteY52"/>
+              </a:cxn>
+              <a:cxn ang="0">
+                <a:pos x="connsiteX53" y="connsiteY53"/>
+              </a:cxn>
+              <a:cxn ang="0">
+                <a:pos x="connsiteX54" y="connsiteY54"/>
+              </a:cxn>
+              <a:cxn ang="0">
+                <a:pos x="connsiteX55" y="connsiteY55"/>
+              </a:cxn>
+              <a:cxn ang="0">
+                <a:pos x="connsiteX56" y="connsiteY56"/>
+              </a:cxn>
+              <a:cxn ang="0">
+                <a:pos x="connsiteX57" y="connsiteY57"/>
+              </a:cxn>
+              <a:cxn ang="0">
+                <a:pos x="connsiteX58" y="connsiteY58"/>
+              </a:cxn>
+              <a:cxn ang="0">
+                <a:pos x="connsiteX59" y="connsiteY59"/>
+              </a:cxn>
+              <a:cxn ang="0">
+                <a:pos x="connsiteX60" y="connsiteY60"/>
+              </a:cxn>
+              <a:cxn ang="0">
+                <a:pos x="connsiteX61" y="connsiteY61"/>
+              </a:cxn>
+              <a:cxn ang="0">
+                <a:pos x="connsiteX62" y="connsiteY62"/>
+              </a:cxn>
+              <a:cxn ang="0">
+                <a:pos x="connsiteX63" y="connsiteY63"/>
+              </a:cxn>
+              <a:cxn ang="0">
+                <a:pos x="connsiteX64" y="connsiteY64"/>
+              </a:cxn>
+              <a:cxn ang="0">
+                <a:pos x="connsiteX65" y="connsiteY65"/>
+              </a:cxn>
+              <a:cxn ang="0">
+                <a:pos x="connsiteX66" y="connsiteY66"/>
+              </a:cxn>
+              <a:cxn ang="0">
+                <a:pos x="connsiteX67" y="connsiteY67"/>
+              </a:cxn>
+              <a:cxn ang="0">
+                <a:pos x="connsiteX68" y="connsiteY68"/>
+              </a:cxn>
+              <a:cxn ang="0">
+                <a:pos x="connsiteX69" y="connsiteY69"/>
+              </a:cxn>
+              <a:cxn ang="0">
+                <a:pos x="connsiteX70" y="connsiteY70"/>
+              </a:cxn>
+              <a:cxn ang="0">
+                <a:pos x="connsiteX71" y="connsiteY71"/>
+              </a:cxn>
+              <a:cxn ang="0">
+                <a:pos x="connsiteX72" y="connsiteY72"/>
+              </a:cxn>
+              <a:cxn ang="0">
+                <a:pos x="connsiteX73" y="connsiteY73"/>
+              </a:cxn>
+              <a:cxn ang="0">
+                <a:pos x="connsiteX74" y="connsiteY74"/>
+              </a:cxn>
+              <a:cxn ang="0">
+                <a:pos x="connsiteX75" y="connsiteY75"/>
+              </a:cxn>
+              <a:cxn ang="0">
+                <a:pos x="connsiteX76" y="connsiteY76"/>
+              </a:cxn>
+              <a:cxn ang="0">
+                <a:pos x="connsiteX77" y="connsiteY77"/>
+              </a:cxn>
+              <a:cxn ang="0">
+                <a:pos x="connsiteX78" y="connsiteY78"/>
+              </a:cxn>
+              <a:cxn ang="0">
+                <a:pos x="connsiteX79" y="connsiteY79"/>
+              </a:cxn>
+              <a:cxn ang="0">
+                <a:pos x="connsiteX80" y="connsiteY80"/>
+              </a:cxn>
+              <a:cxn ang="0">
+                <a:pos x="connsiteX81" y="connsiteY81"/>
+              </a:cxn>
+              <a:cxn ang="0">
+                <a:pos x="connsiteX82" y="connsiteY82"/>
+              </a:cxn>
+              <a:cxn ang="0">
+                <a:pos x="connsiteX83" y="connsiteY83"/>
+              </a:cxn>
+              <a:cxn ang="0">
+                <a:pos x="connsiteX84" y="connsiteY84"/>
+              </a:cxn>
+              <a:cxn ang="0">
+                <a:pos x="connsiteX85" y="connsiteY85"/>
+              </a:cxn>
+              <a:cxn ang="0">
+                <a:pos x="connsiteX86" y="connsiteY86"/>
+              </a:cxn>
+              <a:cxn ang="0">
+                <a:pos x="connsiteX87" y="connsiteY87"/>
+              </a:cxn>
+              <a:cxn ang="0">
+                <a:pos x="connsiteX88" y="connsiteY88"/>
+              </a:cxn>
+              <a:cxn ang="0">
+                <a:pos x="connsiteX89" y="connsiteY89"/>
+              </a:cxn>
+              <a:cxn ang="0">
+                <a:pos x="connsiteX90" y="connsiteY90"/>
+              </a:cxn>
+              <a:cxn ang="0">
+                <a:pos x="connsiteX91" y="connsiteY91"/>
+              </a:cxn>
+              <a:cxn ang="0">
+                <a:pos x="connsiteX92" y="connsiteY92"/>
+              </a:cxn>
+              <a:cxn ang="0">
+                <a:pos x="connsiteX93" y="connsiteY93"/>
+              </a:cxn>
+              <a:cxn ang="0">
+                <a:pos x="connsiteX94" y="connsiteY94"/>
+              </a:cxn>
+              <a:cxn ang="0">
+                <a:pos x="connsiteX95" y="connsiteY95"/>
+              </a:cxn>
+              <a:cxn ang="0">
+                <a:pos x="connsiteX96" y="connsiteY96"/>
+              </a:cxn>
+              <a:cxn ang="0">
+                <a:pos x="connsiteX97" y="connsiteY97"/>
+              </a:cxn>
+              <a:cxn ang="0">
+                <a:pos x="connsiteX98" y="connsiteY98"/>
+              </a:cxn>
+              <a:cxn ang="0">
+                <a:pos x="connsiteX99" y="connsiteY99"/>
+              </a:cxn>
+              <a:cxn ang="0">
+                <a:pos x="connsiteX100" y="connsiteY100"/>
+              </a:cxn>
+              <a:cxn ang="0">
+                <a:pos x="connsiteX101" y="connsiteY101"/>
+              </a:cxn>
+              <a:cxn ang="0">
+                <a:pos x="connsiteX102" y="connsiteY102"/>
+              </a:cxn>
+              <a:cxn ang="0">
+                <a:pos x="connsiteX103" y="connsiteY103"/>
+              </a:cxn>
+              <a:cxn ang="0">
+                <a:pos x="connsiteX104" y="connsiteY104"/>
+              </a:cxn>
+              <a:cxn ang="0">
+                <a:pos x="connsiteX105" y="connsiteY105"/>
+              </a:cxn>
+              <a:cxn ang="0">
+                <a:pos x="connsiteX106" y="connsiteY106"/>
+              </a:cxn>
+              <a:cxn ang="0">
+                <a:pos x="connsiteX107" y="connsiteY107"/>
+              </a:cxn>
+              <a:cxn ang="0">
+                <a:pos x="connsiteX108" y="connsiteY108"/>
+              </a:cxn>
+              <a:cxn ang="0">
+                <a:pos x="connsiteX109" y="connsiteY109"/>
+              </a:cxn>
+              <a:cxn ang="0">
+                <a:pos x="connsiteX110" y="connsiteY110"/>
+              </a:cxn>
+              <a:cxn ang="0">
+                <a:pos x="connsiteX111" y="connsiteY111"/>
+              </a:cxn>
+              <a:cxn ang="0">
+                <a:pos x="connsiteX112" y="connsiteY112"/>
+              </a:cxn>
+              <a:cxn ang="0">
+                <a:pos x="connsiteX113" y="connsiteY113"/>
+              </a:cxn>
+              <a:cxn ang="0">
+                <a:pos x="connsiteX114" y="connsiteY114"/>
+              </a:cxn>
+              <a:cxn ang="0">
+                <a:pos x="connsiteX115" y="connsiteY115"/>
+              </a:cxn>
+              <a:cxn ang="0">
+                <a:pos x="connsiteX116" y="connsiteY116"/>
+              </a:cxn>
+              <a:cxn ang="0">
+                <a:pos x="connsiteX117" y="connsiteY117"/>
+              </a:cxn>
+              <a:cxn ang="0">
+                <a:pos x="connsiteX118" y="connsiteY118"/>
+              </a:cxn>
+              <a:cxn ang="0">
+                <a:pos x="connsiteX119" y="connsiteY119"/>
+              </a:cxn>
+              <a:cxn ang="0">
+                <a:pos x="connsiteX120" y="connsiteY120"/>
+              </a:cxn>
+              <a:cxn ang="0">
+                <a:pos x="connsiteX121" y="connsiteY121"/>
+              </a:cxn>
+              <a:cxn ang="0">
+                <a:pos x="connsiteX122" y="connsiteY122"/>
+              </a:cxn>
+              <a:cxn ang="0">
+                <a:pos x="connsiteX123" y="connsiteY123"/>
+              </a:cxn>
+              <a:cxn ang="0">
+                <a:pos x="connsiteX124" y="connsiteY124"/>
+              </a:cxn>
+              <a:cxn ang="0">
+                <a:pos x="connsiteX125" y="connsiteY125"/>
+              </a:cxn>
+              <a:cxn ang="0">
+                <a:pos x="connsiteX126" y="connsiteY126"/>
+              </a:cxn>
+              <a:cxn ang="0">
+                <a:pos x="connsiteX127" y="connsiteY127"/>
+              </a:cxn>
+              <a:cxn ang="0">
+                <a:pos x="connsiteX128" y="connsiteY128"/>
+              </a:cxn>
+              <a:cxn ang="0">
+                <a:pos x="connsiteX129" y="connsiteY129"/>
+              </a:cxn>
+              <a:cxn ang="0">
+                <a:pos x="connsiteX130" y="connsiteY130"/>
+              </a:cxn>
+              <a:cxn ang="0">
+                <a:pos x="connsiteX131" y="connsiteY131"/>
+              </a:cxn>
+              <a:cxn ang="0">
+                <a:pos x="connsiteX132" y="connsiteY132"/>
+              </a:cxn>
+              <a:cxn ang="0">
+                <a:pos x="connsiteX133" y="connsiteY133"/>
+              </a:cxn>
+              <a:cxn ang="0">
+                <a:pos x="connsiteX134" y="connsiteY134"/>
+              </a:cxn>
+              <a:cxn ang="0">
+                <a:pos x="connsiteX135" y="connsiteY135"/>
+              </a:cxn>
+              <a:cxn ang="0">
+                <a:pos x="connsiteX136" y="connsiteY136"/>
+              </a:cxn>
+              <a:cxn ang="0">
+                <a:pos x="connsiteX137" y="connsiteY137"/>
+              </a:cxn>
+              <a:cxn ang="0">
+                <a:pos x="connsiteX138" y="connsiteY138"/>
+              </a:cxn>
+              <a:cxn ang="0">
+                <a:pos x="connsiteX139" y="connsiteY139"/>
+              </a:cxn>
+              <a:cxn ang="0">
+                <a:pos x="connsiteX140" y="connsiteY140"/>
+              </a:cxn>
+              <a:cxn ang="0">
+                <a:pos x="connsiteX141" y="connsiteY141"/>
+              </a:cxn>
+              <a:cxn ang="0">
+                <a:pos x="connsiteX142" y="connsiteY142"/>
+              </a:cxn>
+              <a:cxn ang="0">
+                <a:pos x="connsiteX143" y="connsiteY143"/>
+              </a:cxn>
+              <a:cxn ang="0">
+                <a:pos x="connsiteX144" y="connsiteY144"/>
+              </a:cxn>
+              <a:cxn ang="0">
+                <a:pos x="connsiteX145" y="connsiteY145"/>
+              </a:cxn>
+              <a:cxn ang="0">
+                <a:pos x="connsiteX146" y="connsiteY146"/>
+              </a:cxn>
+              <a:cxn ang="0">
+                <a:pos x="connsiteX147" y="connsiteY147"/>
+              </a:cxn>
+              <a:cxn ang="0">
+                <a:pos x="connsiteX148" y="connsiteY148"/>
+              </a:cxn>
+              <a:cxn ang="0">
+                <a:pos x="connsiteX149" y="connsiteY149"/>
+              </a:cxn>
+              <a:cxn ang="0">
+                <a:pos x="connsiteX150" y="connsiteY150"/>
+              </a:cxn>
+              <a:cxn ang="0">
+                <a:pos x="connsiteX151" y="connsiteY151"/>
+              </a:cxn>
+              <a:cxn ang="0">
+                <a:pos x="connsiteX152" y="connsiteY152"/>
+              </a:cxn>
+              <a:cxn ang="0">
+                <a:pos x="connsiteX153" y="connsiteY153"/>
+              </a:cxn>
+              <a:cxn ang="0">
+                <a:pos x="connsiteX154" y="connsiteY154"/>
+              </a:cxn>
+              <a:cxn ang="0">
+                <a:pos x="connsiteX155" y="connsiteY155"/>
+              </a:cxn>
+              <a:cxn ang="0">
+                <a:pos x="connsiteX156" y="connsiteY156"/>
+              </a:cxn>
+              <a:cxn ang="0">
+                <a:pos x="connsiteX157" y="connsiteY157"/>
+              </a:cxn>
+              <a:cxn ang="0">
+                <a:pos x="connsiteX158" y="connsiteY158"/>
+              </a:cxn>
+              <a:cxn ang="0">
+                <a:pos x="connsiteX159" y="connsiteY159"/>
+              </a:cxn>
+              <a:cxn ang="0">
+                <a:pos x="connsiteX160" y="connsiteY160"/>
+              </a:cxn>
+              <a:cxn ang="0">
+                <a:pos x="connsiteX161" y="connsiteY161"/>
+              </a:cxn>
+              <a:cxn ang="0">
+                <a:pos x="connsiteX162" y="connsiteY162"/>
+              </a:cxn>
+              <a:cxn ang="0">
+                <a:pos x="connsiteX163" y="connsiteY163"/>
+              </a:cxn>
+              <a:cxn ang="0">
+                <a:pos x="connsiteX164" y="connsiteY164"/>
+              </a:cxn>
+              <a:cxn ang="0">
+                <a:pos x="connsiteX165" y="connsiteY165"/>
+              </a:cxn>
+              <a:cxn ang="0">
+                <a:pos x="connsiteX166" y="connsiteY166"/>
+              </a:cxn>
+              <a:cxn ang="0">
+                <a:pos x="connsiteX167" y="connsiteY167"/>
+              </a:cxn>
+            </a:cxnLst>
+            <a:rect l="l" t="t" r="r" b="b"/>
+            <a:pathLst>
+              <a:path w="12191999" h="6105653">
+                <a:moveTo>
+                  <a:pt x="7538181" y="484"/>
+                </a:moveTo>
+                <a:cubicBezTo>
+                  <a:pt x="7546999" y="-833"/>
+                  <a:pt x="7557492" y="439"/>
+                  <a:pt x="7569993" y="5527"/>
+                </a:cubicBezTo>
+                <a:cubicBezTo>
+                  <a:pt x="7612855" y="22971"/>
+                  <a:pt x="7598567" y="54953"/>
+                  <a:pt x="7587853" y="84028"/>
+                </a:cubicBezTo>
+                <a:cubicBezTo>
+                  <a:pt x="7559278" y="153806"/>
+                  <a:pt x="7559278" y="229401"/>
+                  <a:pt x="7559278" y="325347"/>
+                </a:cubicBezTo>
+                <a:cubicBezTo>
+                  <a:pt x="7695009" y="243938"/>
+                  <a:pt x="7652146" y="95658"/>
+                  <a:pt x="7795021" y="25878"/>
+                </a:cubicBezTo>
+                <a:cubicBezTo>
+                  <a:pt x="7820024" y="113102"/>
+                  <a:pt x="7770018" y="179974"/>
+                  <a:pt x="7759302" y="249752"/>
+                </a:cubicBezTo>
+                <a:cubicBezTo>
+                  <a:pt x="7748587" y="313717"/>
+                  <a:pt x="7773590" y="328254"/>
+                  <a:pt x="7852171" y="313717"/>
+                </a:cubicBezTo>
+                <a:cubicBezTo>
+                  <a:pt x="7973615" y="290457"/>
+                  <a:pt x="8034337" y="325347"/>
+                  <a:pt x="8002190" y="418385"/>
+                </a:cubicBezTo>
+                <a:cubicBezTo>
+                  <a:pt x="7970043" y="505609"/>
+                  <a:pt x="8016478" y="514331"/>
+                  <a:pt x="8084343" y="491072"/>
+                </a:cubicBezTo>
+                <a:cubicBezTo>
+                  <a:pt x="8184355" y="456182"/>
+                  <a:pt x="8262937" y="493979"/>
+                  <a:pt x="8348662" y="520146"/>
+                </a:cubicBezTo>
+                <a:cubicBezTo>
+                  <a:pt x="8477249" y="560851"/>
+                  <a:pt x="8541543" y="543406"/>
+                  <a:pt x="8637984" y="459090"/>
+                </a:cubicBezTo>
+                <a:cubicBezTo>
+                  <a:pt x="8691561" y="409663"/>
+                  <a:pt x="8737996" y="360236"/>
+                  <a:pt x="8784431" y="290457"/>
+                </a:cubicBezTo>
+                <a:cubicBezTo>
+                  <a:pt x="8809434" y="450367"/>
+                  <a:pt x="8895158" y="284642"/>
+                  <a:pt x="8948737" y="339884"/>
+                </a:cubicBezTo>
+                <a:cubicBezTo>
+                  <a:pt x="8970168" y="453274"/>
+                  <a:pt x="8798717" y="543406"/>
+                  <a:pt x="8848725" y="697501"/>
+                </a:cubicBezTo>
+                <a:cubicBezTo>
+                  <a:pt x="8995171" y="511424"/>
+                  <a:pt x="9041606" y="302087"/>
+                  <a:pt x="9238059" y="165437"/>
+                </a:cubicBezTo>
+                <a:cubicBezTo>
+                  <a:pt x="9280921" y="197419"/>
+                  <a:pt x="9238059" y="229401"/>
+                  <a:pt x="9255919" y="255567"/>
+                </a:cubicBezTo>
+                <a:cubicBezTo>
+                  <a:pt x="9266634" y="255567"/>
+                  <a:pt x="9198767" y="560851"/>
+                  <a:pt x="9477374" y="578295"/>
+                </a:cubicBezTo>
+                <a:cubicBezTo>
+                  <a:pt x="9477374" y="584110"/>
+                  <a:pt x="9477374" y="589925"/>
+                  <a:pt x="9488091" y="595740"/>
+                </a:cubicBezTo>
+                <a:cubicBezTo>
+                  <a:pt x="9527380" y="627722"/>
+                  <a:pt x="9620249" y="598648"/>
+                  <a:pt x="9627393" y="650981"/>
+                </a:cubicBezTo>
+                <a:cubicBezTo>
+                  <a:pt x="9634537" y="709131"/>
+                  <a:pt x="9666684" y="764373"/>
+                  <a:pt x="9648824" y="825429"/>
+                </a:cubicBezTo>
+                <a:cubicBezTo>
+                  <a:pt x="9634537" y="871948"/>
+                  <a:pt x="9616678" y="921374"/>
+                  <a:pt x="9616678" y="970802"/>
+                </a:cubicBezTo>
+                <a:cubicBezTo>
+                  <a:pt x="9616678" y="1023136"/>
+                  <a:pt x="9495233" y="1095822"/>
+                  <a:pt x="9655968" y="1127805"/>
+                </a:cubicBezTo>
+                <a:cubicBezTo>
+                  <a:pt x="9663111" y="1127805"/>
+                  <a:pt x="9645252" y="1217935"/>
+                  <a:pt x="9638109" y="1267362"/>
+                </a:cubicBezTo>
+                <a:cubicBezTo>
+                  <a:pt x="9630965" y="1308066"/>
+                  <a:pt x="9598818" y="1357494"/>
+                  <a:pt x="9663111" y="1386568"/>
+                </a:cubicBezTo>
+                <a:cubicBezTo>
+                  <a:pt x="9702403" y="1401105"/>
+                  <a:pt x="9773840" y="1331326"/>
+                  <a:pt x="9780984" y="1270269"/>
+                </a:cubicBezTo>
+                <a:cubicBezTo>
+                  <a:pt x="9788127" y="1215028"/>
+                  <a:pt x="9795271" y="1159787"/>
+                  <a:pt x="9780984" y="1107452"/>
+                </a:cubicBezTo>
+                <a:cubicBezTo>
+                  <a:pt x="9763125" y="1043488"/>
+                  <a:pt x="9791699" y="1008598"/>
+                  <a:pt x="9855993" y="991154"/>
+                </a:cubicBezTo>
+                <a:cubicBezTo>
+                  <a:pt x="9923858" y="970802"/>
+                  <a:pt x="9959577" y="933005"/>
+                  <a:pt x="9991724" y="880670"/>
+                </a:cubicBezTo>
+                <a:cubicBezTo>
+                  <a:pt x="10070305" y="752742"/>
+                  <a:pt x="10163174" y="630630"/>
+                  <a:pt x="10209609" y="491071"/>
+                </a:cubicBezTo>
+                <a:cubicBezTo>
+                  <a:pt x="10216753" y="464905"/>
+                  <a:pt x="10231040" y="432923"/>
+                  <a:pt x="10291762" y="421292"/>
+                </a:cubicBezTo>
+                <a:cubicBezTo>
+                  <a:pt x="10198893" y="799262"/>
+                  <a:pt x="9959577" y="1142341"/>
+                  <a:pt x="9973865" y="1531941"/>
+                </a:cubicBezTo>
+                <a:cubicBezTo>
+                  <a:pt x="10048874" y="1427272"/>
+                  <a:pt x="10052446" y="1302252"/>
+                  <a:pt x="10106024" y="1188861"/>
+                </a:cubicBezTo>
+                <a:cubicBezTo>
+                  <a:pt x="10145315" y="1270269"/>
+                  <a:pt x="10102453" y="1345863"/>
+                  <a:pt x="10081022" y="1421458"/>
+                </a:cubicBezTo>
+                <a:cubicBezTo>
+                  <a:pt x="10063162" y="1485421"/>
+                  <a:pt x="10059590" y="1543570"/>
+                  <a:pt x="10170318" y="1549385"/>
+                </a:cubicBezTo>
+                <a:cubicBezTo>
+                  <a:pt x="10181034" y="1549385"/>
+                  <a:pt x="10188178" y="1549385"/>
+                  <a:pt x="10198893" y="1549385"/>
+                </a:cubicBezTo>
+                <a:cubicBezTo>
+                  <a:pt x="10245327" y="1526126"/>
+                  <a:pt x="10266759" y="1494144"/>
+                  <a:pt x="10281046" y="1453439"/>
+                </a:cubicBezTo>
+                <a:cubicBezTo>
+                  <a:pt x="10288190" y="1430180"/>
+                  <a:pt x="10302477" y="1398198"/>
+                  <a:pt x="10334625" y="1398198"/>
+                </a:cubicBezTo>
+                <a:cubicBezTo>
+                  <a:pt x="10456068" y="1401105"/>
+                  <a:pt x="10491787" y="1322604"/>
+                  <a:pt x="10527506" y="1247010"/>
+                </a:cubicBezTo>
+                <a:cubicBezTo>
+                  <a:pt x="10588228" y="1287714"/>
+                  <a:pt x="10545365" y="1322604"/>
+                  <a:pt x="10548937" y="1354586"/>
+                </a:cubicBezTo>
+                <a:cubicBezTo>
+                  <a:pt x="10552509" y="1374938"/>
+                  <a:pt x="10556080" y="1395290"/>
+                  <a:pt x="10588228" y="1395290"/>
+                </a:cubicBezTo>
+                <a:cubicBezTo>
+                  <a:pt x="10613230" y="1395290"/>
+                  <a:pt x="10645378" y="1386568"/>
+                  <a:pt x="10645378" y="1366216"/>
+                </a:cubicBezTo>
+                <a:cubicBezTo>
+                  <a:pt x="10648949" y="1238288"/>
+                  <a:pt x="10820400" y="1165601"/>
+                  <a:pt x="10820400" y="1031858"/>
+                </a:cubicBezTo>
+                <a:cubicBezTo>
+                  <a:pt x="10820400" y="950449"/>
+                  <a:pt x="10916840" y="1072563"/>
+                  <a:pt x="10956131" y="1005691"/>
+                </a:cubicBezTo>
+                <a:cubicBezTo>
+                  <a:pt x="10966847" y="991154"/>
+                  <a:pt x="10981133" y="1046395"/>
+                  <a:pt x="10977562" y="1069655"/>
+                </a:cubicBezTo>
+                <a:cubicBezTo>
+                  <a:pt x="10973991" y="1092915"/>
+                  <a:pt x="10948987" y="1113267"/>
+                  <a:pt x="10966847" y="1142341"/>
+                </a:cubicBezTo>
+                <a:cubicBezTo>
+                  <a:pt x="11031140" y="1156879"/>
+                  <a:pt x="11056143" y="1119081"/>
+                  <a:pt x="11074003" y="1084192"/>
+                </a:cubicBezTo>
+                <a:cubicBezTo>
+                  <a:pt x="11116865" y="1008598"/>
+                  <a:pt x="11166871" y="933005"/>
+                  <a:pt x="11181159" y="848688"/>
+                </a:cubicBezTo>
+                <a:cubicBezTo>
+                  <a:pt x="11184730" y="819614"/>
+                  <a:pt x="11202590" y="802169"/>
+                  <a:pt x="11238309" y="805077"/>
+                </a:cubicBezTo>
+                <a:cubicBezTo>
+                  <a:pt x="11284744" y="810891"/>
+                  <a:pt x="11270456" y="839966"/>
+                  <a:pt x="11266884" y="863226"/>
+                </a:cubicBezTo>
+                <a:cubicBezTo>
+                  <a:pt x="11263312" y="877763"/>
+                  <a:pt x="11252596" y="892300"/>
+                  <a:pt x="11277600" y="906838"/>
+                </a:cubicBezTo>
+                <a:cubicBezTo>
+                  <a:pt x="11531203" y="566666"/>
+                  <a:pt x="11516915" y="386403"/>
+                  <a:pt x="11724084" y="5527"/>
+                </a:cubicBezTo>
+                <a:cubicBezTo>
+                  <a:pt x="11763375" y="89842"/>
+                  <a:pt x="11734800" y="150899"/>
+                  <a:pt x="11727656" y="209048"/>
+                </a:cubicBezTo>
+                <a:cubicBezTo>
+                  <a:pt x="11709796" y="354421"/>
+                  <a:pt x="11677649" y="264290"/>
+                  <a:pt x="11656218" y="409663"/>
+                </a:cubicBezTo>
+                <a:cubicBezTo>
+                  <a:pt x="11645503" y="479442"/>
+                  <a:pt x="11609784" y="543406"/>
+                  <a:pt x="11666934" y="621907"/>
+                </a:cubicBezTo>
+                <a:cubicBezTo>
+                  <a:pt x="11706225" y="674241"/>
+                  <a:pt x="11663362" y="758557"/>
+                  <a:pt x="11631215" y="822521"/>
+                </a:cubicBezTo>
+                <a:cubicBezTo>
+                  <a:pt x="11602640" y="874856"/>
+                  <a:pt x="11595497" y="927190"/>
+                  <a:pt x="11631215" y="996969"/>
+                </a:cubicBezTo>
+                <a:cubicBezTo>
+                  <a:pt x="11652646" y="933005"/>
+                  <a:pt x="11670505" y="883578"/>
+                  <a:pt x="11684793" y="834151"/>
+                </a:cubicBezTo>
+                <a:cubicBezTo>
+                  <a:pt x="11695509" y="793447"/>
+                  <a:pt x="11720512" y="770187"/>
+                  <a:pt x="11774090" y="773095"/>
+                </a:cubicBezTo>
+                <a:cubicBezTo>
+                  <a:pt x="11802665" y="773095"/>
+                  <a:pt x="11841956" y="764373"/>
+                  <a:pt x="11856243" y="793447"/>
+                </a:cubicBezTo>
+                <a:cubicBezTo>
+                  <a:pt x="11870531" y="816706"/>
+                  <a:pt x="11856243" y="848688"/>
+                  <a:pt x="11831240" y="860319"/>
+                </a:cubicBezTo>
+                <a:cubicBezTo>
+                  <a:pt x="11784806" y="874856"/>
+                  <a:pt x="11741944" y="889393"/>
+                  <a:pt x="11738371" y="938820"/>
+                </a:cubicBezTo>
+                <a:cubicBezTo>
+                  <a:pt x="11731228" y="1005691"/>
+                  <a:pt x="11759802" y="967894"/>
+                  <a:pt x="11795521" y="956264"/>
+                </a:cubicBezTo>
+                <a:cubicBezTo>
+                  <a:pt x="11834812" y="944634"/>
+                  <a:pt x="11845527" y="979524"/>
+                  <a:pt x="11838384" y="1002784"/>
+                </a:cubicBezTo>
+                <a:cubicBezTo>
+                  <a:pt x="11806237" y="1090007"/>
+                  <a:pt x="11863387" y="1180138"/>
+                  <a:pt x="11816952" y="1270269"/>
+                </a:cubicBezTo>
+                <a:cubicBezTo>
+                  <a:pt x="11931252" y="1247010"/>
+                  <a:pt x="11981259" y="1197583"/>
+                  <a:pt x="11999118" y="1092915"/>
+                </a:cubicBezTo>
+                <a:cubicBezTo>
+                  <a:pt x="12002690" y="1055118"/>
+                  <a:pt x="11995547" y="1014413"/>
+                  <a:pt x="12027693" y="979524"/>
+                </a:cubicBezTo>
+                <a:cubicBezTo>
+                  <a:pt x="12045553" y="959172"/>
+                  <a:pt x="12066984" y="938820"/>
+                  <a:pt x="12102703" y="953357"/>
+                </a:cubicBezTo>
+                <a:cubicBezTo>
+                  <a:pt x="12127705" y="962080"/>
+                  <a:pt x="12127705" y="985338"/>
+                  <a:pt x="12120562" y="1005691"/>
+                </a:cubicBezTo>
+                <a:cubicBezTo>
+                  <a:pt x="12081272" y="1090007"/>
+                  <a:pt x="12070555" y="1180138"/>
+                  <a:pt x="12056268" y="1267362"/>
+                </a:cubicBezTo>
+                <a:cubicBezTo>
+                  <a:pt x="12052697" y="1281899"/>
+                  <a:pt x="12045553" y="1296437"/>
+                  <a:pt x="12081272" y="1310974"/>
+                </a:cubicBezTo>
+                <a:cubicBezTo>
+                  <a:pt x="12113418" y="1209213"/>
+                  <a:pt x="12156280" y="1110359"/>
+                  <a:pt x="12191999" y="1008598"/>
+                </a:cubicBezTo>
+                <a:lnTo>
+                  <a:pt x="12191999" y="6105653"/>
+                </a:lnTo>
+                <a:lnTo>
+                  <a:pt x="0" y="6105653"/>
+                </a:lnTo>
+                <a:lnTo>
+                  <a:pt x="0" y="927116"/>
+                </a:lnTo>
+                <a:lnTo>
+                  <a:pt x="61930" y="902578"/>
+                </a:lnTo>
+                <a:cubicBezTo>
+                  <a:pt x="91454" y="894128"/>
+                  <a:pt x="122931" y="887949"/>
+                  <a:pt x="155971" y="883588"/>
+                </a:cubicBezTo>
+                <a:cubicBezTo>
+                  <a:pt x="223837" y="877773"/>
+                  <a:pt x="245268" y="839976"/>
+                  <a:pt x="277414" y="802179"/>
+                </a:cubicBezTo>
+                <a:cubicBezTo>
+                  <a:pt x="388143" y="674251"/>
+                  <a:pt x="488155" y="537601"/>
+                  <a:pt x="638174" y="430025"/>
+                </a:cubicBezTo>
+                <a:cubicBezTo>
+                  <a:pt x="620315" y="555046"/>
+                  <a:pt x="520302" y="653899"/>
+                  <a:pt x="477440" y="784735"/>
+                </a:cubicBezTo>
+                <a:cubicBezTo>
+                  <a:pt x="641746" y="680066"/>
+                  <a:pt x="727471" y="543415"/>
+                  <a:pt x="827483" y="418395"/>
+                </a:cubicBezTo>
+                <a:cubicBezTo>
+                  <a:pt x="873917" y="360246"/>
+                  <a:pt x="931068" y="307912"/>
+                  <a:pt x="956071" y="241040"/>
+                </a:cubicBezTo>
+                <a:cubicBezTo>
+                  <a:pt x="961429" y="223595"/>
+                  <a:pt x="972814" y="196338"/>
+                  <a:pt x="999268" y="192386"/>
+                </a:cubicBezTo>
+                <a:cubicBezTo>
+                  <a:pt x="1008086" y="191069"/>
+                  <a:pt x="1018579" y="192341"/>
+                  <a:pt x="1031080" y="197429"/>
+                </a:cubicBezTo>
+                <a:cubicBezTo>
+                  <a:pt x="1073942" y="214873"/>
+                  <a:pt x="1059654" y="246855"/>
+                  <a:pt x="1048940" y="275930"/>
+                </a:cubicBezTo>
+                <a:cubicBezTo>
+                  <a:pt x="1020365" y="345708"/>
+                  <a:pt x="1020365" y="421303"/>
+                  <a:pt x="1020365" y="517249"/>
+                </a:cubicBezTo>
+                <a:cubicBezTo>
+                  <a:pt x="1156096" y="435840"/>
+                  <a:pt x="1113233" y="287560"/>
+                  <a:pt x="1256108" y="217780"/>
+                </a:cubicBezTo>
+                <a:cubicBezTo>
+                  <a:pt x="1281111" y="305004"/>
+                  <a:pt x="1231105" y="371876"/>
+                  <a:pt x="1220389" y="441654"/>
+                </a:cubicBezTo>
+                <a:cubicBezTo>
+                  <a:pt x="1209674" y="505619"/>
+                  <a:pt x="1234677" y="520156"/>
+                  <a:pt x="1313258" y="505619"/>
+                </a:cubicBezTo>
+                <a:cubicBezTo>
+                  <a:pt x="1434702" y="482359"/>
+                  <a:pt x="1495424" y="517249"/>
+                  <a:pt x="1463277" y="610287"/>
+                </a:cubicBezTo>
+                <a:cubicBezTo>
+                  <a:pt x="1431130" y="697511"/>
+                  <a:pt x="1477565" y="706233"/>
+                  <a:pt x="1545430" y="682974"/>
+                </a:cubicBezTo>
+                <a:cubicBezTo>
+                  <a:pt x="1645442" y="648084"/>
+                  <a:pt x="1724024" y="685881"/>
+                  <a:pt x="1809749" y="712048"/>
+                </a:cubicBezTo>
+                <a:cubicBezTo>
+                  <a:pt x="1938336" y="752753"/>
+                  <a:pt x="2002630" y="735308"/>
+                  <a:pt x="2099071" y="650992"/>
+                </a:cubicBezTo>
+                <a:cubicBezTo>
+                  <a:pt x="2152648" y="601565"/>
+                  <a:pt x="2199083" y="552138"/>
+                  <a:pt x="2245518" y="482359"/>
+                </a:cubicBezTo>
+                <a:cubicBezTo>
+                  <a:pt x="2270521" y="642269"/>
+                  <a:pt x="2356245" y="476544"/>
+                  <a:pt x="2409824" y="531786"/>
+                </a:cubicBezTo>
+                <a:cubicBezTo>
+                  <a:pt x="2431255" y="645176"/>
+                  <a:pt x="2259804" y="735308"/>
+                  <a:pt x="2309812" y="889403"/>
+                </a:cubicBezTo>
+                <a:cubicBezTo>
+                  <a:pt x="2456258" y="703326"/>
+                  <a:pt x="2502693" y="493989"/>
+                  <a:pt x="2699146" y="357339"/>
+                </a:cubicBezTo>
+                <a:cubicBezTo>
+                  <a:pt x="2742008" y="389321"/>
+                  <a:pt x="2699146" y="421303"/>
+                  <a:pt x="2717006" y="447469"/>
+                </a:cubicBezTo>
+                <a:cubicBezTo>
+                  <a:pt x="2727721" y="447469"/>
+                  <a:pt x="2659854" y="752753"/>
+                  <a:pt x="2938461" y="770197"/>
+                </a:cubicBezTo>
+                <a:cubicBezTo>
+                  <a:pt x="2938461" y="776012"/>
+                  <a:pt x="2938461" y="781827"/>
+                  <a:pt x="2949178" y="787642"/>
+                </a:cubicBezTo>
+                <a:cubicBezTo>
+                  <a:pt x="2988467" y="819624"/>
+                  <a:pt x="3081336" y="790550"/>
+                  <a:pt x="3088480" y="842883"/>
+                </a:cubicBezTo>
+                <a:cubicBezTo>
+                  <a:pt x="3095624" y="901033"/>
+                  <a:pt x="3127771" y="956275"/>
+                  <a:pt x="3109911" y="1017331"/>
+                </a:cubicBezTo>
+                <a:cubicBezTo>
+                  <a:pt x="3095624" y="1063850"/>
+                  <a:pt x="3077765" y="1113276"/>
+                  <a:pt x="3077765" y="1162704"/>
+                </a:cubicBezTo>
+                <a:cubicBezTo>
+                  <a:pt x="3077765" y="1215038"/>
+                  <a:pt x="2956320" y="1287724"/>
+                  <a:pt x="3117055" y="1319707"/>
+                </a:cubicBezTo>
+                <a:cubicBezTo>
+                  <a:pt x="3124198" y="1319707"/>
+                  <a:pt x="3106339" y="1409837"/>
+                  <a:pt x="3099196" y="1459264"/>
+                </a:cubicBezTo>
+                <a:cubicBezTo>
+                  <a:pt x="3092052" y="1499968"/>
+                  <a:pt x="3059905" y="1549396"/>
+                  <a:pt x="3124198" y="1578470"/>
+                </a:cubicBezTo>
+                <a:cubicBezTo>
+                  <a:pt x="3163490" y="1593007"/>
+                  <a:pt x="3234927" y="1523228"/>
+                  <a:pt x="3242071" y="1462171"/>
+                </a:cubicBezTo>
+                <a:cubicBezTo>
+                  <a:pt x="3249214" y="1406930"/>
+                  <a:pt x="3256358" y="1351689"/>
+                  <a:pt x="3242071" y="1299354"/>
+                </a:cubicBezTo>
+                <a:cubicBezTo>
+                  <a:pt x="3224212" y="1235390"/>
+                  <a:pt x="3252786" y="1200500"/>
+                  <a:pt x="3317080" y="1183056"/>
+                </a:cubicBezTo>
+                <a:cubicBezTo>
+                  <a:pt x="3384945" y="1162704"/>
+                  <a:pt x="3420664" y="1124907"/>
+                  <a:pt x="3452811" y="1072572"/>
+                </a:cubicBezTo>
+                <a:cubicBezTo>
+                  <a:pt x="3531392" y="944644"/>
+                  <a:pt x="3624261" y="822532"/>
+                  <a:pt x="3670696" y="682973"/>
+                </a:cubicBezTo>
+                <a:cubicBezTo>
+                  <a:pt x="3677840" y="656807"/>
+                  <a:pt x="3692127" y="624825"/>
+                  <a:pt x="3752849" y="613194"/>
+                </a:cubicBezTo>
+                <a:cubicBezTo>
+                  <a:pt x="3659980" y="991164"/>
+                  <a:pt x="3420664" y="1334243"/>
+                  <a:pt x="3434952" y="1723843"/>
+                </a:cubicBezTo>
+                <a:cubicBezTo>
+                  <a:pt x="3509961" y="1619174"/>
+                  <a:pt x="3513533" y="1494154"/>
+                  <a:pt x="3567111" y="1380763"/>
+                </a:cubicBezTo>
+                <a:cubicBezTo>
+                  <a:pt x="3606402" y="1462171"/>
+                  <a:pt x="3563540" y="1537765"/>
+                  <a:pt x="3542109" y="1613360"/>
+                </a:cubicBezTo>
+                <a:cubicBezTo>
+                  <a:pt x="3524249" y="1677323"/>
+                  <a:pt x="3520677" y="1735472"/>
+                  <a:pt x="3631405" y="1741287"/>
+                </a:cubicBezTo>
+                <a:cubicBezTo>
+                  <a:pt x="3642121" y="1741287"/>
+                  <a:pt x="3649265" y="1741287"/>
+                  <a:pt x="3659980" y="1741287"/>
+                </a:cubicBezTo>
+                <a:cubicBezTo>
+                  <a:pt x="3706414" y="1718028"/>
+                  <a:pt x="3727846" y="1686046"/>
+                  <a:pt x="3742133" y="1645341"/>
+                </a:cubicBezTo>
+                <a:cubicBezTo>
+                  <a:pt x="3749277" y="1622082"/>
+                  <a:pt x="3763564" y="1590100"/>
+                  <a:pt x="3795712" y="1590100"/>
+                </a:cubicBezTo>
+                <a:cubicBezTo>
+                  <a:pt x="3917155" y="1593007"/>
+                  <a:pt x="3952874" y="1514506"/>
+                  <a:pt x="3988593" y="1438912"/>
+                </a:cubicBezTo>
+                <a:cubicBezTo>
+                  <a:pt x="4049315" y="1479616"/>
+                  <a:pt x="4006452" y="1514506"/>
+                  <a:pt x="4010024" y="1546488"/>
+                </a:cubicBezTo>
+                <a:cubicBezTo>
+                  <a:pt x="4013596" y="1566840"/>
+                  <a:pt x="4017167" y="1587192"/>
+                  <a:pt x="4049315" y="1587192"/>
+                </a:cubicBezTo>
+                <a:cubicBezTo>
+                  <a:pt x="4074317" y="1587192"/>
+                  <a:pt x="4106465" y="1578470"/>
+                  <a:pt x="4106465" y="1558118"/>
+                </a:cubicBezTo>
+                <a:cubicBezTo>
+                  <a:pt x="4110036" y="1430190"/>
+                  <a:pt x="4281487" y="1357503"/>
+                  <a:pt x="4281487" y="1223760"/>
+                </a:cubicBezTo>
+                <a:cubicBezTo>
+                  <a:pt x="4281487" y="1142351"/>
+                  <a:pt x="4377927" y="1264465"/>
+                  <a:pt x="4417219" y="1197593"/>
+                </a:cubicBezTo>
+                <a:cubicBezTo>
+                  <a:pt x="4427935" y="1183056"/>
+                  <a:pt x="4442220" y="1238297"/>
+                  <a:pt x="4438649" y="1261557"/>
+                </a:cubicBezTo>
+                <a:cubicBezTo>
+                  <a:pt x="4435078" y="1284817"/>
+                  <a:pt x="4410074" y="1305169"/>
+                  <a:pt x="4427935" y="1334243"/>
+                </a:cubicBezTo>
+                <a:cubicBezTo>
+                  <a:pt x="4492228" y="1348781"/>
+                  <a:pt x="4517230" y="1310983"/>
+                  <a:pt x="4535090" y="1276094"/>
+                </a:cubicBezTo>
+                <a:cubicBezTo>
+                  <a:pt x="4577952" y="1200500"/>
+                  <a:pt x="4627958" y="1124907"/>
+                  <a:pt x="4642246" y="1040590"/>
+                </a:cubicBezTo>
+                <a:cubicBezTo>
+                  <a:pt x="4645817" y="1011516"/>
+                  <a:pt x="4663677" y="994071"/>
+                  <a:pt x="4699396" y="996979"/>
+                </a:cubicBezTo>
+                <a:cubicBezTo>
+                  <a:pt x="4745832" y="1002793"/>
+                  <a:pt x="4731544" y="1031868"/>
+                  <a:pt x="4727971" y="1055128"/>
+                </a:cubicBezTo>
+                <a:cubicBezTo>
+                  <a:pt x="4724399" y="1069665"/>
+                  <a:pt x="4713683" y="1084202"/>
+                  <a:pt x="4738688" y="1098740"/>
+                </a:cubicBezTo>
+                <a:cubicBezTo>
+                  <a:pt x="4992291" y="758568"/>
+                  <a:pt x="4978002" y="578305"/>
+                  <a:pt x="5185172" y="197429"/>
+                </a:cubicBezTo>
+                <a:cubicBezTo>
+                  <a:pt x="5224462" y="281744"/>
+                  <a:pt x="5195887" y="342801"/>
+                  <a:pt x="5188744" y="400950"/>
+                </a:cubicBezTo>
+                <a:cubicBezTo>
+                  <a:pt x="5170883" y="546323"/>
+                  <a:pt x="5138736" y="456192"/>
+                  <a:pt x="5117306" y="601565"/>
+                </a:cubicBezTo>
+                <a:cubicBezTo>
+                  <a:pt x="5106590" y="671344"/>
+                  <a:pt x="5070871" y="735308"/>
+                  <a:pt x="5128021" y="813809"/>
+                </a:cubicBezTo>
+                <a:cubicBezTo>
+                  <a:pt x="5167312" y="866143"/>
+                  <a:pt x="5124450" y="950459"/>
+                  <a:pt x="5092302" y="1014423"/>
+                </a:cubicBezTo>
+                <a:cubicBezTo>
+                  <a:pt x="5063727" y="1066758"/>
+                  <a:pt x="5056585" y="1119092"/>
+                  <a:pt x="5092302" y="1188871"/>
+                </a:cubicBezTo>
+                <a:cubicBezTo>
+                  <a:pt x="5113734" y="1124907"/>
+                  <a:pt x="5131592" y="1075480"/>
+                  <a:pt x="5145880" y="1026053"/>
+                </a:cubicBezTo>
+                <a:cubicBezTo>
+                  <a:pt x="5156596" y="985349"/>
+                  <a:pt x="5181600" y="962089"/>
+                  <a:pt x="5235177" y="964997"/>
+                </a:cubicBezTo>
+                <a:cubicBezTo>
+                  <a:pt x="5263752" y="964997"/>
+                  <a:pt x="5303044" y="956275"/>
+                  <a:pt x="5317331" y="985349"/>
+                </a:cubicBezTo>
+                <a:cubicBezTo>
+                  <a:pt x="5331618" y="1008608"/>
+                  <a:pt x="5317331" y="1040590"/>
+                  <a:pt x="5292327" y="1052221"/>
+                </a:cubicBezTo>
+                <a:cubicBezTo>
+                  <a:pt x="5245894" y="1066758"/>
+                  <a:pt x="5203031" y="1081295"/>
+                  <a:pt x="5199458" y="1130722"/>
+                </a:cubicBezTo>
+                <a:cubicBezTo>
+                  <a:pt x="5192315" y="1197593"/>
+                  <a:pt x="5220889" y="1159796"/>
+                  <a:pt x="5256608" y="1148166"/>
+                </a:cubicBezTo>
+                <a:cubicBezTo>
+                  <a:pt x="5295899" y="1136536"/>
+                  <a:pt x="5306616" y="1171426"/>
+                  <a:pt x="5299471" y="1194686"/>
+                </a:cubicBezTo>
+                <a:cubicBezTo>
+                  <a:pt x="5267324" y="1281909"/>
+                  <a:pt x="5324474" y="1372040"/>
+                  <a:pt x="5278039" y="1462171"/>
+                </a:cubicBezTo>
+                <a:cubicBezTo>
+                  <a:pt x="5392339" y="1438912"/>
+                  <a:pt x="5442347" y="1389485"/>
+                  <a:pt x="5460205" y="1284817"/>
+                </a:cubicBezTo>
+                <a:cubicBezTo>
+                  <a:pt x="5463777" y="1247020"/>
+                  <a:pt x="5456634" y="1206315"/>
+                  <a:pt x="5488780" y="1171426"/>
+                </a:cubicBezTo>
+                <a:cubicBezTo>
+                  <a:pt x="5502175" y="1156162"/>
+                  <a:pt x="5517579" y="1140898"/>
+                  <a:pt x="5539513" y="1140353"/>
+                </a:cubicBezTo>
+                <a:lnTo>
+                  <a:pt x="5552720" y="1143022"/>
+                </a:lnTo>
+                <a:lnTo>
+                  <a:pt x="5574208" y="1115811"/>
+                </a:lnTo>
+                <a:cubicBezTo>
+                  <a:pt x="5609034" y="1085646"/>
+                  <a:pt x="5659040" y="1068202"/>
+                  <a:pt x="5734050" y="1075470"/>
+                </a:cubicBezTo>
+                <a:cubicBezTo>
+                  <a:pt x="5776912" y="1078377"/>
+                  <a:pt x="5809058" y="1055118"/>
+                  <a:pt x="5798343" y="1020228"/>
+                </a:cubicBezTo>
+                <a:cubicBezTo>
+                  <a:pt x="5776912" y="953357"/>
+                  <a:pt x="5837634" y="921375"/>
+                  <a:pt x="5884068" y="883578"/>
+                </a:cubicBezTo>
+                <a:cubicBezTo>
+                  <a:pt x="5966221" y="816706"/>
+                  <a:pt x="6051947" y="752742"/>
+                  <a:pt x="6066234" y="645166"/>
+                </a:cubicBezTo>
+                <a:cubicBezTo>
+                  <a:pt x="6130528" y="665519"/>
+                  <a:pt x="6123384" y="700408"/>
+                  <a:pt x="6109096" y="732391"/>
+                </a:cubicBezTo>
+                <a:cubicBezTo>
+                  <a:pt x="6073377" y="816706"/>
+                  <a:pt x="6034087" y="901023"/>
+                  <a:pt x="5998368" y="985338"/>
+                </a:cubicBezTo>
+                <a:cubicBezTo>
+                  <a:pt x="5976937" y="1040581"/>
+                  <a:pt x="5944790" y="1095822"/>
+                  <a:pt x="5969793" y="1168509"/>
+                </a:cubicBezTo>
+                <a:cubicBezTo>
+                  <a:pt x="6098380" y="1104545"/>
+                  <a:pt x="6123384" y="996969"/>
+                  <a:pt x="6162674" y="909745"/>
+                </a:cubicBezTo>
+                <a:cubicBezTo>
+                  <a:pt x="6212681" y="802169"/>
+                  <a:pt x="6305549" y="738205"/>
+                  <a:pt x="6412705" y="659704"/>
+                </a:cubicBezTo>
+                <a:cubicBezTo>
+                  <a:pt x="6441280" y="738205"/>
+                  <a:pt x="6362699" y="787632"/>
+                  <a:pt x="6366271" y="851596"/>
+                </a:cubicBezTo>
+                <a:cubicBezTo>
+                  <a:pt x="6376987" y="854503"/>
+                  <a:pt x="6398418" y="860319"/>
+                  <a:pt x="6398418" y="860319"/>
+                </a:cubicBezTo>
+                <a:cubicBezTo>
+                  <a:pt x="6455568" y="755650"/>
+                  <a:pt x="6562724" y="709131"/>
+                  <a:pt x="6694884" y="691686"/>
+                </a:cubicBezTo>
+                <a:cubicBezTo>
+                  <a:pt x="6762750" y="685871"/>
+                  <a:pt x="6784181" y="648074"/>
+                  <a:pt x="6816327" y="610277"/>
+                </a:cubicBezTo>
+                <a:cubicBezTo>
+                  <a:pt x="6927056" y="482349"/>
+                  <a:pt x="7027068" y="345699"/>
+                  <a:pt x="7177087" y="238123"/>
+                </a:cubicBezTo>
+                <a:cubicBezTo>
+                  <a:pt x="7159228" y="363144"/>
+                  <a:pt x="7059215" y="461997"/>
+                  <a:pt x="7016353" y="592833"/>
+                </a:cubicBezTo>
+                <a:cubicBezTo>
+                  <a:pt x="7180659" y="488164"/>
+                  <a:pt x="7266384" y="351513"/>
+                  <a:pt x="7366396" y="226493"/>
+                </a:cubicBezTo>
+                <a:cubicBezTo>
+                  <a:pt x="7412830" y="168344"/>
+                  <a:pt x="7469981" y="116010"/>
+                  <a:pt x="7494984" y="49138"/>
+                </a:cubicBezTo>
+                <a:cubicBezTo>
+                  <a:pt x="7500342" y="31693"/>
+                  <a:pt x="7511727" y="4436"/>
+                  <a:pt x="7538181" y="484"/>
+                </a:cubicBezTo>
+                <a:close/>
+              </a:path>
+            </a:pathLst>
+          </a:custGeom>
+          <a:solidFill>
+            <a:srgbClr val="C37F4D">
+              <a:alpha val="20000"/>
+            </a:srgbClr>
+          </a:solidFill>
+          <a:ln>
+            <a:noFill/>
+          </a:ln>
+        </p:spPr>
+        <p:style>
+          <a:lnRef idx="2">
+            <a:schemeClr val="accent1">
+              <a:shade val="50000"/>
+            </a:schemeClr>
+          </a:lnRef>
+          <a:fillRef idx="1">
+            <a:schemeClr val="accent1"/>
+          </a:fillRef>
+          <a:effectRef idx="0">
+            <a:schemeClr val="accent1"/>
+          </a:effectRef>
+          <a:fontRef idx="minor">
+            <a:schemeClr val="lt1"/>
+          </a:fontRef>
+        </p:style>
+        <p:txBody>
+          <a:bodyPr wrap="square" rtlCol="0" anchor="ctr">
+            <a:noAutofit/>
+          </a:bodyPr>
+          <a:lstStyle/>
+          <a:p>
+            <a:pPr algn="ctr"/>
+            <a:endParaRPr lang="en-US" dirty="0"/>
+          </a:p>
+        </p:txBody>
+      </p:sp>
+      <p:sp>
+        <p:nvSpPr>
+          <p:cNvPr id="2" name="Título 1">
+            <a:extLst>
+              <a:ext uri="{FF2B5EF4-FFF2-40B4-BE49-F238E27FC236}">
+                <a16:creationId xmlns:a16="http://schemas.microsoft.com/office/drawing/2014/main" id="{2C063B2F-E0CF-AA39-23D8-5113D87B2F9B}"/>
+              </a:ext>
+            </a:extLst>
+          </p:cNvPr>
+          <p:cNvSpPr>
+            <a:spLocks noGrp="1"/>
+          </p:cNvSpPr>
+          <p:nvPr>
+            <p:ph type="title"/>
+          </p:nvPr>
+        </p:nvSpPr>
+        <p:spPr>
+          <a:xfrm>
+            <a:off x="838200" y="365125"/>
+            <a:ext cx="10515600" cy="1325563"/>
+          </a:xfrm>
+        </p:spPr>
+        <p:txBody>
+          <a:bodyPr>
+            <a:normAutofit/>
+          </a:bodyPr>
+          <a:lstStyle/>
+          <a:p>
+            <a:r>
+              <a:rPr lang="pt-PT" dirty="0"/>
+              <a:t>1º Fase</a:t>
+            </a:r>
+          </a:p>
+        </p:txBody>
+      </p:sp>
+      <p:sp>
+        <p:nvSpPr>
+          <p:cNvPr id="4" name="Marcador de Posição do Número do Diapositivo 3">
+            <a:extLst>
+              <a:ext uri="{FF2B5EF4-FFF2-40B4-BE49-F238E27FC236}">
+                <a16:creationId xmlns:a16="http://schemas.microsoft.com/office/drawing/2014/main" id="{3D43F988-685D-FCEF-F9AF-E5C25C2C53E9}"/>
+              </a:ext>
+            </a:extLst>
+          </p:cNvPr>
+          <p:cNvSpPr>
+            <a:spLocks noGrp="1"/>
+          </p:cNvSpPr>
+          <p:nvPr>
+            <p:ph type="sldNum" sz="quarter" idx="12"/>
+          </p:nvPr>
+        </p:nvSpPr>
+        <p:spPr>
+          <a:xfrm>
+            <a:off x="8610600" y="6356350"/>
+            <a:ext cx="2743200" cy="365125"/>
+          </a:xfrm>
+        </p:spPr>
+        <p:txBody>
+          <a:bodyPr>
+            <a:normAutofit/>
+          </a:bodyPr>
+          <a:lstStyle/>
+          <a:p>
+            <a:pPr>
+              <a:spcAft>
+                <a:spcPts val="600"/>
+              </a:spcAft>
+            </a:pPr>
+            <a:fld id="{51845F5A-061D-4825-9AE9-D7794091C6CF}" type="slidenum">
+              <a:rPr lang="en-US" smtClean="0"/>
+              <a:pPr>
+                <a:spcAft>
+                  <a:spcPts val="600"/>
+                </a:spcAft>
+              </a:pPr>
+              <a:t>4</a:t>
+            </a:fld>
+            <a:endParaRPr lang="en-US"/>
+          </a:p>
+        </p:txBody>
+      </p:sp>
+      <p:graphicFrame>
+        <p:nvGraphicFramePr>
+          <p:cNvPr id="10" name="Marcador de Posição de Conteúdo 7">
+            <a:extLst>
+              <a:ext uri="{FF2B5EF4-FFF2-40B4-BE49-F238E27FC236}">
+                <a16:creationId xmlns:a16="http://schemas.microsoft.com/office/drawing/2014/main" id="{F69E88BB-39FA-6BEE-4A2D-8548F43FE16B}"/>
+              </a:ext>
+            </a:extLst>
+          </p:cNvPr>
+          <p:cNvGraphicFramePr>
+            <a:graphicFrameLocks noGrp="1"/>
+          </p:cNvGraphicFramePr>
+          <p:nvPr>
+            <p:ph idx="1"/>
+            <p:extLst>
+              <p:ext uri="{D42A27DB-BD31-4B8C-83A1-F6EECF244321}">
+                <p14:modId xmlns:p14="http://schemas.microsoft.com/office/powerpoint/2010/main" val="2623584918"/>
+              </p:ext>
+            </p:extLst>
+          </p:nvPr>
+        </p:nvGraphicFramePr>
+        <p:xfrm>
+          <a:off x="838200" y="2011363"/>
+          <a:ext cx="10515600" cy="4160837"/>
+        </p:xfrm>
+        <a:graphic>
+          <a:graphicData uri="http://schemas.openxmlformats.org/drawingml/2006/diagram">
+            <dgm:relIds xmlns:dgm="http://schemas.openxmlformats.org/drawingml/2006/diagram" xmlns:r="http://schemas.openxmlformats.org/officeDocument/2006/relationships" r:dm="rId2" r:lo="rId3" r:qs="rId4" r:cs="rId5"/>
+          </a:graphicData>
+        </a:graphic>
+      </p:graphicFrame>
+    </p:spTree>
+    <p:extLst>
+      <p:ext uri="{BB962C8B-B14F-4D97-AF65-F5344CB8AC3E}">
+        <p14:creationId xmlns:p14="http://schemas.microsoft.com/office/powerpoint/2010/main" val="1595349798"/>
+      </p:ext>
+    </p:extLst>
+  </p:cSld>
+  <p:clrMapOvr>
+    <a:masterClrMapping/>
+  </p:clrMapOvr>
+</p:sld>
+</file>
+
+<file path=ppt/slides/slide5.xml><?xml version="1.0" encoding="utf-8"?>
+<p:sld xmlns:a="http://schemas.openxmlformats.org/drawingml/2006/main" xmlns:r="http://schemas.openxmlformats.org/officeDocument/2006/relationships" xmlns:p="http://schemas.openxmlformats.org/presentationml/2006/main">
+  <p:cSld>
+    <p:spTree>
+      <p:nvGrpSpPr>
+        <p:cNvPr id="1" name=""/>
+        <p:cNvGrpSpPr/>
+        <p:nvPr/>
+      </p:nvGrpSpPr>
+      <p:grpSpPr>
+        <a:xfrm>
+          <a:off x="0" y="0"/>
+          <a:ext cx="0" cy="0"/>
+          <a:chOff x="0" y="0"/>
+          <a:chExt cx="0" cy="0"/>
+        </a:xfrm>
+      </p:grpSpPr>
+      <p:sp>
+        <p:nvSpPr>
+          <p:cNvPr id="2" name="Título 1">
+            <a:extLst>
+              <a:ext uri="{FF2B5EF4-FFF2-40B4-BE49-F238E27FC236}">
+                <a16:creationId xmlns:a16="http://schemas.microsoft.com/office/drawing/2014/main" id="{61E7D377-F9E0-0B8B-C7F0-F05F28BEEC2D}"/>
+              </a:ext>
+            </a:extLst>
+          </p:cNvPr>
+          <p:cNvSpPr>
+            <a:spLocks noGrp="1"/>
+          </p:cNvSpPr>
+          <p:nvPr>
+            <p:ph type="title"/>
+          </p:nvPr>
+        </p:nvSpPr>
+        <p:spPr/>
+        <p:txBody>
+          <a:bodyPr/>
+          <a:lstStyle/>
+          <a:p>
+            <a:r>
+              <a:rPr lang="pt-PT" dirty="0"/>
+              <a:t>1ª - Carregamento de dados</a:t>
+            </a:r>
+          </a:p>
+        </p:txBody>
+      </p:sp>
+      <p:sp>
+        <p:nvSpPr>
+          <p:cNvPr id="4" name="Marcador de Posição do Número do Diapositivo 3">
+            <a:extLst>
+              <a:ext uri="{FF2B5EF4-FFF2-40B4-BE49-F238E27FC236}">
+                <a16:creationId xmlns:a16="http://schemas.microsoft.com/office/drawing/2014/main" id="{E8ED841C-C14E-F0DE-E161-67560E5087DD}"/>
+              </a:ext>
+            </a:extLst>
+          </p:cNvPr>
+          <p:cNvSpPr>
+            <a:spLocks noGrp="1"/>
+          </p:cNvSpPr>
+          <p:nvPr>
+            <p:ph type="sldNum" sz="quarter" idx="12"/>
+          </p:nvPr>
+        </p:nvSpPr>
+        <p:spPr/>
+        <p:txBody>
+          <a:bodyPr/>
+          <a:lstStyle/>
+          <a:p>
+            <a:fld id="{51845F5A-061D-4825-9AE9-D7794091C6CF}" type="slidenum">
+              <a:rPr lang="en-US" smtClean="0"/>
+              <a:t>5</a:t>
+            </a:fld>
+            <a:endParaRPr lang="en-US"/>
+          </a:p>
+        </p:txBody>
+      </p:sp>
+      <p:pic>
+        <p:nvPicPr>
+          <p:cNvPr id="10" name="Imagem 9" descr="Uma imagem com texto, captura de ecrã, Tipo de letra, logótipo&#10;&#10;Descrição gerada automaticamente">
+            <a:extLst>
+              <a:ext uri="{FF2B5EF4-FFF2-40B4-BE49-F238E27FC236}">
+                <a16:creationId xmlns:a16="http://schemas.microsoft.com/office/drawing/2014/main" id="{D91EA983-94B0-D5F4-9EDC-4BE9930EF3AB}"/>
+              </a:ext>
+            </a:extLst>
+          </p:cNvPr>
+          <p:cNvPicPr>
+            <a:picLocks noChangeAspect="1"/>
+          </p:cNvPicPr>
+          <p:nvPr/>
+        </p:nvPicPr>
+        <p:blipFill>
+          <a:blip r:embed="rId2">
+            <a:extLst>
+              <a:ext uri="{28A0092B-C50C-407E-A947-70E740481C1C}">
+                <a14:useLocalDpi xmlns:a14="http://schemas.microsoft.com/office/drawing/2010/main" val="0"/>
+              </a:ext>
+            </a:extLst>
+          </a:blip>
+          <a:stretch>
+            <a:fillRect/>
+          </a:stretch>
+        </p:blipFill>
+        <p:spPr>
+          <a:xfrm>
+            <a:off x="254924" y="1907636"/>
+            <a:ext cx="3704563" cy="1612804"/>
+          </a:xfrm>
+          <a:prstGeom prst="rect">
+            <a:avLst/>
+          </a:prstGeom>
+        </p:spPr>
+      </p:pic>
+      <p:pic>
+        <p:nvPicPr>
+          <p:cNvPr id="14" name="Imagem 13">
+            <a:extLst>
+              <a:ext uri="{FF2B5EF4-FFF2-40B4-BE49-F238E27FC236}">
+                <a16:creationId xmlns:a16="http://schemas.microsoft.com/office/drawing/2014/main" id="{216F5D77-E4A1-6AAE-BC56-D7CCA4C02D26}"/>
+              </a:ext>
+            </a:extLst>
+          </p:cNvPr>
+          <p:cNvPicPr>
+            <a:picLocks noChangeAspect="1"/>
+          </p:cNvPicPr>
+          <p:nvPr/>
+        </p:nvPicPr>
+        <p:blipFill>
+          <a:blip r:embed="rId3"/>
+          <a:stretch>
+            <a:fillRect/>
+          </a:stretch>
+        </p:blipFill>
+        <p:spPr>
+          <a:xfrm>
+            <a:off x="4533474" y="3611881"/>
+            <a:ext cx="2685356" cy="4303607"/>
+          </a:xfrm>
+          <a:prstGeom prst="rect">
+            <a:avLst/>
+          </a:prstGeom>
+        </p:spPr>
+      </p:pic>
+      <p:pic>
+        <p:nvPicPr>
+          <p:cNvPr id="12" name="Marcador de Posição de Conteúdo 11" descr="Uma imagem com texto, captura de ecrã, Tipo de letra, logótipo&#10;&#10;Descrição gerada automaticamente">
+            <a:extLst>
+              <a:ext uri="{FF2B5EF4-FFF2-40B4-BE49-F238E27FC236}">
+                <a16:creationId xmlns:a16="http://schemas.microsoft.com/office/drawing/2014/main" id="{660FD442-7B3C-D06E-FE7F-716E49946F2A}"/>
+              </a:ext>
+            </a:extLst>
+          </p:cNvPr>
+          <p:cNvPicPr>
+            <a:picLocks noGrp="1" noChangeAspect="1"/>
+          </p:cNvPicPr>
+          <p:nvPr>
+            <p:ph idx="1"/>
+          </p:nvPr>
+        </p:nvPicPr>
+        <p:blipFill>
+          <a:blip r:embed="rId4">
+            <a:extLst>
+              <a:ext uri="{28A0092B-C50C-407E-A947-70E740481C1C}">
+                <a14:useLocalDpi xmlns:a14="http://schemas.microsoft.com/office/drawing/2010/main" val="0"/>
+              </a:ext>
+            </a:extLst>
+          </a:blip>
+          <a:stretch>
+            <a:fillRect/>
+          </a:stretch>
+        </p:blipFill>
+        <p:spPr>
+          <a:xfrm>
+            <a:off x="4253574" y="1907636"/>
+            <a:ext cx="3245157" cy="1612804"/>
+          </a:xfrm>
+        </p:spPr>
+      </p:pic>
+      <p:pic>
+        <p:nvPicPr>
+          <p:cNvPr id="16" name="Imagem 15" descr="Uma imagem com texto, captura de ecrã, Tipo de letra, logótipo&#10;&#10;Descrição gerada automaticamente">
+            <a:extLst>
+              <a:ext uri="{FF2B5EF4-FFF2-40B4-BE49-F238E27FC236}">
+                <a16:creationId xmlns:a16="http://schemas.microsoft.com/office/drawing/2014/main" id="{D839C124-3DC5-7F84-B8BC-633A738DF731}"/>
+              </a:ext>
+            </a:extLst>
+          </p:cNvPr>
+          <p:cNvPicPr>
+            <a:picLocks noChangeAspect="1"/>
+          </p:cNvPicPr>
+          <p:nvPr/>
+        </p:nvPicPr>
+        <p:blipFill>
+          <a:blip r:embed="rId5">
+            <a:extLst>
+              <a:ext uri="{28A0092B-C50C-407E-A947-70E740481C1C}">
+                <a14:useLocalDpi xmlns:a14="http://schemas.microsoft.com/office/drawing/2010/main" val="0"/>
+              </a:ext>
+            </a:extLst>
+          </a:blip>
+          <a:stretch>
+            <a:fillRect/>
+          </a:stretch>
+        </p:blipFill>
+        <p:spPr>
+          <a:xfrm>
+            <a:off x="7808650" y="1907636"/>
+            <a:ext cx="4128426" cy="1612804"/>
+          </a:xfrm>
+          <a:prstGeom prst="rect">
+            <a:avLst/>
+          </a:prstGeom>
+        </p:spPr>
+      </p:pic>
+      <p:pic>
+        <p:nvPicPr>
+          <p:cNvPr id="18" name="Imagem 17">
+            <a:extLst>
+              <a:ext uri="{FF2B5EF4-FFF2-40B4-BE49-F238E27FC236}">
+                <a16:creationId xmlns:a16="http://schemas.microsoft.com/office/drawing/2014/main" id="{7F03B101-E398-62BC-844A-51F8B589594D}"/>
+              </a:ext>
+            </a:extLst>
+          </p:cNvPr>
+          <p:cNvPicPr>
+            <a:picLocks noChangeAspect="1"/>
+          </p:cNvPicPr>
+          <p:nvPr/>
+        </p:nvPicPr>
+        <p:blipFill>
+          <a:blip r:embed="rId6"/>
+          <a:stretch>
+            <a:fillRect/>
+          </a:stretch>
+        </p:blipFill>
+        <p:spPr>
+          <a:xfrm>
+            <a:off x="8406898" y="3611881"/>
+            <a:ext cx="3150604" cy="582930"/>
+          </a:xfrm>
+          <a:prstGeom prst="rect">
+            <a:avLst/>
+          </a:prstGeom>
+        </p:spPr>
+      </p:pic>
+    </p:spTree>
+    <p:extLst>
+      <p:ext uri="{BB962C8B-B14F-4D97-AF65-F5344CB8AC3E}">
+        <p14:creationId xmlns:p14="http://schemas.microsoft.com/office/powerpoint/2010/main" val="1787683317"/>
+      </p:ext>
+    </p:extLst>
+  </p:cSld>
+  <p:clrMapOvr>
+    <a:masterClrMapping/>
+  </p:clrMapOvr>
+</p:sld>
+</file>
+
+<file path=ppt/slides/slide6.xml><?xml version="1.0" encoding="utf-8"?>
+<p:sld xmlns:a="http://schemas.openxmlformats.org/drawingml/2006/main" xmlns:r="http://schemas.openxmlformats.org/officeDocument/2006/relationships" xmlns:p="http://schemas.openxmlformats.org/presentationml/2006/main">
+  <p:cSld>
+    <p:spTree>
+      <p:nvGrpSpPr>
+        <p:cNvPr id="1" name=""/>
+        <p:cNvGrpSpPr/>
+        <p:nvPr/>
+      </p:nvGrpSpPr>
+      <p:grpSpPr>
+        <a:xfrm>
+          <a:off x="0" y="0"/>
+          <a:ext cx="0" cy="0"/>
+          <a:chOff x="0" y="0"/>
+          <a:chExt cx="0" cy="0"/>
+        </a:xfrm>
+      </p:grpSpPr>
+      <p:sp>
+        <p:nvSpPr>
+          <p:cNvPr id="2" name="Título 1">
+            <a:extLst>
+              <a:ext uri="{FF2B5EF4-FFF2-40B4-BE49-F238E27FC236}">
+                <a16:creationId xmlns:a16="http://schemas.microsoft.com/office/drawing/2014/main" id="{61E7D377-F9E0-0B8B-C7F0-F05F28BEEC2D}"/>
+              </a:ext>
+            </a:extLst>
+          </p:cNvPr>
+          <p:cNvSpPr>
+            <a:spLocks noGrp="1"/>
+          </p:cNvSpPr>
+          <p:nvPr>
+            <p:ph type="title"/>
+          </p:nvPr>
+        </p:nvSpPr>
+        <p:spPr/>
+        <p:txBody>
+          <a:bodyPr/>
+          <a:lstStyle/>
+          <a:p>
+            <a:r>
+              <a:rPr lang="pt-PT" dirty="0"/>
+              <a:t>1ª - Carregamento de dados</a:t>
+            </a:r>
+          </a:p>
+        </p:txBody>
+      </p:sp>
+      <p:sp>
+        <p:nvSpPr>
+          <p:cNvPr id="4" name="Marcador de Posição do Número do Diapositivo 3">
+            <a:extLst>
+              <a:ext uri="{FF2B5EF4-FFF2-40B4-BE49-F238E27FC236}">
+                <a16:creationId xmlns:a16="http://schemas.microsoft.com/office/drawing/2014/main" id="{E8ED841C-C14E-F0DE-E161-67560E5087DD}"/>
+              </a:ext>
+            </a:extLst>
+          </p:cNvPr>
+          <p:cNvSpPr>
+            <a:spLocks noGrp="1"/>
+          </p:cNvSpPr>
+          <p:nvPr>
+            <p:ph type="sldNum" sz="quarter" idx="12"/>
+          </p:nvPr>
+        </p:nvSpPr>
+        <p:spPr/>
+        <p:txBody>
+          <a:bodyPr/>
+          <a:lstStyle/>
+          <a:p>
+            <a:fld id="{51845F5A-061D-4825-9AE9-D7794091C6CF}" type="slidenum">
+              <a:rPr lang="en-US" smtClean="0"/>
+              <a:t>6</a:t>
+            </a:fld>
+            <a:endParaRPr lang="en-US"/>
+          </a:p>
+        </p:txBody>
+      </p:sp>
+      <p:pic>
+        <p:nvPicPr>
+          <p:cNvPr id="10" name="Imagem 9">
+            <a:extLst>
+              <a:ext uri="{FF2B5EF4-FFF2-40B4-BE49-F238E27FC236}">
+                <a16:creationId xmlns:a16="http://schemas.microsoft.com/office/drawing/2014/main" id="{D91EA983-94B0-D5F4-9EDC-4BE9930EF3AB}"/>
+              </a:ext>
+            </a:extLst>
+          </p:cNvPr>
+          <p:cNvPicPr>
+            <a:picLocks noChangeAspect="1"/>
+          </p:cNvPicPr>
+          <p:nvPr/>
+        </p:nvPicPr>
+        <p:blipFill>
+          <a:blip r:embed="rId2">
+            <a:extLst>
+              <a:ext uri="{28A0092B-C50C-407E-A947-70E740481C1C}">
+                <a14:useLocalDpi xmlns:a14="http://schemas.microsoft.com/office/drawing/2010/main" val="0"/>
+              </a:ext>
+            </a:extLst>
+          </a:blip>
+          <a:srcRect/>
+          <a:stretch/>
+        </p:blipFill>
+        <p:spPr>
+          <a:xfrm>
+            <a:off x="782751" y="1907636"/>
+            <a:ext cx="2648908" cy="1612804"/>
+          </a:xfrm>
+          <a:prstGeom prst="rect">
+            <a:avLst/>
+          </a:prstGeom>
+        </p:spPr>
+      </p:pic>
+      <p:pic>
+        <p:nvPicPr>
+          <p:cNvPr id="12" name="Marcador de Posição de Conteúdo 11">
+            <a:extLst>
+              <a:ext uri="{FF2B5EF4-FFF2-40B4-BE49-F238E27FC236}">
+                <a16:creationId xmlns:a16="http://schemas.microsoft.com/office/drawing/2014/main" id="{660FD442-7B3C-D06E-FE7F-716E49946F2A}"/>
+              </a:ext>
+            </a:extLst>
+          </p:cNvPr>
+          <p:cNvPicPr>
+            <a:picLocks noGrp="1" noChangeAspect="1"/>
+          </p:cNvPicPr>
+          <p:nvPr>
+            <p:ph idx="1"/>
+          </p:nvPr>
+        </p:nvPicPr>
+        <p:blipFill>
+          <a:blip r:embed="rId3">
+            <a:extLst>
+              <a:ext uri="{28A0092B-C50C-407E-A947-70E740481C1C}">
+                <a14:useLocalDpi xmlns:a14="http://schemas.microsoft.com/office/drawing/2010/main" val="0"/>
+              </a:ext>
+            </a:extLst>
+          </a:blip>
+          <a:srcRect/>
+          <a:stretch/>
+        </p:blipFill>
+        <p:spPr>
+          <a:xfrm>
+            <a:off x="4253574" y="1907636"/>
+            <a:ext cx="3245157" cy="1612804"/>
+          </a:xfrm>
+        </p:spPr>
+      </p:pic>
+      <p:pic>
+        <p:nvPicPr>
+          <p:cNvPr id="5" name="Imagem 4">
+            <a:extLst>
+              <a:ext uri="{FF2B5EF4-FFF2-40B4-BE49-F238E27FC236}">
+                <a16:creationId xmlns:a16="http://schemas.microsoft.com/office/drawing/2014/main" id="{71AF4503-A82F-D265-D4C7-E5AB33BB9C44}"/>
+              </a:ext>
+            </a:extLst>
+          </p:cNvPr>
+          <p:cNvPicPr>
+            <a:picLocks noChangeAspect="1"/>
+          </p:cNvPicPr>
+          <p:nvPr/>
+        </p:nvPicPr>
+        <p:blipFill>
+          <a:blip r:embed="rId4"/>
+          <a:stretch>
+            <a:fillRect/>
+          </a:stretch>
+        </p:blipFill>
+        <p:spPr>
+          <a:xfrm>
+            <a:off x="922661" y="3611881"/>
+            <a:ext cx="2369088" cy="3141617"/>
+          </a:xfrm>
+          <a:prstGeom prst="rect">
+            <a:avLst/>
+          </a:prstGeom>
+        </p:spPr>
+      </p:pic>
+      <p:pic>
+        <p:nvPicPr>
+          <p:cNvPr id="7" name="Imagem 6">
+            <a:extLst>
+              <a:ext uri="{FF2B5EF4-FFF2-40B4-BE49-F238E27FC236}">
+                <a16:creationId xmlns:a16="http://schemas.microsoft.com/office/drawing/2014/main" id="{EAB88C09-A049-791D-1B93-D0B7839F90D4}"/>
+              </a:ext>
+            </a:extLst>
+          </p:cNvPr>
+          <p:cNvPicPr>
+            <a:picLocks noChangeAspect="1"/>
+          </p:cNvPicPr>
+          <p:nvPr/>
+        </p:nvPicPr>
+        <p:blipFill>
+          <a:blip r:embed="rId5"/>
+          <a:stretch>
+            <a:fillRect/>
+          </a:stretch>
+        </p:blipFill>
+        <p:spPr>
+          <a:xfrm>
+            <a:off x="5135194" y="3587336"/>
+            <a:ext cx="1481915" cy="2841265"/>
+          </a:xfrm>
+          <a:prstGeom prst="rect">
+            <a:avLst/>
+          </a:prstGeom>
+        </p:spPr>
+      </p:pic>
+      <p:sp>
+        <p:nvSpPr>
+          <p:cNvPr id="9" name="CaixaDeTexto 8">
+            <a:extLst>
+              <a:ext uri="{FF2B5EF4-FFF2-40B4-BE49-F238E27FC236}">
+                <a16:creationId xmlns:a16="http://schemas.microsoft.com/office/drawing/2014/main" id="{5A744137-ED89-A963-03EB-79C30F76A910}"/>
+              </a:ext>
+            </a:extLst>
+          </p:cNvPr>
+          <p:cNvSpPr txBox="1"/>
+          <p:nvPr/>
+        </p:nvSpPr>
+        <p:spPr>
+          <a:xfrm>
+            <a:off x="7498731" y="1907636"/>
+            <a:ext cx="3696964" cy="2308324"/>
+          </a:xfrm>
+          <a:prstGeom prst="rect">
+            <a:avLst/>
+          </a:prstGeom>
+          <a:noFill/>
+        </p:spPr>
+        <p:txBody>
+          <a:bodyPr wrap="square" rtlCol="0">
+            <a:spAutoFit/>
+          </a:bodyPr>
+          <a:lstStyle/>
+          <a:p>
+            <a:pPr marL="742950" lvl="1" indent="-285750">
+              <a:buFont typeface="Arial" panose="020B0604020202020204" pitchFamily="34" charset="0"/>
+              <a:buChar char="•"/>
+            </a:pPr>
+            <a:r>
+              <a:rPr lang="pt-PT" b="1" dirty="0" err="1">
+                <a:effectLst/>
+                <a:latin typeface="Arial" panose="020B0604020202020204" pitchFamily="34" charset="0"/>
+                <a:cs typeface="Arial" panose="020B0604020202020204" pitchFamily="34" charset="0"/>
+              </a:rPr>
+              <a:t>Administrative</a:t>
+            </a:r>
+            <a:endParaRPr lang="pt-PT" b="1" dirty="0">
+              <a:effectLst/>
+              <a:latin typeface="Arial" panose="020B0604020202020204" pitchFamily="34" charset="0"/>
+              <a:cs typeface="Arial" panose="020B0604020202020204" pitchFamily="34" charset="0"/>
+            </a:endParaRPr>
+          </a:p>
+          <a:p>
+            <a:pPr marL="742950" lvl="1" indent="-285750">
+              <a:buFont typeface="Arial" panose="020B0604020202020204" pitchFamily="34" charset="0"/>
+              <a:buChar char="•"/>
+            </a:pPr>
+            <a:r>
+              <a:rPr lang="pt-PT" b="1" dirty="0" err="1">
+                <a:effectLst/>
+                <a:latin typeface="Arial" panose="020B0604020202020204" pitchFamily="34" charset="0"/>
+                <a:cs typeface="Arial" panose="020B0604020202020204" pitchFamily="34" charset="0"/>
+              </a:rPr>
+              <a:t>Administrative_Duration</a:t>
+            </a:r>
+            <a:endParaRPr lang="pt-PT" b="1" dirty="0">
+              <a:effectLst/>
+              <a:latin typeface="Arial" panose="020B0604020202020204" pitchFamily="34" charset="0"/>
+              <a:cs typeface="Arial" panose="020B0604020202020204" pitchFamily="34" charset="0"/>
+            </a:endParaRPr>
+          </a:p>
+          <a:p>
+            <a:pPr marL="742950" lvl="1" indent="-285750">
+              <a:buFont typeface="Arial" panose="020B0604020202020204" pitchFamily="34" charset="0"/>
+              <a:buChar char="•"/>
+            </a:pPr>
+            <a:r>
+              <a:rPr lang="pt-PT" b="1" dirty="0" err="1">
+                <a:effectLst/>
+                <a:latin typeface="Arial" panose="020B0604020202020204" pitchFamily="34" charset="0"/>
+                <a:cs typeface="Arial" panose="020B0604020202020204" pitchFamily="34" charset="0"/>
+              </a:rPr>
+              <a:t>Informational</a:t>
+            </a:r>
+            <a:endParaRPr lang="pt-PT" b="1" dirty="0">
+              <a:effectLst/>
+              <a:latin typeface="Arial" panose="020B0604020202020204" pitchFamily="34" charset="0"/>
+              <a:cs typeface="Arial" panose="020B0604020202020204" pitchFamily="34" charset="0"/>
+            </a:endParaRPr>
+          </a:p>
+          <a:p>
+            <a:pPr marL="742950" lvl="1" indent="-285750">
+              <a:buFont typeface="Arial" panose="020B0604020202020204" pitchFamily="34" charset="0"/>
+              <a:buChar char="•"/>
+            </a:pPr>
+            <a:r>
+              <a:rPr lang="pt-PT" b="1" dirty="0" err="1">
+                <a:effectLst/>
+                <a:latin typeface="Arial" panose="020B0604020202020204" pitchFamily="34" charset="0"/>
+                <a:cs typeface="Arial" panose="020B0604020202020204" pitchFamily="34" charset="0"/>
+              </a:rPr>
+              <a:t>Informational_Duration</a:t>
+            </a:r>
+            <a:endParaRPr lang="pt-PT" b="1" dirty="0">
+              <a:effectLst/>
+              <a:latin typeface="Arial" panose="020B0604020202020204" pitchFamily="34" charset="0"/>
+              <a:cs typeface="Arial" panose="020B0604020202020204" pitchFamily="34" charset="0"/>
+            </a:endParaRPr>
+          </a:p>
+          <a:p>
+            <a:pPr marL="742950" lvl="1" indent="-285750">
+              <a:buFont typeface="Arial" panose="020B0604020202020204" pitchFamily="34" charset="0"/>
+              <a:buChar char="•"/>
+            </a:pPr>
+            <a:r>
+              <a:rPr lang="pt-PT" b="1" dirty="0" err="1">
+                <a:effectLst/>
+                <a:latin typeface="Arial" panose="020B0604020202020204" pitchFamily="34" charset="0"/>
+                <a:cs typeface="Arial" panose="020B0604020202020204" pitchFamily="34" charset="0"/>
+              </a:rPr>
+              <a:t>ProductRelated</a:t>
+            </a:r>
+            <a:endParaRPr lang="pt-PT" b="1" dirty="0">
+              <a:effectLst/>
+              <a:latin typeface="Arial" panose="020B0604020202020204" pitchFamily="34" charset="0"/>
+              <a:cs typeface="Arial" panose="020B0604020202020204" pitchFamily="34" charset="0"/>
+            </a:endParaRPr>
+          </a:p>
+          <a:p>
+            <a:pPr marL="742950" lvl="1" indent="-285750">
+              <a:buFont typeface="Arial" panose="020B0604020202020204" pitchFamily="34" charset="0"/>
+              <a:buChar char="•"/>
+            </a:pPr>
+            <a:r>
+              <a:rPr lang="pt-PT" b="1" dirty="0" err="1">
+                <a:effectLst/>
+                <a:latin typeface="Arial" panose="020B0604020202020204" pitchFamily="34" charset="0"/>
+                <a:cs typeface="Arial" panose="020B0604020202020204" pitchFamily="34" charset="0"/>
+              </a:rPr>
+              <a:t>ProductRelated_Duration</a:t>
+            </a:r>
+            <a:endParaRPr lang="pt-PT" b="1" dirty="0">
+              <a:effectLst/>
+              <a:latin typeface="Arial" panose="020B0604020202020204" pitchFamily="34" charset="0"/>
+              <a:cs typeface="Arial" panose="020B0604020202020204" pitchFamily="34" charset="0"/>
+            </a:endParaRPr>
+          </a:p>
+          <a:p>
+            <a:pPr marL="742950" lvl="1" indent="-285750">
+              <a:buFont typeface="Arial" panose="020B0604020202020204" pitchFamily="34" charset="0"/>
+              <a:buChar char="•"/>
+            </a:pPr>
+            <a:r>
+              <a:rPr lang="pt-PT" b="1" dirty="0" err="1">
+                <a:effectLst/>
+                <a:latin typeface="Arial" panose="020B0604020202020204" pitchFamily="34" charset="0"/>
+                <a:cs typeface="Arial" panose="020B0604020202020204" pitchFamily="34" charset="0"/>
+              </a:rPr>
+              <a:t>BounceRates</a:t>
+            </a:r>
+            <a:endParaRPr lang="pt-PT" b="1" dirty="0">
+              <a:effectLst/>
+              <a:latin typeface="Arial" panose="020B0604020202020204" pitchFamily="34" charset="0"/>
+              <a:cs typeface="Arial" panose="020B0604020202020204" pitchFamily="34" charset="0"/>
+            </a:endParaRPr>
+          </a:p>
+          <a:p>
+            <a:endParaRPr lang="pt-PT" dirty="0"/>
+          </a:p>
+        </p:txBody>
+      </p:sp>
+    </p:spTree>
+    <p:extLst>
+      <p:ext uri="{BB962C8B-B14F-4D97-AF65-F5344CB8AC3E}">
+        <p14:creationId xmlns:p14="http://schemas.microsoft.com/office/powerpoint/2010/main" val="772419234"/>
+      </p:ext>
+    </p:extLst>
+  </p:cSld>
+  <p:clrMapOvr>
+    <a:masterClrMapping/>
+  </p:clrMapOvr>
+</p:sld>
+</file>
+
+<file path=ppt/slides/slide7.xml><?xml version="1.0" encoding="utf-8"?>
+<p:sld xmlns:a="http://schemas.openxmlformats.org/drawingml/2006/main" xmlns:r="http://schemas.openxmlformats.org/officeDocument/2006/relationships" xmlns:p="http://schemas.openxmlformats.org/presentationml/2006/main">
+  <p:cSld>
+    <p:spTree>
+      <p:nvGrpSpPr>
+        <p:cNvPr id="1" name=""/>
+        <p:cNvGrpSpPr/>
+        <p:nvPr/>
+      </p:nvGrpSpPr>
+      <p:grpSpPr>
+        <a:xfrm>
+          <a:off x="0" y="0"/>
+          <a:ext cx="0" cy="0"/>
+          <a:chOff x="0" y="0"/>
+          <a:chExt cx="0" cy="0"/>
+        </a:xfrm>
+      </p:grpSpPr>
+      <p:sp>
+        <p:nvSpPr>
+          <p:cNvPr id="2" name="Título 1">
+            <a:extLst>
+              <a:ext uri="{FF2B5EF4-FFF2-40B4-BE49-F238E27FC236}">
+                <a16:creationId xmlns:a16="http://schemas.microsoft.com/office/drawing/2014/main" id="{FFE8E065-866A-3DBE-926A-9D4574362CAF}"/>
+              </a:ext>
+            </a:extLst>
+          </p:cNvPr>
+          <p:cNvSpPr>
+            <a:spLocks noGrp="1"/>
+          </p:cNvSpPr>
+          <p:nvPr>
+            <p:ph type="title"/>
+          </p:nvPr>
+        </p:nvSpPr>
+        <p:spPr/>
+        <p:txBody>
+          <a:bodyPr/>
+          <a:lstStyle/>
+          <a:p>
+            <a:endParaRPr lang="pt-PT" dirty="0"/>
+          </a:p>
+        </p:txBody>
+      </p:sp>
+      <p:pic>
+        <p:nvPicPr>
+          <p:cNvPr id="6" name="Marcador de Posição de Conteúdo 5">
+            <a:extLst>
+              <a:ext uri="{FF2B5EF4-FFF2-40B4-BE49-F238E27FC236}">
+                <a16:creationId xmlns:a16="http://schemas.microsoft.com/office/drawing/2014/main" id="{515A5ABF-E115-0553-519C-79A16B7D2C64}"/>
+              </a:ext>
+            </a:extLst>
+          </p:cNvPr>
+          <p:cNvPicPr>
+            <a:picLocks noGrp="1" noChangeAspect="1"/>
+          </p:cNvPicPr>
+          <p:nvPr>
+            <p:ph idx="1"/>
+          </p:nvPr>
+        </p:nvPicPr>
+        <p:blipFill>
+          <a:blip r:embed="rId2"/>
+          <a:stretch>
+            <a:fillRect/>
+          </a:stretch>
+        </p:blipFill>
+        <p:spPr>
+          <a:xfrm>
+            <a:off x="3079137" y="1752600"/>
+            <a:ext cx="6033726" cy="4552812"/>
+          </a:xfrm>
+        </p:spPr>
+      </p:pic>
+      <p:sp>
+        <p:nvSpPr>
+          <p:cNvPr id="4" name="Marcador de Posição do Número do Diapositivo 3">
+            <a:extLst>
+              <a:ext uri="{FF2B5EF4-FFF2-40B4-BE49-F238E27FC236}">
+                <a16:creationId xmlns:a16="http://schemas.microsoft.com/office/drawing/2014/main" id="{B87B70FD-B63C-3237-088B-DF7A50040E1E}"/>
+              </a:ext>
+            </a:extLst>
+          </p:cNvPr>
+          <p:cNvSpPr>
+            <a:spLocks noGrp="1"/>
+          </p:cNvSpPr>
+          <p:nvPr>
+            <p:ph type="sldNum" sz="quarter" idx="12"/>
+          </p:nvPr>
+        </p:nvSpPr>
+        <p:spPr/>
+        <p:txBody>
+          <a:bodyPr/>
+          <a:lstStyle/>
+          <a:p>
+            <a:fld id="{51845F5A-061D-4825-9AE9-D7794091C6CF}" type="slidenum">
+              <a:rPr lang="en-US" smtClean="0"/>
+              <a:t>7</a:t>
+            </a:fld>
+            <a:endParaRPr lang="en-US"/>
+          </a:p>
+        </p:txBody>
+      </p:sp>
+    </p:spTree>
+    <p:extLst>
+      <p:ext uri="{BB962C8B-B14F-4D97-AF65-F5344CB8AC3E}">
+        <p14:creationId xmlns:p14="http://schemas.microsoft.com/office/powerpoint/2010/main" val="326353748"/>
+      </p:ext>
+    </p:extLst>
+  </p:cSld>
+  <p:clrMapOvr>
+    <a:masterClrMapping/>
+  </p:clrMapOvr>
+</p:sld>
+</file>
+
+<file path=ppt/slides/slide8.xml><?xml version="1.0" encoding="utf-8"?>
+<p:sld xmlns:a="http://schemas.openxmlformats.org/drawingml/2006/main" xmlns:r="http://schemas.openxmlformats.org/officeDocument/2006/relationships" xmlns:p="http://schemas.openxmlformats.org/presentationml/2006/main">
+  <p:cSld>
+    <p:spTree>
+      <p:nvGrpSpPr>
+        <p:cNvPr id="1" name=""/>
+        <p:cNvGrpSpPr/>
+        <p:nvPr/>
+      </p:nvGrpSpPr>
+      <p:grpSpPr>
+        <a:xfrm>
+          <a:off x="0" y="0"/>
+          <a:ext cx="0" cy="0"/>
+          <a:chOff x="0" y="0"/>
+          <a:chExt cx="0" cy="0"/>
+        </a:xfrm>
+      </p:grpSpPr>
+      <p:sp>
+        <p:nvSpPr>
+          <p:cNvPr id="2" name="Título 1">
+            <a:extLst>
+              <a:ext uri="{FF2B5EF4-FFF2-40B4-BE49-F238E27FC236}">
+                <a16:creationId xmlns:a16="http://schemas.microsoft.com/office/drawing/2014/main" id="{7022658A-0433-D9EA-A664-CF7CD6E611DA}"/>
+              </a:ext>
+            </a:extLst>
+          </p:cNvPr>
+          <p:cNvSpPr>
+            <a:spLocks noGrp="1"/>
+          </p:cNvSpPr>
+          <p:nvPr>
+            <p:ph type="title"/>
+          </p:nvPr>
+        </p:nvSpPr>
+        <p:spPr/>
+        <p:txBody>
+          <a:bodyPr/>
+          <a:lstStyle/>
+          <a:p>
+            <a:endParaRPr lang="pt-PT"/>
+          </a:p>
+        </p:txBody>
+      </p:sp>
+      <p:sp>
+        <p:nvSpPr>
+          <p:cNvPr id="3" name="Marcador de Posição de Conteúdo 2">
+            <a:extLst>
+              <a:ext uri="{FF2B5EF4-FFF2-40B4-BE49-F238E27FC236}">
+                <a16:creationId xmlns:a16="http://schemas.microsoft.com/office/drawing/2014/main" id="{F5BF5107-D476-77C5-0293-0728A2E2FD09}"/>
+              </a:ext>
+            </a:extLst>
+          </p:cNvPr>
+          <p:cNvSpPr>
+            <a:spLocks noGrp="1"/>
+          </p:cNvSpPr>
+          <p:nvPr>
+            <p:ph idx="1"/>
+          </p:nvPr>
+        </p:nvSpPr>
+        <p:spPr/>
+        <p:txBody>
+          <a:bodyPr/>
+          <a:lstStyle/>
+          <a:p>
+            <a:endParaRPr lang="pt-PT"/>
+          </a:p>
+        </p:txBody>
+      </p:sp>
+      <p:sp>
+        <p:nvSpPr>
+          <p:cNvPr id="4" name="Marcador de Posição do Número do Diapositivo 3">
+            <a:extLst>
+              <a:ext uri="{FF2B5EF4-FFF2-40B4-BE49-F238E27FC236}">
+                <a16:creationId xmlns:a16="http://schemas.microsoft.com/office/drawing/2014/main" id="{10F1E43B-B2A3-09A1-8B47-5BA985057F1C}"/>
+              </a:ext>
+            </a:extLst>
+          </p:cNvPr>
+          <p:cNvSpPr>
+            <a:spLocks noGrp="1"/>
+          </p:cNvSpPr>
+          <p:nvPr>
+            <p:ph type="sldNum" sz="quarter" idx="12"/>
+          </p:nvPr>
+        </p:nvSpPr>
+        <p:spPr/>
+        <p:txBody>
+          <a:bodyPr/>
+          <a:lstStyle/>
+          <a:p>
+            <a:fld id="{51845F5A-061D-4825-9AE9-D7794091C6CF}" type="slidenum">
+              <a:rPr lang="en-US" smtClean="0"/>
+              <a:t>8</a:t>
+            </a:fld>
+            <a:endParaRPr lang="en-US"/>
+          </a:p>
+        </p:txBody>
+      </p:sp>
+      <p:pic>
+        <p:nvPicPr>
+          <p:cNvPr id="5" name="Imagem 4">
+            <a:extLst>
+              <a:ext uri="{FF2B5EF4-FFF2-40B4-BE49-F238E27FC236}">
+                <a16:creationId xmlns:a16="http://schemas.microsoft.com/office/drawing/2014/main" id="{D45C5431-5AD4-0BC0-2724-48E388273CCF}"/>
+              </a:ext>
+            </a:extLst>
+          </p:cNvPr>
+          <p:cNvPicPr>
+            <a:picLocks noChangeAspect="1"/>
+          </p:cNvPicPr>
+          <p:nvPr/>
+        </p:nvPicPr>
+        <p:blipFill>
+          <a:blip r:embed="rId2"/>
+          <a:stretch>
+            <a:fillRect/>
+          </a:stretch>
+        </p:blipFill>
+        <p:spPr>
+          <a:xfrm>
+            <a:off x="3152776" y="1965974"/>
+            <a:ext cx="5681662" cy="4298301"/>
+          </a:xfrm>
+          <a:prstGeom prst="rect">
+            <a:avLst/>
+          </a:prstGeom>
+        </p:spPr>
+      </p:pic>
+    </p:spTree>
+    <p:extLst>
+      <p:ext uri="{BB962C8B-B14F-4D97-AF65-F5344CB8AC3E}">
+        <p14:creationId xmlns:p14="http://schemas.microsoft.com/office/powerpoint/2010/main" val="3072601877"/>
+      </p:ext>
+    </p:extLst>
+  </p:cSld>
+  <p:clrMapOvr>
+    <a:masterClrMapping/>
+  </p:clrMapOvr>
+</p:sld>
+</file>
+
+<file path=ppt/slides/slide9.xml><?xml version="1.0" encoding="utf-8"?>
 <p:sld xmlns:a="http://schemas.openxmlformats.org/drawingml/2006/main" xmlns:r="http://schemas.openxmlformats.org/officeDocument/2006/relationships" xmlns:p="http://schemas.openxmlformats.org/presentationml/2006/main">
   <p:cSld>
     <p:bg>
@@ -16289,6 +23554,23 @@
 </file>
 
 <file path=customXml/item1.xml><?xml version="1.0" encoding="utf-8"?>
+<?mso-contentType ?>
+<FormTemplates xmlns="http://schemas.microsoft.com/sharepoint/v3/contenttype/forms">
+  <Display>DocumentLibraryForm</Display>
+  <Edit>DocumentLibraryForm</Edit>
+  <New>DocumentLibraryForm</New>
+</FormTemplates>
+</file>
+
+<file path=customXml/item2.xml><?xml version="1.0" encoding="utf-8"?>
+<p:properties xmlns:p="http://schemas.microsoft.com/office/2006/metadata/properties" xmlns:xsi="http://www.w3.org/2001/XMLSchema-instance" xmlns:pc="http://schemas.microsoft.com/office/infopath/2007/PartnerControls">
+  <documentManagement>
+    <_activity xmlns="f165d792-bb15-4cd3-9e7f-28379c1060f1" xsi:nil="true"/>
+  </documentManagement>
+</p:properties>
+</file>
+
+<file path=customXml/item3.xml><?xml version="1.0" encoding="utf-8"?>
 <ct:contentTypeSchema xmlns:ct="http://schemas.microsoft.com/office/2006/metadata/contentType" xmlns:ma="http://schemas.microsoft.com/office/2006/metadata/properties/metaAttributes" ct:_="" ma:_="" ma:contentTypeName="Documento" ma:contentTypeID="0x010100AA4A8030054C2048B545C4534B04E4C9" ma:contentTypeVersion="15" ma:contentTypeDescription="Criar um novo documento." ma:contentTypeScope="" ma:versionID="6d1ef53deaee0e3aa201b1246a682759">
   <xsd:schema xmlns:xsd="http://www.w3.org/2001/XMLSchema" xmlns:xs="http://www.w3.org/2001/XMLSchema" xmlns:p="http://schemas.microsoft.com/office/2006/metadata/properties" xmlns:ns3="f165d792-bb15-4cd3-9e7f-28379c1060f1" xmlns:ns4="9d692732-caee-4192-ab99-dd7fa19a2edd" targetNamespace="http://schemas.microsoft.com/office/2006/metadata/properties" ma:root="true" ma:fieldsID="45262adc794c055d9c97565fc534839e" ns3:_="" ns4:_="">
     <xsd:import namespace="f165d792-bb15-4cd3-9e7f-28379c1060f1"/>
@@ -16523,38 +23805,10 @@
 </ct:contentTypeSchema>
 </file>
 
-<file path=customXml/item2.xml><?xml version="1.0" encoding="utf-8"?>
-<p:properties xmlns:p="http://schemas.microsoft.com/office/2006/metadata/properties" xmlns:xsi="http://www.w3.org/2001/XMLSchema-instance" xmlns:pc="http://schemas.microsoft.com/office/infopath/2007/PartnerControls">
-  <documentManagement>
-    <_activity xmlns="f165d792-bb15-4cd3-9e7f-28379c1060f1" xsi:nil="true"/>
-  </documentManagement>
-</p:properties>
-</file>
-
-<file path=customXml/item3.xml><?xml version="1.0" encoding="utf-8"?>
-<?mso-contentType ?>
-<FormTemplates xmlns="http://schemas.microsoft.com/sharepoint/v3/contenttype/forms">
-  <Display>DocumentLibraryForm</Display>
-  <Edit>DocumentLibraryForm</Edit>
-  <New>DocumentLibraryForm</New>
-</FormTemplates>
-</file>
-
 <file path=customXml/itemProps1.xml><?xml version="1.0" encoding="utf-8"?>
-<ds:datastoreItem xmlns:ds="http://schemas.openxmlformats.org/officeDocument/2006/customXml" ds:itemID="{A4BC4D57-A39D-4977-B8B1-C76025776EB0}">
+<ds:datastoreItem xmlns:ds="http://schemas.openxmlformats.org/officeDocument/2006/customXml" ds:itemID="{EF148D42-8F59-4D7C-8B12-B537717073E3}">
   <ds:schemaRefs>
-    <ds:schemaRef ds:uri="http://schemas.microsoft.com/office/2006/metadata/contentType"/>
-    <ds:schemaRef ds:uri="http://schemas.microsoft.com/office/2006/metadata/properties/metaAttributes"/>
-    <ds:schemaRef ds:uri="http://www.w3.org/2001/XMLSchema"/>
-    <ds:schemaRef ds:uri="http://schemas.microsoft.com/office/2006/metadata/properties"/>
-    <ds:schemaRef ds:uri="f165d792-bb15-4cd3-9e7f-28379c1060f1"/>
-    <ds:schemaRef ds:uri="9d692732-caee-4192-ab99-dd7fa19a2edd"/>
-    <ds:schemaRef ds:uri="http://schemas.microsoft.com/office/2006/documentManagement/types"/>
-    <ds:schemaRef ds:uri="http://schemas.microsoft.com/office/infopath/2007/PartnerControls"/>
-    <ds:schemaRef ds:uri="http://schemas.openxmlformats.org/package/2006/metadata/core-properties"/>
-    <ds:schemaRef ds:uri="http://purl.org/dc/elements/1.1/"/>
-    <ds:schemaRef ds:uri="http://purl.org/dc/terms/"/>
-    <ds:schemaRef ds:uri="http://schemas.microsoft.com/internal/obd"/>
+    <ds:schemaRef ds:uri="http://schemas.microsoft.com/sharepoint/v3/contenttype/forms"/>
   </ds:schemaRefs>
 </ds:datastoreItem>
 </file>
@@ -16577,9 +23831,20 @@
 </file>
 
 <file path=customXml/itemProps3.xml><?xml version="1.0" encoding="utf-8"?>
-<ds:datastoreItem xmlns:ds="http://schemas.openxmlformats.org/officeDocument/2006/customXml" ds:itemID="{EF148D42-8F59-4D7C-8B12-B537717073E3}">
+<ds:datastoreItem xmlns:ds="http://schemas.openxmlformats.org/officeDocument/2006/customXml" ds:itemID="{A4BC4D57-A39D-4977-B8B1-C76025776EB0}">
   <ds:schemaRefs>
-    <ds:schemaRef ds:uri="http://schemas.microsoft.com/sharepoint/v3/contenttype/forms"/>
+    <ds:schemaRef ds:uri="http://schemas.microsoft.com/office/2006/metadata/contentType"/>
+    <ds:schemaRef ds:uri="http://schemas.microsoft.com/office/2006/metadata/properties/metaAttributes"/>
+    <ds:schemaRef ds:uri="http://www.w3.org/2001/XMLSchema"/>
+    <ds:schemaRef ds:uri="http://schemas.microsoft.com/office/2006/metadata/properties"/>
+    <ds:schemaRef ds:uri="f165d792-bb15-4cd3-9e7f-28379c1060f1"/>
+    <ds:schemaRef ds:uri="9d692732-caee-4192-ab99-dd7fa19a2edd"/>
+    <ds:schemaRef ds:uri="http://schemas.microsoft.com/office/2006/documentManagement/types"/>
+    <ds:schemaRef ds:uri="http://schemas.microsoft.com/office/infopath/2007/PartnerControls"/>
+    <ds:schemaRef ds:uri="http://schemas.openxmlformats.org/package/2006/metadata/core-properties"/>
+    <ds:schemaRef ds:uri="http://purl.org/dc/elements/1.1/"/>
+    <ds:schemaRef ds:uri="http://purl.org/dc/terms/"/>
+    <ds:schemaRef ds:uri="http://schemas.microsoft.com/internal/obd"/>
   </ds:schemaRefs>
 </ds:datastoreItem>
 </file>